--- a/VideoTalks/Module6/slides.pptx
+++ b/VideoTalks/Module6/slides.pptx
@@ -5,51 +5,47 @@
     <p:sldMasterId id="2147483681" r:id="rId1"/>
   </p:sldMasterIdLst>
   <p:notesMasterIdLst>
-    <p:notesMasterId r:id="rId44"/>
+    <p:notesMasterId r:id="rId40"/>
   </p:notesMasterIdLst>
   <p:sldIdLst>
-    <p:sldId id="256" r:id="rId2"/>
-    <p:sldId id="257" r:id="rId3"/>
-    <p:sldId id="258" r:id="rId4"/>
-    <p:sldId id="259" r:id="rId5"/>
-    <p:sldId id="260" r:id="rId6"/>
-    <p:sldId id="261" r:id="rId7"/>
-    <p:sldId id="262" r:id="rId8"/>
-    <p:sldId id="263" r:id="rId9"/>
-    <p:sldId id="264" r:id="rId10"/>
-    <p:sldId id="265" r:id="rId11"/>
-    <p:sldId id="266" r:id="rId12"/>
-    <p:sldId id="267" r:id="rId13"/>
-    <p:sldId id="268" r:id="rId14"/>
-    <p:sldId id="269" r:id="rId15"/>
-    <p:sldId id="270" r:id="rId16"/>
-    <p:sldId id="271" r:id="rId17"/>
-    <p:sldId id="272" r:id="rId18"/>
-    <p:sldId id="273" r:id="rId19"/>
-    <p:sldId id="274" r:id="rId20"/>
-    <p:sldId id="275" r:id="rId21"/>
-    <p:sldId id="276" r:id="rId22"/>
-    <p:sldId id="277" r:id="rId23"/>
-    <p:sldId id="278" r:id="rId24"/>
-    <p:sldId id="279" r:id="rId25"/>
-    <p:sldId id="280" r:id="rId26"/>
-    <p:sldId id="281" r:id="rId27"/>
-    <p:sldId id="282" r:id="rId28"/>
-    <p:sldId id="283" r:id="rId29"/>
-    <p:sldId id="284" r:id="rId30"/>
-    <p:sldId id="285" r:id="rId31"/>
-    <p:sldId id="286" r:id="rId32"/>
-    <p:sldId id="287" r:id="rId33"/>
-    <p:sldId id="288" r:id="rId34"/>
-    <p:sldId id="289" r:id="rId35"/>
-    <p:sldId id="290" r:id="rId36"/>
-    <p:sldId id="291" r:id="rId37"/>
-    <p:sldId id="292" r:id="rId38"/>
-    <p:sldId id="293" r:id="rId39"/>
-    <p:sldId id="294" r:id="rId40"/>
-    <p:sldId id="295" r:id="rId41"/>
-    <p:sldId id="296" r:id="rId42"/>
-    <p:sldId id="297" r:id="rId43"/>
+    <p:sldId id="257" r:id="rId2"/>
+    <p:sldId id="258" r:id="rId3"/>
+    <p:sldId id="259" r:id="rId4"/>
+    <p:sldId id="260" r:id="rId5"/>
+    <p:sldId id="261" r:id="rId6"/>
+    <p:sldId id="262" r:id="rId7"/>
+    <p:sldId id="263" r:id="rId8"/>
+    <p:sldId id="264" r:id="rId9"/>
+    <p:sldId id="265" r:id="rId10"/>
+    <p:sldId id="266" r:id="rId11"/>
+    <p:sldId id="267" r:id="rId12"/>
+    <p:sldId id="268" r:id="rId13"/>
+    <p:sldId id="269" r:id="rId14"/>
+    <p:sldId id="270" r:id="rId15"/>
+    <p:sldId id="271" r:id="rId16"/>
+    <p:sldId id="272" r:id="rId17"/>
+    <p:sldId id="273" r:id="rId18"/>
+    <p:sldId id="274" r:id="rId19"/>
+    <p:sldId id="275" r:id="rId20"/>
+    <p:sldId id="276" r:id="rId21"/>
+    <p:sldId id="277" r:id="rId22"/>
+    <p:sldId id="278" r:id="rId23"/>
+    <p:sldId id="279" r:id="rId24"/>
+    <p:sldId id="280" r:id="rId25"/>
+    <p:sldId id="281" r:id="rId26"/>
+    <p:sldId id="282" r:id="rId27"/>
+    <p:sldId id="283" r:id="rId28"/>
+    <p:sldId id="284" r:id="rId29"/>
+    <p:sldId id="285" r:id="rId30"/>
+    <p:sldId id="286" r:id="rId31"/>
+    <p:sldId id="287" r:id="rId32"/>
+    <p:sldId id="288" r:id="rId33"/>
+    <p:sldId id="290" r:id="rId34"/>
+    <p:sldId id="291" r:id="rId35"/>
+    <p:sldId id="292" r:id="rId36"/>
+    <p:sldId id="293" r:id="rId37"/>
+    <p:sldId id="294" r:id="rId38"/>
+    <p:sldId id="295" r:id="rId39"/>
   </p:sldIdLst>
   <p:sldSz cx="9144000" cy="5143500" type="screen16x9"/>
   <p:notesSz cx="6858000" cy="9144000"/>
@@ -233,7 +229,7 @@
           <a:p>
             <a:fld id="{FB8F41F9-8CE9-2845-9859-875CFABCF188}" type="datetimeFigureOut">
               <a:rPr lang="en-US" smtClean="0"/>
-              <a:t>06/09/15</a:t>
+              <a:t>07/09/15</a:t>
             </a:fld>
             <a:endParaRPr lang="en-US"/>
           </a:p>
@@ -545,6 +541,542 @@
           <a:bodyPr/>
           <a:lstStyle/>
           <a:p>
+            <a:r>
+              <a:rPr lang="en-US" dirty="0" smtClean="0"/>
+              <a:t>PART 1</a:t>
+            </a:r>
+            <a:endParaRPr lang="en-US" dirty="0"/>
+          </a:p>
+        </p:txBody>
+      </p:sp>
+      <p:sp>
+        <p:nvSpPr>
+          <p:cNvPr id="4" name="Slide Number Placeholder 3"/>
+          <p:cNvSpPr>
+            <a:spLocks noGrp="1"/>
+          </p:cNvSpPr>
+          <p:nvPr>
+            <p:ph type="sldNum" sz="quarter" idx="10"/>
+          </p:nvPr>
+        </p:nvSpPr>
+        <p:spPr/>
+        <p:txBody>
+          <a:bodyPr/>
+          <a:lstStyle/>
+          <a:p>
+            <a:fld id="{66FD21CF-4A7A-E342-A99D-34C0B6431F41}" type="slidenum">
+              <a:rPr lang="en-US" smtClean="0"/>
+              <a:t>1</a:t>
+            </a:fld>
+            <a:endParaRPr lang="en-US"/>
+          </a:p>
+        </p:txBody>
+      </p:sp>
+    </p:spTree>
+    <p:extLst>
+      <p:ext uri="{BB962C8B-B14F-4D97-AF65-F5344CB8AC3E}">
+        <p14:creationId xmlns:p14="http://schemas.microsoft.com/office/powerpoint/2010/main" val="1212921667"/>
+      </p:ext>
+    </p:extLst>
+  </p:cSld>
+  <p:clrMapOvr>
+    <a:masterClrMapping/>
+  </p:clrMapOvr>
+</p:notes>
+</file>
+
+<file path=ppt/notesSlides/notesSlide10.xml><?xml version="1.0" encoding="utf-8"?>
+<p:notes xmlns:a="http://schemas.openxmlformats.org/drawingml/2006/main" xmlns:r="http://schemas.openxmlformats.org/officeDocument/2006/relationships" xmlns:p="http://schemas.openxmlformats.org/presentationml/2006/main">
+  <p:cSld>
+    <p:spTree>
+      <p:nvGrpSpPr>
+        <p:cNvPr id="1" name=""/>
+        <p:cNvGrpSpPr/>
+        <p:nvPr/>
+      </p:nvGrpSpPr>
+      <p:grpSpPr>
+        <a:xfrm>
+          <a:off x="0" y="0"/>
+          <a:ext cx="0" cy="0"/>
+          <a:chOff x="0" y="0"/>
+          <a:chExt cx="0" cy="0"/>
+        </a:xfrm>
+      </p:grpSpPr>
+      <p:sp>
+        <p:nvSpPr>
+          <p:cNvPr id="2" name="Slide Image Placeholder 1"/>
+          <p:cNvSpPr>
+            <a:spLocks noGrp="1" noRot="1" noChangeAspect="1"/>
+          </p:cNvSpPr>
+          <p:nvPr>
+            <p:ph type="sldImg"/>
+          </p:nvPr>
+        </p:nvSpPr>
+        <p:spPr/>
+      </p:sp>
+      <p:sp>
+        <p:nvSpPr>
+          <p:cNvPr id="3" name="Notes Placeholder 2"/>
+          <p:cNvSpPr>
+            <a:spLocks noGrp="1"/>
+          </p:cNvSpPr>
+          <p:nvPr>
+            <p:ph type="body" idx="1"/>
+          </p:nvPr>
+        </p:nvSpPr>
+        <p:spPr/>
+        <p:txBody>
+          <a:bodyPr/>
+          <a:lstStyle/>
+          <a:p>
+            <a:r>
+              <a:rPr lang="en-US" smtClean="0"/>
+              <a:t>Part </a:t>
+            </a:r>
+            <a:r>
+              <a:rPr lang="en-US" smtClean="0"/>
+              <a:t>4</a:t>
+            </a:r>
+            <a:endParaRPr lang="en-US" dirty="0"/>
+          </a:p>
+        </p:txBody>
+      </p:sp>
+      <p:sp>
+        <p:nvSpPr>
+          <p:cNvPr id="4" name="Slide Number Placeholder 3"/>
+          <p:cNvSpPr>
+            <a:spLocks noGrp="1"/>
+          </p:cNvSpPr>
+          <p:nvPr>
+            <p:ph type="sldNum" sz="quarter" idx="10"/>
+          </p:nvPr>
+        </p:nvSpPr>
+        <p:spPr/>
+        <p:txBody>
+          <a:bodyPr/>
+          <a:lstStyle/>
+          <a:p>
+            <a:fld id="{66FD21CF-4A7A-E342-A99D-34C0B6431F41}" type="slidenum">
+              <a:rPr lang="en-US" smtClean="0"/>
+              <a:t>27</a:t>
+            </a:fld>
+            <a:endParaRPr lang="en-US"/>
+          </a:p>
+        </p:txBody>
+      </p:sp>
+    </p:spTree>
+    <p:extLst>
+      <p:ext uri="{BB962C8B-B14F-4D97-AF65-F5344CB8AC3E}">
+        <p14:creationId xmlns:p14="http://schemas.microsoft.com/office/powerpoint/2010/main" val="2261985832"/>
+      </p:ext>
+    </p:extLst>
+  </p:cSld>
+  <p:clrMapOvr>
+    <a:masterClrMapping/>
+  </p:clrMapOvr>
+</p:notes>
+</file>
+
+<file path=ppt/notesSlides/notesSlide11.xml><?xml version="1.0" encoding="utf-8"?>
+<p:notes xmlns:a="http://schemas.openxmlformats.org/drawingml/2006/main" xmlns:r="http://schemas.openxmlformats.org/officeDocument/2006/relationships" xmlns:p="http://schemas.openxmlformats.org/presentationml/2006/main">
+  <p:cSld>
+    <p:spTree>
+      <p:nvGrpSpPr>
+        <p:cNvPr id="1" name=""/>
+        <p:cNvGrpSpPr/>
+        <p:nvPr/>
+      </p:nvGrpSpPr>
+      <p:grpSpPr>
+        <a:xfrm>
+          <a:off x="0" y="0"/>
+          <a:ext cx="0" cy="0"/>
+          <a:chOff x="0" y="0"/>
+          <a:chExt cx="0" cy="0"/>
+        </a:xfrm>
+      </p:grpSpPr>
+      <p:sp>
+        <p:nvSpPr>
+          <p:cNvPr id="2" name="Slide Image Placeholder 1"/>
+          <p:cNvSpPr>
+            <a:spLocks noGrp="1" noRot="1" noChangeAspect="1"/>
+          </p:cNvSpPr>
+          <p:nvPr>
+            <p:ph type="sldImg"/>
+          </p:nvPr>
+        </p:nvSpPr>
+        <p:spPr/>
+      </p:sp>
+      <p:sp>
+        <p:nvSpPr>
+          <p:cNvPr id="3" name="Notes Placeholder 2"/>
+          <p:cNvSpPr>
+            <a:spLocks noGrp="1"/>
+          </p:cNvSpPr>
+          <p:nvPr>
+            <p:ph type="body" idx="1"/>
+          </p:nvPr>
+        </p:nvSpPr>
+        <p:spPr/>
+        <p:txBody>
+          <a:bodyPr/>
+          <a:lstStyle/>
+          <a:p>
+            <a:r>
+              <a:rPr lang="en-US" dirty="0" smtClean="0"/>
+              <a:t>Part </a:t>
+            </a:r>
+            <a:r>
+              <a:rPr lang="en-US" dirty="0" smtClean="0"/>
+              <a:t>4</a:t>
+            </a:r>
+            <a:endParaRPr lang="en-US" dirty="0"/>
+          </a:p>
+        </p:txBody>
+      </p:sp>
+      <p:sp>
+        <p:nvSpPr>
+          <p:cNvPr id="4" name="Slide Number Placeholder 3"/>
+          <p:cNvSpPr>
+            <a:spLocks noGrp="1"/>
+          </p:cNvSpPr>
+          <p:nvPr>
+            <p:ph type="sldNum" sz="quarter" idx="10"/>
+          </p:nvPr>
+        </p:nvSpPr>
+        <p:spPr/>
+        <p:txBody>
+          <a:bodyPr/>
+          <a:lstStyle/>
+          <a:p>
+            <a:fld id="{66FD21CF-4A7A-E342-A99D-34C0B6431F41}" type="slidenum">
+              <a:rPr lang="en-US" smtClean="0"/>
+              <a:t>28</a:t>
+            </a:fld>
+            <a:endParaRPr lang="en-US"/>
+          </a:p>
+        </p:txBody>
+      </p:sp>
+    </p:spTree>
+    <p:extLst>
+      <p:ext uri="{BB962C8B-B14F-4D97-AF65-F5344CB8AC3E}">
+        <p14:creationId xmlns:p14="http://schemas.microsoft.com/office/powerpoint/2010/main" val="1066037782"/>
+      </p:ext>
+    </p:extLst>
+  </p:cSld>
+  <p:clrMapOvr>
+    <a:masterClrMapping/>
+  </p:clrMapOvr>
+</p:notes>
+</file>
+
+<file path=ppt/notesSlides/notesSlide12.xml><?xml version="1.0" encoding="utf-8"?>
+<p:notes xmlns:a="http://schemas.openxmlformats.org/drawingml/2006/main" xmlns:r="http://schemas.openxmlformats.org/officeDocument/2006/relationships" xmlns:p="http://schemas.openxmlformats.org/presentationml/2006/main">
+  <p:cSld>
+    <p:spTree>
+      <p:nvGrpSpPr>
+        <p:cNvPr id="1" name=""/>
+        <p:cNvGrpSpPr/>
+        <p:nvPr/>
+      </p:nvGrpSpPr>
+      <p:grpSpPr>
+        <a:xfrm>
+          <a:off x="0" y="0"/>
+          <a:ext cx="0" cy="0"/>
+          <a:chOff x="0" y="0"/>
+          <a:chExt cx="0" cy="0"/>
+        </a:xfrm>
+      </p:grpSpPr>
+      <p:sp>
+        <p:nvSpPr>
+          <p:cNvPr id="2" name="Slide Image Placeholder 1"/>
+          <p:cNvSpPr>
+            <a:spLocks noGrp="1" noRot="1" noChangeAspect="1"/>
+          </p:cNvSpPr>
+          <p:nvPr>
+            <p:ph type="sldImg"/>
+          </p:nvPr>
+        </p:nvSpPr>
+        <p:spPr/>
+      </p:sp>
+      <p:sp>
+        <p:nvSpPr>
+          <p:cNvPr id="3" name="Notes Placeholder 2"/>
+          <p:cNvSpPr>
+            <a:spLocks noGrp="1"/>
+          </p:cNvSpPr>
+          <p:nvPr>
+            <p:ph type="body" idx="1"/>
+          </p:nvPr>
+        </p:nvSpPr>
+        <p:spPr/>
+        <p:txBody>
+          <a:bodyPr/>
+          <a:lstStyle/>
+          <a:p>
+            <a:r>
+              <a:rPr lang="en-US" dirty="0" smtClean="0"/>
+              <a:t>Part 5</a:t>
+            </a:r>
+            <a:endParaRPr lang="en-US" dirty="0"/>
+          </a:p>
+        </p:txBody>
+      </p:sp>
+      <p:sp>
+        <p:nvSpPr>
+          <p:cNvPr id="4" name="Slide Number Placeholder 3"/>
+          <p:cNvSpPr>
+            <a:spLocks noGrp="1"/>
+          </p:cNvSpPr>
+          <p:nvPr>
+            <p:ph type="sldNum" sz="quarter" idx="10"/>
+          </p:nvPr>
+        </p:nvSpPr>
+        <p:spPr/>
+        <p:txBody>
+          <a:bodyPr/>
+          <a:lstStyle/>
+          <a:p>
+            <a:fld id="{66FD21CF-4A7A-E342-A99D-34C0B6431F41}" type="slidenum">
+              <a:rPr lang="en-US" smtClean="0"/>
+              <a:t>30</a:t>
+            </a:fld>
+            <a:endParaRPr lang="en-US"/>
+          </a:p>
+        </p:txBody>
+      </p:sp>
+    </p:spTree>
+    <p:extLst>
+      <p:ext uri="{BB962C8B-B14F-4D97-AF65-F5344CB8AC3E}">
+        <p14:creationId xmlns:p14="http://schemas.microsoft.com/office/powerpoint/2010/main" val="498598568"/>
+      </p:ext>
+    </p:extLst>
+  </p:cSld>
+  <p:clrMapOvr>
+    <a:masterClrMapping/>
+  </p:clrMapOvr>
+</p:notes>
+</file>
+
+<file path=ppt/notesSlides/notesSlide13.xml><?xml version="1.0" encoding="utf-8"?>
+<p:notes xmlns:a="http://schemas.openxmlformats.org/drawingml/2006/main" xmlns:r="http://schemas.openxmlformats.org/officeDocument/2006/relationships" xmlns:p="http://schemas.openxmlformats.org/presentationml/2006/main">
+  <p:cSld>
+    <p:spTree>
+      <p:nvGrpSpPr>
+        <p:cNvPr id="1" name=""/>
+        <p:cNvGrpSpPr/>
+        <p:nvPr/>
+      </p:nvGrpSpPr>
+      <p:grpSpPr>
+        <a:xfrm>
+          <a:off x="0" y="0"/>
+          <a:ext cx="0" cy="0"/>
+          <a:chOff x="0" y="0"/>
+          <a:chExt cx="0" cy="0"/>
+        </a:xfrm>
+      </p:grpSpPr>
+      <p:sp>
+        <p:nvSpPr>
+          <p:cNvPr id="2" name="Slide Image Placeholder 1"/>
+          <p:cNvSpPr>
+            <a:spLocks noGrp="1" noRot="1" noChangeAspect="1"/>
+          </p:cNvSpPr>
+          <p:nvPr>
+            <p:ph type="sldImg"/>
+          </p:nvPr>
+        </p:nvSpPr>
+        <p:spPr/>
+      </p:sp>
+      <p:sp>
+        <p:nvSpPr>
+          <p:cNvPr id="3" name="Notes Placeholder 2"/>
+          <p:cNvSpPr>
+            <a:spLocks noGrp="1"/>
+          </p:cNvSpPr>
+          <p:nvPr>
+            <p:ph type="body" idx="1"/>
+          </p:nvPr>
+        </p:nvSpPr>
+        <p:spPr/>
+        <p:txBody>
+          <a:bodyPr/>
+          <a:lstStyle/>
+          <a:p>
+            <a:r>
+              <a:rPr lang="en-US" dirty="0" smtClean="0"/>
+              <a:t>Part 5</a:t>
+            </a:r>
+            <a:endParaRPr lang="en-US" dirty="0"/>
+          </a:p>
+        </p:txBody>
+      </p:sp>
+      <p:sp>
+        <p:nvSpPr>
+          <p:cNvPr id="4" name="Slide Number Placeholder 3"/>
+          <p:cNvSpPr>
+            <a:spLocks noGrp="1"/>
+          </p:cNvSpPr>
+          <p:nvPr>
+            <p:ph type="sldNum" sz="quarter" idx="10"/>
+          </p:nvPr>
+        </p:nvSpPr>
+        <p:spPr/>
+        <p:txBody>
+          <a:bodyPr/>
+          <a:lstStyle/>
+          <a:p>
+            <a:fld id="{66FD21CF-4A7A-E342-A99D-34C0B6431F41}" type="slidenum">
+              <a:rPr lang="en-US" smtClean="0"/>
+              <a:t>31</a:t>
+            </a:fld>
+            <a:endParaRPr lang="en-US"/>
+          </a:p>
+        </p:txBody>
+      </p:sp>
+    </p:spTree>
+    <p:extLst>
+      <p:ext uri="{BB962C8B-B14F-4D97-AF65-F5344CB8AC3E}">
+        <p14:creationId xmlns:p14="http://schemas.microsoft.com/office/powerpoint/2010/main" val="4182381071"/>
+      </p:ext>
+    </p:extLst>
+  </p:cSld>
+  <p:clrMapOvr>
+    <a:masterClrMapping/>
+  </p:clrMapOvr>
+</p:notes>
+</file>
+
+<file path=ppt/notesSlides/notesSlide14.xml><?xml version="1.0" encoding="utf-8"?>
+<p:notes xmlns:a="http://schemas.openxmlformats.org/drawingml/2006/main" xmlns:r="http://schemas.openxmlformats.org/officeDocument/2006/relationships" xmlns:p="http://schemas.openxmlformats.org/presentationml/2006/main">
+  <p:cSld>
+    <p:spTree>
+      <p:nvGrpSpPr>
+        <p:cNvPr id="1" name=""/>
+        <p:cNvGrpSpPr/>
+        <p:nvPr/>
+      </p:nvGrpSpPr>
+      <p:grpSpPr>
+        <a:xfrm>
+          <a:off x="0" y="0"/>
+          <a:ext cx="0" cy="0"/>
+          <a:chOff x="0" y="0"/>
+          <a:chExt cx="0" cy="0"/>
+        </a:xfrm>
+      </p:grpSpPr>
+      <p:sp>
+        <p:nvSpPr>
+          <p:cNvPr id="2" name="Slide Image Placeholder 1"/>
+          <p:cNvSpPr>
+            <a:spLocks noGrp="1" noRot="1" noChangeAspect="1"/>
+          </p:cNvSpPr>
+          <p:nvPr>
+            <p:ph type="sldImg"/>
+          </p:nvPr>
+        </p:nvSpPr>
+        <p:spPr/>
+      </p:sp>
+      <p:sp>
+        <p:nvSpPr>
+          <p:cNvPr id="3" name="Notes Placeholder 2"/>
+          <p:cNvSpPr>
+            <a:spLocks noGrp="1"/>
+          </p:cNvSpPr>
+          <p:nvPr>
+            <p:ph type="body" idx="1"/>
+          </p:nvPr>
+        </p:nvSpPr>
+        <p:spPr/>
+        <p:txBody>
+          <a:bodyPr/>
+          <a:lstStyle/>
+          <a:p>
+            <a:r>
+              <a:rPr lang="en-US" dirty="0" smtClean="0"/>
+              <a:t>Part 6</a:t>
+            </a:r>
+            <a:endParaRPr lang="en-US" dirty="0"/>
+          </a:p>
+        </p:txBody>
+      </p:sp>
+      <p:sp>
+        <p:nvSpPr>
+          <p:cNvPr id="4" name="Slide Number Placeholder 3"/>
+          <p:cNvSpPr>
+            <a:spLocks noGrp="1"/>
+          </p:cNvSpPr>
+          <p:nvPr>
+            <p:ph type="sldNum" sz="quarter" idx="10"/>
+          </p:nvPr>
+        </p:nvSpPr>
+        <p:spPr/>
+        <p:txBody>
+          <a:bodyPr/>
+          <a:lstStyle/>
+          <a:p>
+            <a:fld id="{66FD21CF-4A7A-E342-A99D-34C0B6431F41}" type="slidenum">
+              <a:rPr lang="en-US" smtClean="0"/>
+              <a:t>33</a:t>
+            </a:fld>
+            <a:endParaRPr lang="en-US"/>
+          </a:p>
+        </p:txBody>
+      </p:sp>
+    </p:spTree>
+    <p:extLst>
+      <p:ext uri="{BB962C8B-B14F-4D97-AF65-F5344CB8AC3E}">
+        <p14:creationId xmlns:p14="http://schemas.microsoft.com/office/powerpoint/2010/main" val="2998755250"/>
+      </p:ext>
+    </p:extLst>
+  </p:cSld>
+  <p:clrMapOvr>
+    <a:masterClrMapping/>
+  </p:clrMapOvr>
+</p:notes>
+</file>
+
+<file path=ppt/notesSlides/notesSlide15.xml><?xml version="1.0" encoding="utf-8"?>
+<p:notes xmlns:a="http://schemas.openxmlformats.org/drawingml/2006/main" xmlns:r="http://schemas.openxmlformats.org/officeDocument/2006/relationships" xmlns:p="http://schemas.openxmlformats.org/presentationml/2006/main">
+  <p:cSld>
+    <p:spTree>
+      <p:nvGrpSpPr>
+        <p:cNvPr id="1" name=""/>
+        <p:cNvGrpSpPr/>
+        <p:nvPr/>
+      </p:nvGrpSpPr>
+      <p:grpSpPr>
+        <a:xfrm>
+          <a:off x="0" y="0"/>
+          <a:ext cx="0" cy="0"/>
+          <a:chOff x="0" y="0"/>
+          <a:chExt cx="0" cy="0"/>
+        </a:xfrm>
+      </p:grpSpPr>
+      <p:sp>
+        <p:nvSpPr>
+          <p:cNvPr id="2" name="Slide Image Placeholder 1"/>
+          <p:cNvSpPr>
+            <a:spLocks noGrp="1" noRot="1" noChangeAspect="1"/>
+          </p:cNvSpPr>
+          <p:nvPr>
+            <p:ph type="sldImg"/>
+          </p:nvPr>
+        </p:nvSpPr>
+        <p:spPr/>
+      </p:sp>
+      <p:sp>
+        <p:nvSpPr>
+          <p:cNvPr id="3" name="Notes Placeholder 2"/>
+          <p:cNvSpPr>
+            <a:spLocks noGrp="1"/>
+          </p:cNvSpPr>
+          <p:nvPr>
+            <p:ph type="body" idx="1"/>
+          </p:nvPr>
+        </p:nvSpPr>
+        <p:spPr/>
+        <p:txBody>
+          <a:bodyPr/>
+          <a:lstStyle/>
+          <a:p>
             <a:pPr marL="0" marR="0" lvl="0" indent="0" algn="l" defTabSz="457200" rtl="0" eaLnBrk="1" fontAlgn="auto" latinLnBrk="0" hangingPunct="1">
               <a:lnSpc>
                 <a:spcPct val="100000"/>
@@ -564,11 +1096,7 @@
             </a:pPr>
             <a:r>
               <a:rPr lang="en-US" dirty="0" smtClean="0"/>
-              <a:t>NOTE: </a:t>
-            </a:r>
-            <a:r>
-              <a:rPr lang="en-US" dirty="0" smtClean="0"/>
-              <a:t>MPI </a:t>
+              <a:t>NOTE: MPI </a:t>
             </a:r>
             <a:r>
               <a:rPr lang="en-US" i="1" dirty="0" smtClean="0"/>
@@ -635,7 +1163,7 @@
           <a:p>
             <a:fld id="{66FD21CF-4A7A-E342-A99D-34C0B6431F41}" type="slidenum">
               <a:rPr lang="en-US" smtClean="0"/>
-              <a:t>38</a:t>
+              <a:t>36</a:t>
             </a:fld>
             <a:endParaRPr lang="en-US"/>
           </a:p>
@@ -645,6 +1173,810 @@
     <p:extLst>
       <p:ext uri="{BB962C8B-B14F-4D97-AF65-F5344CB8AC3E}">
         <p14:creationId xmlns:p14="http://schemas.microsoft.com/office/powerpoint/2010/main" val="395065212"/>
+      </p:ext>
+    </p:extLst>
+  </p:cSld>
+  <p:clrMapOvr>
+    <a:masterClrMapping/>
+  </p:clrMapOvr>
+</p:notes>
+</file>
+
+<file path=ppt/notesSlides/notesSlide16.xml><?xml version="1.0" encoding="utf-8"?>
+<p:notes xmlns:a="http://schemas.openxmlformats.org/drawingml/2006/main" xmlns:r="http://schemas.openxmlformats.org/officeDocument/2006/relationships" xmlns:p="http://schemas.openxmlformats.org/presentationml/2006/main">
+  <p:cSld>
+    <p:spTree>
+      <p:nvGrpSpPr>
+        <p:cNvPr id="1" name=""/>
+        <p:cNvGrpSpPr/>
+        <p:nvPr/>
+      </p:nvGrpSpPr>
+      <p:grpSpPr>
+        <a:xfrm>
+          <a:off x="0" y="0"/>
+          <a:ext cx="0" cy="0"/>
+          <a:chOff x="0" y="0"/>
+          <a:chExt cx="0" cy="0"/>
+        </a:xfrm>
+      </p:grpSpPr>
+      <p:sp>
+        <p:nvSpPr>
+          <p:cNvPr id="2" name="Slide Image Placeholder 1"/>
+          <p:cNvSpPr>
+            <a:spLocks noGrp="1" noRot="1" noChangeAspect="1"/>
+          </p:cNvSpPr>
+          <p:nvPr>
+            <p:ph type="sldImg"/>
+          </p:nvPr>
+        </p:nvSpPr>
+        <p:spPr/>
+      </p:sp>
+      <p:sp>
+        <p:nvSpPr>
+          <p:cNvPr id="3" name="Notes Placeholder 2"/>
+          <p:cNvSpPr>
+            <a:spLocks noGrp="1"/>
+          </p:cNvSpPr>
+          <p:nvPr>
+            <p:ph type="body" idx="1"/>
+          </p:nvPr>
+        </p:nvSpPr>
+        <p:spPr/>
+        <p:txBody>
+          <a:bodyPr/>
+          <a:lstStyle/>
+          <a:p>
+            <a:r>
+              <a:rPr lang="en-US" dirty="0" smtClean="0"/>
+              <a:t>Part 7</a:t>
+            </a:r>
+            <a:endParaRPr lang="en-US" dirty="0"/>
+          </a:p>
+        </p:txBody>
+      </p:sp>
+      <p:sp>
+        <p:nvSpPr>
+          <p:cNvPr id="4" name="Slide Number Placeholder 3"/>
+          <p:cNvSpPr>
+            <a:spLocks noGrp="1"/>
+          </p:cNvSpPr>
+          <p:nvPr>
+            <p:ph type="sldNum" sz="quarter" idx="10"/>
+          </p:nvPr>
+        </p:nvSpPr>
+        <p:spPr/>
+        <p:txBody>
+          <a:bodyPr/>
+          <a:lstStyle/>
+          <a:p>
+            <a:fld id="{66FD21CF-4A7A-E342-A99D-34C0B6431F41}" type="slidenum">
+              <a:rPr lang="en-US" smtClean="0"/>
+              <a:t>38</a:t>
+            </a:fld>
+            <a:endParaRPr lang="en-US"/>
+          </a:p>
+        </p:txBody>
+      </p:sp>
+    </p:spTree>
+    <p:extLst>
+      <p:ext uri="{BB962C8B-B14F-4D97-AF65-F5344CB8AC3E}">
+        <p14:creationId xmlns:p14="http://schemas.microsoft.com/office/powerpoint/2010/main" val="2771128910"/>
+      </p:ext>
+    </p:extLst>
+  </p:cSld>
+  <p:clrMapOvr>
+    <a:masterClrMapping/>
+  </p:clrMapOvr>
+</p:notes>
+</file>
+
+<file path=ppt/notesSlides/notesSlide2.xml><?xml version="1.0" encoding="utf-8"?>
+<p:notes xmlns:a="http://schemas.openxmlformats.org/drawingml/2006/main" xmlns:r="http://schemas.openxmlformats.org/officeDocument/2006/relationships" xmlns:p="http://schemas.openxmlformats.org/presentationml/2006/main">
+  <p:cSld>
+    <p:spTree>
+      <p:nvGrpSpPr>
+        <p:cNvPr id="1" name=""/>
+        <p:cNvGrpSpPr/>
+        <p:nvPr/>
+      </p:nvGrpSpPr>
+      <p:grpSpPr>
+        <a:xfrm>
+          <a:off x="0" y="0"/>
+          <a:ext cx="0" cy="0"/>
+          <a:chOff x="0" y="0"/>
+          <a:chExt cx="0" cy="0"/>
+        </a:xfrm>
+      </p:grpSpPr>
+      <p:sp>
+        <p:nvSpPr>
+          <p:cNvPr id="2" name="Slide Image Placeholder 1"/>
+          <p:cNvSpPr>
+            <a:spLocks noGrp="1" noRot="1" noChangeAspect="1"/>
+          </p:cNvSpPr>
+          <p:nvPr>
+            <p:ph type="sldImg"/>
+          </p:nvPr>
+        </p:nvSpPr>
+        <p:spPr/>
+      </p:sp>
+      <p:sp>
+        <p:nvSpPr>
+          <p:cNvPr id="3" name="Notes Placeholder 2"/>
+          <p:cNvSpPr>
+            <a:spLocks noGrp="1"/>
+          </p:cNvSpPr>
+          <p:nvPr>
+            <p:ph type="body" idx="1"/>
+          </p:nvPr>
+        </p:nvSpPr>
+        <p:spPr/>
+        <p:txBody>
+          <a:bodyPr/>
+          <a:lstStyle/>
+          <a:p>
+            <a:r>
+              <a:rPr lang="en-US" dirty="0" smtClean="0"/>
+              <a:t>PART 1</a:t>
+            </a:r>
+            <a:endParaRPr lang="en-US" dirty="0"/>
+          </a:p>
+        </p:txBody>
+      </p:sp>
+      <p:sp>
+        <p:nvSpPr>
+          <p:cNvPr id="4" name="Slide Number Placeholder 3"/>
+          <p:cNvSpPr>
+            <a:spLocks noGrp="1"/>
+          </p:cNvSpPr>
+          <p:nvPr>
+            <p:ph type="sldNum" sz="quarter" idx="10"/>
+          </p:nvPr>
+        </p:nvSpPr>
+        <p:spPr/>
+        <p:txBody>
+          <a:bodyPr/>
+          <a:lstStyle/>
+          <a:p>
+            <a:fld id="{66FD21CF-4A7A-E342-A99D-34C0B6431F41}" type="slidenum">
+              <a:rPr lang="en-US" smtClean="0"/>
+              <a:t>2</a:t>
+            </a:fld>
+            <a:endParaRPr lang="en-US"/>
+          </a:p>
+        </p:txBody>
+      </p:sp>
+    </p:spTree>
+    <p:extLst>
+      <p:ext uri="{BB962C8B-B14F-4D97-AF65-F5344CB8AC3E}">
+        <p14:creationId xmlns:p14="http://schemas.microsoft.com/office/powerpoint/2010/main" val="55395949"/>
+      </p:ext>
+    </p:extLst>
+  </p:cSld>
+  <p:clrMapOvr>
+    <a:masterClrMapping/>
+  </p:clrMapOvr>
+</p:notes>
+</file>
+
+<file path=ppt/notesSlides/notesSlide3.xml><?xml version="1.0" encoding="utf-8"?>
+<p:notes xmlns:a="http://schemas.openxmlformats.org/drawingml/2006/main" xmlns:r="http://schemas.openxmlformats.org/officeDocument/2006/relationships" xmlns:p="http://schemas.openxmlformats.org/presentationml/2006/main">
+  <p:cSld>
+    <p:spTree>
+      <p:nvGrpSpPr>
+        <p:cNvPr id="1" name=""/>
+        <p:cNvGrpSpPr/>
+        <p:nvPr/>
+      </p:nvGrpSpPr>
+      <p:grpSpPr>
+        <a:xfrm>
+          <a:off x="0" y="0"/>
+          <a:ext cx="0" cy="0"/>
+          <a:chOff x="0" y="0"/>
+          <a:chExt cx="0" cy="0"/>
+        </a:xfrm>
+      </p:grpSpPr>
+      <p:sp>
+        <p:nvSpPr>
+          <p:cNvPr id="2" name="Slide Image Placeholder 1"/>
+          <p:cNvSpPr>
+            <a:spLocks noGrp="1" noRot="1" noChangeAspect="1"/>
+          </p:cNvSpPr>
+          <p:nvPr>
+            <p:ph type="sldImg"/>
+          </p:nvPr>
+        </p:nvSpPr>
+        <p:spPr/>
+      </p:sp>
+      <p:sp>
+        <p:nvSpPr>
+          <p:cNvPr id="3" name="Notes Placeholder 2"/>
+          <p:cNvSpPr>
+            <a:spLocks noGrp="1"/>
+          </p:cNvSpPr>
+          <p:nvPr>
+            <p:ph type="body" idx="1"/>
+          </p:nvPr>
+        </p:nvSpPr>
+        <p:spPr/>
+        <p:txBody>
+          <a:bodyPr/>
+          <a:lstStyle/>
+          <a:p>
+            <a:r>
+              <a:rPr lang="en-US" dirty="0" smtClean="0"/>
+              <a:t>Part 1</a:t>
+            </a:r>
+            <a:endParaRPr lang="en-US" dirty="0"/>
+          </a:p>
+        </p:txBody>
+      </p:sp>
+      <p:sp>
+        <p:nvSpPr>
+          <p:cNvPr id="4" name="Slide Number Placeholder 3"/>
+          <p:cNvSpPr>
+            <a:spLocks noGrp="1"/>
+          </p:cNvSpPr>
+          <p:nvPr>
+            <p:ph type="sldNum" sz="quarter" idx="10"/>
+          </p:nvPr>
+        </p:nvSpPr>
+        <p:spPr/>
+        <p:txBody>
+          <a:bodyPr/>
+          <a:lstStyle/>
+          <a:p>
+            <a:fld id="{66FD21CF-4A7A-E342-A99D-34C0B6431F41}" type="slidenum">
+              <a:rPr lang="en-US" smtClean="0"/>
+              <a:t>3</a:t>
+            </a:fld>
+            <a:endParaRPr lang="en-US"/>
+          </a:p>
+        </p:txBody>
+      </p:sp>
+    </p:spTree>
+    <p:extLst>
+      <p:ext uri="{BB962C8B-B14F-4D97-AF65-F5344CB8AC3E}">
+        <p14:creationId xmlns:p14="http://schemas.microsoft.com/office/powerpoint/2010/main" val="1812651521"/>
+      </p:ext>
+    </p:extLst>
+  </p:cSld>
+  <p:clrMapOvr>
+    <a:masterClrMapping/>
+  </p:clrMapOvr>
+</p:notes>
+</file>
+
+<file path=ppt/notesSlides/notesSlide4.xml><?xml version="1.0" encoding="utf-8"?>
+<p:notes xmlns:a="http://schemas.openxmlformats.org/drawingml/2006/main" xmlns:r="http://schemas.openxmlformats.org/officeDocument/2006/relationships" xmlns:p="http://schemas.openxmlformats.org/presentationml/2006/main">
+  <p:cSld>
+    <p:spTree>
+      <p:nvGrpSpPr>
+        <p:cNvPr id="1" name=""/>
+        <p:cNvGrpSpPr/>
+        <p:nvPr/>
+      </p:nvGrpSpPr>
+      <p:grpSpPr>
+        <a:xfrm>
+          <a:off x="0" y="0"/>
+          <a:ext cx="0" cy="0"/>
+          <a:chOff x="0" y="0"/>
+          <a:chExt cx="0" cy="0"/>
+        </a:xfrm>
+      </p:grpSpPr>
+      <p:sp>
+        <p:nvSpPr>
+          <p:cNvPr id="2" name="Slide Image Placeholder 1"/>
+          <p:cNvSpPr>
+            <a:spLocks noGrp="1" noRot="1" noChangeAspect="1"/>
+          </p:cNvSpPr>
+          <p:nvPr>
+            <p:ph type="sldImg"/>
+          </p:nvPr>
+        </p:nvSpPr>
+        <p:spPr/>
+      </p:sp>
+      <p:sp>
+        <p:nvSpPr>
+          <p:cNvPr id="3" name="Notes Placeholder 2"/>
+          <p:cNvSpPr>
+            <a:spLocks noGrp="1"/>
+          </p:cNvSpPr>
+          <p:nvPr>
+            <p:ph type="body" idx="1"/>
+          </p:nvPr>
+        </p:nvSpPr>
+        <p:spPr/>
+        <p:txBody>
+          <a:bodyPr/>
+          <a:lstStyle/>
+          <a:p>
+            <a:r>
+              <a:rPr lang="en-US" dirty="0" smtClean="0"/>
+              <a:t>Part 1</a:t>
+            </a:r>
+            <a:endParaRPr lang="en-US" dirty="0"/>
+          </a:p>
+        </p:txBody>
+      </p:sp>
+      <p:sp>
+        <p:nvSpPr>
+          <p:cNvPr id="4" name="Slide Number Placeholder 3"/>
+          <p:cNvSpPr>
+            <a:spLocks noGrp="1"/>
+          </p:cNvSpPr>
+          <p:nvPr>
+            <p:ph type="sldNum" sz="quarter" idx="10"/>
+          </p:nvPr>
+        </p:nvSpPr>
+        <p:spPr/>
+        <p:txBody>
+          <a:bodyPr/>
+          <a:lstStyle/>
+          <a:p>
+            <a:fld id="{66FD21CF-4A7A-E342-A99D-34C0B6431F41}" type="slidenum">
+              <a:rPr lang="en-US" smtClean="0"/>
+              <a:t>4</a:t>
+            </a:fld>
+            <a:endParaRPr lang="en-US"/>
+          </a:p>
+        </p:txBody>
+      </p:sp>
+    </p:spTree>
+    <p:extLst>
+      <p:ext uri="{BB962C8B-B14F-4D97-AF65-F5344CB8AC3E}">
+        <p14:creationId xmlns:p14="http://schemas.microsoft.com/office/powerpoint/2010/main" val="2456818887"/>
+      </p:ext>
+    </p:extLst>
+  </p:cSld>
+  <p:clrMapOvr>
+    <a:masterClrMapping/>
+  </p:clrMapOvr>
+</p:notes>
+</file>
+
+<file path=ppt/notesSlides/notesSlide5.xml><?xml version="1.0" encoding="utf-8"?>
+<p:notes xmlns:a="http://schemas.openxmlformats.org/drawingml/2006/main" xmlns:r="http://schemas.openxmlformats.org/officeDocument/2006/relationships" xmlns:p="http://schemas.openxmlformats.org/presentationml/2006/main">
+  <p:cSld>
+    <p:spTree>
+      <p:nvGrpSpPr>
+        <p:cNvPr id="1" name=""/>
+        <p:cNvGrpSpPr/>
+        <p:nvPr/>
+      </p:nvGrpSpPr>
+      <p:grpSpPr>
+        <a:xfrm>
+          <a:off x="0" y="0"/>
+          <a:ext cx="0" cy="0"/>
+          <a:chOff x="0" y="0"/>
+          <a:chExt cx="0" cy="0"/>
+        </a:xfrm>
+      </p:grpSpPr>
+      <p:sp>
+        <p:nvSpPr>
+          <p:cNvPr id="2" name="Slide Image Placeholder 1"/>
+          <p:cNvSpPr>
+            <a:spLocks noGrp="1" noRot="1" noChangeAspect="1"/>
+          </p:cNvSpPr>
+          <p:nvPr>
+            <p:ph type="sldImg"/>
+          </p:nvPr>
+        </p:nvSpPr>
+        <p:spPr/>
+      </p:sp>
+      <p:sp>
+        <p:nvSpPr>
+          <p:cNvPr id="3" name="Notes Placeholder 2"/>
+          <p:cNvSpPr>
+            <a:spLocks noGrp="1"/>
+          </p:cNvSpPr>
+          <p:nvPr>
+            <p:ph type="body" idx="1"/>
+          </p:nvPr>
+        </p:nvSpPr>
+        <p:spPr/>
+        <p:txBody>
+          <a:bodyPr/>
+          <a:lstStyle/>
+          <a:p>
+            <a:endParaRPr lang="en-US" dirty="0"/>
+          </a:p>
+        </p:txBody>
+      </p:sp>
+      <p:sp>
+        <p:nvSpPr>
+          <p:cNvPr id="4" name="Slide Number Placeholder 3"/>
+          <p:cNvSpPr>
+            <a:spLocks noGrp="1"/>
+          </p:cNvSpPr>
+          <p:nvPr>
+            <p:ph type="sldNum" sz="quarter" idx="10"/>
+          </p:nvPr>
+        </p:nvSpPr>
+        <p:spPr/>
+        <p:txBody>
+          <a:bodyPr/>
+          <a:lstStyle/>
+          <a:p>
+            <a:fld id="{66FD21CF-4A7A-E342-A99D-34C0B6431F41}" type="slidenum">
+              <a:rPr lang="en-US" smtClean="0"/>
+              <a:t>5</a:t>
+            </a:fld>
+            <a:endParaRPr lang="en-US"/>
+          </a:p>
+        </p:txBody>
+      </p:sp>
+    </p:spTree>
+    <p:extLst>
+      <p:ext uri="{BB962C8B-B14F-4D97-AF65-F5344CB8AC3E}">
+        <p14:creationId xmlns:p14="http://schemas.microsoft.com/office/powerpoint/2010/main" val="4147625976"/>
+      </p:ext>
+    </p:extLst>
+  </p:cSld>
+  <p:clrMapOvr>
+    <a:masterClrMapping/>
+  </p:clrMapOvr>
+</p:notes>
+</file>
+
+<file path=ppt/notesSlides/notesSlide6.xml><?xml version="1.0" encoding="utf-8"?>
+<p:notes xmlns:a="http://schemas.openxmlformats.org/drawingml/2006/main" xmlns:r="http://schemas.openxmlformats.org/officeDocument/2006/relationships" xmlns:p="http://schemas.openxmlformats.org/presentationml/2006/main">
+  <p:cSld>
+    <p:spTree>
+      <p:nvGrpSpPr>
+        <p:cNvPr id="1" name=""/>
+        <p:cNvGrpSpPr/>
+        <p:nvPr/>
+      </p:nvGrpSpPr>
+      <p:grpSpPr>
+        <a:xfrm>
+          <a:off x="0" y="0"/>
+          <a:ext cx="0" cy="0"/>
+          <a:chOff x="0" y="0"/>
+          <a:chExt cx="0" cy="0"/>
+        </a:xfrm>
+      </p:grpSpPr>
+      <p:sp>
+        <p:nvSpPr>
+          <p:cNvPr id="2" name="Slide Image Placeholder 1"/>
+          <p:cNvSpPr>
+            <a:spLocks noGrp="1" noRot="1" noChangeAspect="1"/>
+          </p:cNvSpPr>
+          <p:nvPr>
+            <p:ph type="sldImg"/>
+          </p:nvPr>
+        </p:nvSpPr>
+        <p:spPr/>
+      </p:sp>
+      <p:sp>
+        <p:nvSpPr>
+          <p:cNvPr id="3" name="Notes Placeholder 2"/>
+          <p:cNvSpPr>
+            <a:spLocks noGrp="1"/>
+          </p:cNvSpPr>
+          <p:nvPr>
+            <p:ph type="body" idx="1"/>
+          </p:nvPr>
+        </p:nvSpPr>
+        <p:spPr/>
+        <p:txBody>
+          <a:bodyPr/>
+          <a:lstStyle/>
+          <a:p>
+            <a:r>
+              <a:rPr lang="en-US" dirty="0" smtClean="0"/>
+              <a:t>Part 2</a:t>
+            </a:r>
+            <a:endParaRPr lang="en-US" dirty="0"/>
+          </a:p>
+        </p:txBody>
+      </p:sp>
+      <p:sp>
+        <p:nvSpPr>
+          <p:cNvPr id="4" name="Slide Number Placeholder 3"/>
+          <p:cNvSpPr>
+            <a:spLocks noGrp="1"/>
+          </p:cNvSpPr>
+          <p:nvPr>
+            <p:ph type="sldNum" sz="quarter" idx="10"/>
+          </p:nvPr>
+        </p:nvSpPr>
+        <p:spPr/>
+        <p:txBody>
+          <a:bodyPr/>
+          <a:lstStyle/>
+          <a:p>
+            <a:fld id="{66FD21CF-4A7A-E342-A99D-34C0B6431F41}" type="slidenum">
+              <a:rPr lang="en-US" smtClean="0"/>
+              <a:t>23</a:t>
+            </a:fld>
+            <a:endParaRPr lang="en-US"/>
+          </a:p>
+        </p:txBody>
+      </p:sp>
+    </p:spTree>
+    <p:extLst>
+      <p:ext uri="{BB962C8B-B14F-4D97-AF65-F5344CB8AC3E}">
+        <p14:creationId xmlns:p14="http://schemas.microsoft.com/office/powerpoint/2010/main" val="2416803810"/>
+      </p:ext>
+    </p:extLst>
+  </p:cSld>
+  <p:clrMapOvr>
+    <a:masterClrMapping/>
+  </p:clrMapOvr>
+</p:notes>
+</file>
+
+<file path=ppt/notesSlides/notesSlide7.xml><?xml version="1.0" encoding="utf-8"?>
+<p:notes xmlns:a="http://schemas.openxmlformats.org/drawingml/2006/main" xmlns:r="http://schemas.openxmlformats.org/officeDocument/2006/relationships" xmlns:p="http://schemas.openxmlformats.org/presentationml/2006/main">
+  <p:cSld>
+    <p:spTree>
+      <p:nvGrpSpPr>
+        <p:cNvPr id="1" name=""/>
+        <p:cNvGrpSpPr/>
+        <p:nvPr/>
+      </p:nvGrpSpPr>
+      <p:grpSpPr>
+        <a:xfrm>
+          <a:off x="0" y="0"/>
+          <a:ext cx="0" cy="0"/>
+          <a:chOff x="0" y="0"/>
+          <a:chExt cx="0" cy="0"/>
+        </a:xfrm>
+      </p:grpSpPr>
+      <p:sp>
+        <p:nvSpPr>
+          <p:cNvPr id="2" name="Slide Image Placeholder 1"/>
+          <p:cNvSpPr>
+            <a:spLocks noGrp="1" noRot="1" noChangeAspect="1"/>
+          </p:cNvSpPr>
+          <p:nvPr>
+            <p:ph type="sldImg"/>
+          </p:nvPr>
+        </p:nvSpPr>
+        <p:spPr/>
+      </p:sp>
+      <p:sp>
+        <p:nvSpPr>
+          <p:cNvPr id="3" name="Notes Placeholder 2"/>
+          <p:cNvSpPr>
+            <a:spLocks noGrp="1"/>
+          </p:cNvSpPr>
+          <p:nvPr>
+            <p:ph type="body" idx="1"/>
+          </p:nvPr>
+        </p:nvSpPr>
+        <p:spPr/>
+        <p:txBody>
+          <a:bodyPr/>
+          <a:lstStyle/>
+          <a:p>
+            <a:r>
+              <a:rPr lang="en-US" dirty="0" smtClean="0">
+                <a:solidFill>
+                  <a:srgbClr val="B54721"/>
+                </a:solidFill>
+              </a:rPr>
+              <a:t>Part</a:t>
+            </a:r>
+            <a:r>
+              <a:rPr lang="en-US" baseline="0" dirty="0" smtClean="0">
+                <a:solidFill>
+                  <a:srgbClr val="B54721"/>
+                </a:solidFill>
+              </a:rPr>
+              <a:t> 2</a:t>
+            </a:r>
+            <a:endParaRPr lang="en-US" dirty="0"/>
+          </a:p>
+        </p:txBody>
+      </p:sp>
+      <p:sp>
+        <p:nvSpPr>
+          <p:cNvPr id="4" name="Slide Number Placeholder 3"/>
+          <p:cNvSpPr>
+            <a:spLocks noGrp="1"/>
+          </p:cNvSpPr>
+          <p:nvPr>
+            <p:ph type="sldNum" sz="quarter" idx="10"/>
+          </p:nvPr>
+        </p:nvSpPr>
+        <p:spPr/>
+        <p:txBody>
+          <a:bodyPr/>
+          <a:lstStyle/>
+          <a:p>
+            <a:fld id="{66FD21CF-4A7A-E342-A99D-34C0B6431F41}" type="slidenum">
+              <a:rPr lang="en-US" smtClean="0"/>
+              <a:t>24</a:t>
+            </a:fld>
+            <a:endParaRPr lang="en-US"/>
+          </a:p>
+        </p:txBody>
+      </p:sp>
+    </p:spTree>
+    <p:extLst>
+      <p:ext uri="{BB962C8B-B14F-4D97-AF65-F5344CB8AC3E}">
+        <p14:creationId xmlns:p14="http://schemas.microsoft.com/office/powerpoint/2010/main" val="3696874202"/>
+      </p:ext>
+    </p:extLst>
+  </p:cSld>
+  <p:clrMapOvr>
+    <a:masterClrMapping/>
+  </p:clrMapOvr>
+</p:notes>
+</file>
+
+<file path=ppt/notesSlides/notesSlide8.xml><?xml version="1.0" encoding="utf-8"?>
+<p:notes xmlns:a="http://schemas.openxmlformats.org/drawingml/2006/main" xmlns:r="http://schemas.openxmlformats.org/officeDocument/2006/relationships" xmlns:p="http://schemas.openxmlformats.org/presentationml/2006/main">
+  <p:cSld>
+    <p:spTree>
+      <p:nvGrpSpPr>
+        <p:cNvPr id="1" name=""/>
+        <p:cNvGrpSpPr/>
+        <p:nvPr/>
+      </p:nvGrpSpPr>
+      <p:grpSpPr>
+        <a:xfrm>
+          <a:off x="0" y="0"/>
+          <a:ext cx="0" cy="0"/>
+          <a:chOff x="0" y="0"/>
+          <a:chExt cx="0" cy="0"/>
+        </a:xfrm>
+      </p:grpSpPr>
+      <p:sp>
+        <p:nvSpPr>
+          <p:cNvPr id="2" name="Slide Image Placeholder 1"/>
+          <p:cNvSpPr>
+            <a:spLocks noGrp="1" noRot="1" noChangeAspect="1"/>
+          </p:cNvSpPr>
+          <p:nvPr>
+            <p:ph type="sldImg"/>
+          </p:nvPr>
+        </p:nvSpPr>
+        <p:spPr/>
+      </p:sp>
+      <p:sp>
+        <p:nvSpPr>
+          <p:cNvPr id="3" name="Notes Placeholder 2"/>
+          <p:cNvSpPr>
+            <a:spLocks noGrp="1"/>
+          </p:cNvSpPr>
+          <p:nvPr>
+            <p:ph type="body" idx="1"/>
+          </p:nvPr>
+        </p:nvSpPr>
+        <p:spPr/>
+        <p:txBody>
+          <a:bodyPr/>
+          <a:lstStyle/>
+          <a:p>
+            <a:r>
+              <a:rPr lang="en-US" dirty="0" smtClean="0"/>
+              <a:t>Part 3</a:t>
+            </a:r>
+            <a:endParaRPr lang="en-US" dirty="0"/>
+          </a:p>
+        </p:txBody>
+      </p:sp>
+      <p:sp>
+        <p:nvSpPr>
+          <p:cNvPr id="4" name="Slide Number Placeholder 3"/>
+          <p:cNvSpPr>
+            <a:spLocks noGrp="1"/>
+          </p:cNvSpPr>
+          <p:nvPr>
+            <p:ph type="sldNum" sz="quarter" idx="10"/>
+          </p:nvPr>
+        </p:nvSpPr>
+        <p:spPr/>
+        <p:txBody>
+          <a:bodyPr/>
+          <a:lstStyle/>
+          <a:p>
+            <a:fld id="{66FD21CF-4A7A-E342-A99D-34C0B6431F41}" type="slidenum">
+              <a:rPr lang="en-US" smtClean="0"/>
+              <a:t>25</a:t>
+            </a:fld>
+            <a:endParaRPr lang="en-US"/>
+          </a:p>
+        </p:txBody>
+      </p:sp>
+    </p:spTree>
+    <p:extLst>
+      <p:ext uri="{BB962C8B-B14F-4D97-AF65-F5344CB8AC3E}">
+        <p14:creationId xmlns:p14="http://schemas.microsoft.com/office/powerpoint/2010/main" val="2223616573"/>
+      </p:ext>
+    </p:extLst>
+  </p:cSld>
+  <p:clrMapOvr>
+    <a:masterClrMapping/>
+  </p:clrMapOvr>
+</p:notes>
+</file>
+
+<file path=ppt/notesSlides/notesSlide9.xml><?xml version="1.0" encoding="utf-8"?>
+<p:notes xmlns:a="http://schemas.openxmlformats.org/drawingml/2006/main" xmlns:r="http://schemas.openxmlformats.org/officeDocument/2006/relationships" xmlns:p="http://schemas.openxmlformats.org/presentationml/2006/main">
+  <p:cSld>
+    <p:spTree>
+      <p:nvGrpSpPr>
+        <p:cNvPr id="1" name=""/>
+        <p:cNvGrpSpPr/>
+        <p:nvPr/>
+      </p:nvGrpSpPr>
+      <p:grpSpPr>
+        <a:xfrm>
+          <a:off x="0" y="0"/>
+          <a:ext cx="0" cy="0"/>
+          <a:chOff x="0" y="0"/>
+          <a:chExt cx="0" cy="0"/>
+        </a:xfrm>
+      </p:grpSpPr>
+      <p:sp>
+        <p:nvSpPr>
+          <p:cNvPr id="2" name="Slide Image Placeholder 1"/>
+          <p:cNvSpPr>
+            <a:spLocks noGrp="1" noRot="1" noChangeAspect="1"/>
+          </p:cNvSpPr>
+          <p:nvPr>
+            <p:ph type="sldImg"/>
+          </p:nvPr>
+        </p:nvSpPr>
+        <p:spPr/>
+      </p:sp>
+      <p:sp>
+        <p:nvSpPr>
+          <p:cNvPr id="3" name="Notes Placeholder 2"/>
+          <p:cNvSpPr>
+            <a:spLocks noGrp="1"/>
+          </p:cNvSpPr>
+          <p:nvPr>
+            <p:ph type="body" idx="1"/>
+          </p:nvPr>
+        </p:nvSpPr>
+        <p:spPr/>
+        <p:txBody>
+          <a:bodyPr/>
+          <a:lstStyle/>
+          <a:p>
+            <a:r>
+              <a:rPr lang="en-US" dirty="0" smtClean="0"/>
+              <a:t>Part </a:t>
+            </a:r>
+            <a:r>
+              <a:rPr lang="en-US" dirty="0" smtClean="0"/>
+              <a:t>4</a:t>
+            </a:r>
+            <a:endParaRPr lang="en-US" dirty="0"/>
+          </a:p>
+        </p:txBody>
+      </p:sp>
+      <p:sp>
+        <p:nvSpPr>
+          <p:cNvPr id="4" name="Slide Number Placeholder 3"/>
+          <p:cNvSpPr>
+            <a:spLocks noGrp="1"/>
+          </p:cNvSpPr>
+          <p:nvPr>
+            <p:ph type="sldNum" sz="quarter" idx="10"/>
+          </p:nvPr>
+        </p:nvSpPr>
+        <p:spPr/>
+        <p:txBody>
+          <a:bodyPr/>
+          <a:lstStyle/>
+          <a:p>
+            <a:fld id="{66FD21CF-4A7A-E342-A99D-34C0B6431F41}" type="slidenum">
+              <a:rPr lang="en-US" smtClean="0"/>
+              <a:t>26</a:t>
+            </a:fld>
+            <a:endParaRPr lang="en-US"/>
+          </a:p>
+        </p:txBody>
+      </p:sp>
+    </p:spTree>
+    <p:extLst>
+      <p:ext uri="{BB962C8B-B14F-4D97-AF65-F5344CB8AC3E}">
+        <p14:creationId xmlns:p14="http://schemas.microsoft.com/office/powerpoint/2010/main" val="1352856740"/>
       </p:ext>
     </p:extLst>
   </p:cSld>
@@ -2688,49 +4020,92 @@
             <a:spLocks noGrp="1"/>
           </p:cNvSpPr>
           <p:nvPr>
-            <p:ph type="ctrTitle"/>
-          </p:nvPr>
-        </p:nvSpPr>
-        <p:spPr/>
-        <p:txBody>
-          <a:bodyPr/>
-          <a:lstStyle/>
-          <a:p>
-            <a:r>
-              <a:rPr lang="en-US" dirty="0" smtClean="0"/>
-              <a:t>NeCTAR Training</a:t>
-            </a:r>
-            <a:endParaRPr lang="en-US" dirty="0"/>
-          </a:p>
-        </p:txBody>
-      </p:sp>
-      <p:sp>
-        <p:nvSpPr>
-          <p:cNvPr id="3" name="Subtitle 2"/>
-          <p:cNvSpPr>
-            <a:spLocks noGrp="1"/>
-          </p:cNvSpPr>
-          <p:nvPr>
-            <p:ph type="subTitle" idx="1"/>
+            <p:ph type="title"/>
           </p:nvPr>
         </p:nvSpPr>
         <p:spPr/>
         <p:txBody>
           <a:bodyPr>
-            <a:normAutofit fontScale="92500" lnSpcReduction="20000"/>
+            <a:normAutofit fontScale="90000"/>
           </a:bodyPr>
           <a:lstStyle/>
           <a:p>
             <a:r>
-              <a:rPr lang="en-US" dirty="0" smtClean="0"/>
-              <a:t>Module 6</a:t>
-            </a:r>
-          </a:p>
-          <a:p>
-            <a:r>
-              <a:rPr lang="en-US" dirty="0" smtClean="0"/>
+              <a:rPr lang="en-US" smtClean="0"/>
               <a:t>Resource requirements for computing and storage</a:t>
             </a:r>
+            <a:endParaRPr lang="en-US" dirty="0"/>
+          </a:p>
+        </p:txBody>
+      </p:sp>
+      <p:sp>
+        <p:nvSpPr>
+          <p:cNvPr id="3" name="Content Placeholder 2"/>
+          <p:cNvSpPr>
+            <a:spLocks noGrp="1"/>
+          </p:cNvSpPr>
+          <p:nvPr>
+            <p:ph idx="1"/>
+          </p:nvPr>
+        </p:nvSpPr>
+        <p:spPr/>
+        <p:txBody>
+          <a:bodyPr/>
+          <a:lstStyle/>
+          <a:p>
+            <a:pPr lvl="0"/>
+            <a:r>
+              <a:rPr lang="en-US" dirty="0" smtClean="0"/>
+              <a:t>Different types of storage available </a:t>
+            </a:r>
+            <a:r>
+              <a:rPr lang="en-US" dirty="0" smtClean="0"/>
+              <a:t>in the NeCTAR cloud</a:t>
+            </a:r>
+            <a:endParaRPr lang="en-US" dirty="0" smtClean="0"/>
+          </a:p>
+          <a:p>
+            <a:pPr lvl="0"/>
+            <a:r>
+              <a:rPr lang="en-US" dirty="0" smtClean="0"/>
+              <a:t>Key factors which help determine the amount of required </a:t>
+            </a:r>
+            <a:r>
+              <a:rPr lang="en-US" dirty="0" smtClean="0"/>
+              <a:t>resources. </a:t>
+            </a:r>
+            <a:endParaRPr lang="en-US" dirty="0" smtClean="0"/>
+          </a:p>
+          <a:p>
+            <a:pPr lvl="1"/>
+            <a:r>
+              <a:rPr lang="en-US" dirty="0" smtClean="0"/>
+              <a:t>How many </a:t>
+            </a:r>
+            <a:r>
+              <a:rPr lang="en-US" dirty="0" smtClean="0"/>
+              <a:t>VM do </a:t>
+            </a:r>
+            <a:r>
+              <a:rPr lang="en-US" dirty="0" smtClean="0"/>
+              <a:t>you need? </a:t>
+            </a:r>
+          </a:p>
+          <a:p>
+            <a:pPr lvl="1"/>
+            <a:r>
+              <a:rPr lang="en-US" dirty="0" smtClean="0"/>
+              <a:t>How many cores?</a:t>
+            </a:r>
+          </a:p>
+          <a:p>
+            <a:pPr lvl="1"/>
+            <a:r>
+              <a:rPr lang="en-US" dirty="0" smtClean="0"/>
+              <a:t>What type of storage?</a:t>
+            </a:r>
+          </a:p>
+          <a:p>
             <a:endParaRPr lang="en-US" dirty="0"/>
           </a:p>
         </p:txBody>
@@ -2738,7 +4113,7 @@
     </p:spTree>
     <p:extLst>
       <p:ext uri="{BB962C8B-B14F-4D97-AF65-F5344CB8AC3E}">
-        <p14:creationId xmlns:p14="http://schemas.microsoft.com/office/powerpoint/2010/main" val="1660027112"/>
+        <p14:creationId xmlns:p14="http://schemas.microsoft.com/office/powerpoint/2010/main" val="2580252505"/>
       </p:ext>
     </p:extLst>
   </p:cSld>
@@ -2781,8 +4156,16 @@
           <a:lstStyle/>
           <a:p>
             <a:r>
-              <a:rPr lang="en-US" smtClean="0"/>
-              <a:t>Volume Storage</a:t>
+              <a:rPr lang="en-US" dirty="0">
+                <a:solidFill>
+                  <a:srgbClr val="B54721"/>
+                </a:solidFill>
+              </a:rPr>
+              <a:t>[SLIDES] </a:t>
+            </a:r>
+            <a:r>
+              <a:rPr lang="en-US" dirty="0" smtClean="0"/>
+              <a:t>Object Storage</a:t>
             </a:r>
             <a:endParaRPr lang="en-US" dirty="0"/>
           </a:p>
@@ -2806,44 +4189,84 @@
             <a:pPr lvl="0"/>
             <a:r>
               <a:rPr lang="en-US" dirty="0" smtClean="0"/>
-              <a:t>Think of Volume Storage as a section of a large hard-drive which has been assigned for your use.</a:t>
-            </a:r>
-          </a:p>
-          <a:p>
-            <a:pPr lvl="0"/>
-            <a:r>
-              <a:rPr lang="en-US" dirty="0" smtClean="0"/>
-              <a:t>Volume storage can live outside your instance: It can be </a:t>
+              <a:t>Per-file object-based storage is easier to manage than Volume storage, and it can be </a:t>
+            </a:r>
+            <a:r>
+              <a:rPr lang="en-US" b="1" dirty="0" smtClean="0"/>
+              <a:t>distributed</a:t>
+            </a:r>
+            <a:r>
+              <a:rPr lang="en-US" dirty="0" smtClean="0"/>
+              <a:t>.</a:t>
+            </a:r>
+          </a:p>
+          <a:p>
+            <a:pPr lvl="0"/>
+            <a:r>
+              <a:rPr lang="en-US" dirty="0" smtClean="0"/>
+              <a:t>Access to the store is independent of the existence of instances.</a:t>
+            </a:r>
+          </a:p>
+          <a:p>
+            <a:pPr lvl="0"/>
+            <a:r>
+              <a:rPr lang="en-US" dirty="0" smtClean="0"/>
+              <a:t>An </a:t>
+            </a:r>
+            <a:r>
+              <a:rPr lang="en-US" b="1" dirty="0" smtClean="0">
+                <a:sym typeface="Helvetica"/>
+              </a:rPr>
+              <a:t>“object”</a:t>
+            </a:r>
+            <a:r>
+              <a:rPr lang="en-US" b="1" dirty="0" smtClean="0"/>
+              <a:t> </a:t>
+            </a:r>
+            <a:r>
+              <a:rPr lang="en-US" dirty="0" smtClean="0"/>
+              <a:t>is defined as the data file along with its unique </a:t>
             </a:r>
             <a:r>
               <a:rPr lang="en-US" i="1" dirty="0" smtClean="0"/>
-              <a:t>attached</a:t>
-            </a:r>
-            <a:r>
-              <a:rPr lang="en-US" dirty="0" smtClean="0"/>
-              <a:t> and then accessed from any of your instances (we will do this in Module 7).</a:t>
-            </a:r>
-          </a:p>
-          <a:p>
-            <a:pPr lvl="0"/>
-            <a:r>
-              <a:rPr lang="en-US" dirty="0" smtClean="0"/>
-              <a:t>Data on a Volume is retained when terminating VMs.</a:t>
-            </a:r>
-          </a:p>
-          <a:p>
-            <a:pPr lvl="0"/>
-            <a:r>
-              <a:rPr lang="en-US" dirty="0" smtClean="0"/>
-              <a:t>Volumes also offer a </a:t>
+              <a:t>ID</a:t>
+            </a:r>
+            <a:r>
+              <a:rPr lang="en-US" dirty="0" smtClean="0"/>
+              <a:t> and all its </a:t>
             </a:r>
             <a:r>
               <a:rPr lang="en-US" i="1" dirty="0" smtClean="0"/>
-              <a:t>Snapshot</a:t>
-            </a:r>
-            <a:r>
-              <a:rPr lang="en-US" dirty="0" smtClean="0"/>
-              <a:t> feature which can be used to make convenient backups (see Module 9).</a:t>
+              <a:t>metadata</a:t>
+            </a:r>
+            <a:r>
+              <a:rPr lang="en-US" dirty="0" smtClean="0"/>
+              <a:t>.</a:t>
+            </a:r>
+          </a:p>
+          <a:p>
+            <a:pPr lvl="0"/>
+            <a:r>
+              <a:rPr lang="en-US" dirty="0" smtClean="0"/>
+              <a:t>Unlike files in traditional </a:t>
+            </a:r>
+            <a:r>
+              <a:rPr lang="en-US" i="1" dirty="0" smtClean="0"/>
+              <a:t>hierarchical</a:t>
+            </a:r>
+            <a:r>
+              <a:rPr lang="en-US" dirty="0" smtClean="0"/>
+              <a:t> file systems, objects are stored in a </a:t>
+            </a:r>
+            <a:r>
+              <a:rPr lang="en-US" b="1" dirty="0" smtClean="0">
+                <a:sym typeface="Helvetica"/>
+              </a:rPr>
+              <a:t>flat structure</a:t>
+            </a:r>
+            <a:r>
+              <a:rPr lang="en-US" dirty="0" smtClean="0"/>
+              <a:t> (a “pool”). </a:t>
             </a:r>
           </a:p>
           <a:p>
@@ -2854,7 +4277,7 @@
     </p:spTree>
     <p:extLst>
       <p:ext uri="{BB962C8B-B14F-4D97-AF65-F5344CB8AC3E}">
-        <p14:creationId xmlns:p14="http://schemas.microsoft.com/office/powerpoint/2010/main" val="1535687527"/>
+        <p14:creationId xmlns:p14="http://schemas.microsoft.com/office/powerpoint/2010/main" val="167383435"/>
       </p:ext>
     </p:extLst>
   </p:cSld>
@@ -2897,7 +4320,15 @@
           <a:lstStyle/>
           <a:p>
             <a:r>
-              <a:rPr lang="en-US" smtClean="0"/>
+              <a:rPr lang="en-US" dirty="0">
+                <a:solidFill>
+                  <a:srgbClr val="B54721"/>
+                </a:solidFill>
+              </a:rPr>
+              <a:t>[SLIDES] </a:t>
+            </a:r>
+            <a:r>
+              <a:rPr lang="en-US" dirty="0" smtClean="0"/>
               <a:t>Object Storage</a:t>
             </a:r>
             <a:endParaRPr lang="en-US" dirty="0"/>
@@ -2920,37 +4351,11 @@
           <a:lstStyle/>
           <a:p>
             <a:pPr lvl="0"/>
-            <a:r>
-              <a:rPr lang="en-US" dirty="0" smtClean="0"/>
-              <a:t>Per-file object-based storage is easier to manage than Volume storage, and it can be </a:t>
-            </a:r>
-            <a:r>
-              <a:rPr lang="en-US" b="1" dirty="0" smtClean="0"/>
-              <a:t>distributed</a:t>
-            </a:r>
-            <a:r>
-              <a:rPr lang="en-US" dirty="0" smtClean="0"/>
-              <a:t>.</a:t>
-            </a:r>
-          </a:p>
-          <a:p>
-            <a:pPr lvl="0"/>
-            <a:r>
-              <a:rPr lang="en-US" dirty="0" smtClean="0"/>
-              <a:t>Access to the store is independent of the existence of instances.</a:t>
-            </a:r>
-          </a:p>
-          <a:p>
-            <a:pPr lvl="0"/>
-            <a:r>
-              <a:rPr lang="en-US" dirty="0" smtClean="0"/>
-              <a:t>An </a:t>
-            </a:r>
             <a:r>
               <a:rPr lang="en-US" b="1" dirty="0" smtClean="0">
                 <a:sym typeface="Helvetica"/>
               </a:rPr>
-              <a:t>“object”</a:t>
+              <a:t>Multiple copies</a:t>
             </a:r>
             <a:r>
               <a:rPr lang="en-US" b="1" dirty="0" smtClean="0"/>
@@ -2958,48 +4363,43 @@
             </a:r>
             <a:r>
               <a:rPr lang="en-US" dirty="0" smtClean="0"/>
-              <a:t>is defined as the data file along with its unique </a:t>
+              <a:t>of all object data is stored over a </a:t>
             </a:r>
             <a:r>
               <a:rPr lang="en-US" i="1" dirty="0" smtClean="0"/>
-              <a:t>ID</a:t>
-            </a:r>
-            <a:r>
-              <a:rPr lang="en-US" dirty="0" smtClean="0"/>
-              <a:t> and all its </a:t>
-            </a:r>
-            <a:r>
-              <a:rPr lang="en-US" i="1" dirty="0" smtClean="0"/>
-              <a:t>metadata</a:t>
-            </a:r>
-            <a:r>
-              <a:rPr lang="en-US" dirty="0" smtClean="0"/>
-              <a:t>.</a:t>
-            </a:r>
-          </a:p>
-          <a:p>
-            <a:pPr lvl="0"/>
-            <a:r>
-              <a:rPr lang="en-US" dirty="0" smtClean="0"/>
-              <a:t>Unlike files in traditional </a:t>
-            </a:r>
-            <a:r>
-              <a:rPr lang="en-US" i="1" dirty="0" smtClean="0"/>
-              <a:t>hierarchical</a:t>
-            </a:r>
-            <a:r>
-              <a:rPr lang="en-US" dirty="0" smtClean="0"/>
-              <a:t> file systems, objects are stored in a </a:t>
-            </a:r>
-            <a:r>
-              <a:rPr lang="en-US" b="1" dirty="0" smtClean="0">
-                <a:sym typeface="Helvetica"/>
-              </a:rPr>
-              <a:t>flat structure</a:t>
-            </a:r>
-            <a:r>
-              <a:rPr lang="en-US" dirty="0" smtClean="0"/>
-              <a:t> (a “pool”). </a:t>
+              <a:t>distributed system</a:t>
+            </a:r>
+            <a:r>
+              <a:rPr lang="en-US" dirty="0" smtClean="0"/>
+              <a:t>, while the storage still acts as one. </a:t>
+            </a:r>
+          </a:p>
+          <a:p>
+            <a:pPr lvl="0"/>
+            <a:r>
+              <a:rPr lang="en-US" dirty="0" smtClean="0"/>
+              <a:t>Object Storage therefore</a:t>
+            </a:r>
+          </a:p>
+          <a:p>
+            <a:pPr lvl="1"/>
+            <a:r>
+              <a:rPr lang="en-US" dirty="0" smtClean="0"/>
+              <a:t>is highly fault tolerant,</a:t>
+            </a:r>
+          </a:p>
+          <a:p>
+            <a:pPr lvl="1"/>
+            <a:r>
+              <a:rPr lang="en-US" dirty="0" smtClean="0"/>
+              <a:t>scales up nicely, and </a:t>
+            </a:r>
+          </a:p>
+          <a:p>
+            <a:pPr lvl="1"/>
+            <a:r>
+              <a:rPr lang="en-US" dirty="0" smtClean="0"/>
+              <a:t>offers great data integrity. </a:t>
             </a:r>
           </a:p>
           <a:p>
@@ -3010,7 +4410,7 @@
     </p:spTree>
     <p:extLst>
       <p:ext uri="{BB962C8B-B14F-4D97-AF65-F5344CB8AC3E}">
-        <p14:creationId xmlns:p14="http://schemas.microsoft.com/office/powerpoint/2010/main" val="167383435"/>
+        <p14:creationId xmlns:p14="http://schemas.microsoft.com/office/powerpoint/2010/main" val="2419737574"/>
       </p:ext>
     </p:extLst>
   </p:cSld>
@@ -3053,89 +4453,50 @@
           <a:lstStyle/>
           <a:p>
             <a:r>
-              <a:rPr lang="en-US" smtClean="0"/>
+              <a:rPr lang="en-US" dirty="0">
+                <a:solidFill>
+                  <a:srgbClr val="B54721"/>
+                </a:solidFill>
+              </a:rPr>
+              <a:t>[SLIDES] </a:t>
+            </a:r>
+            <a:r>
+              <a:rPr lang="en-US" dirty="0" smtClean="0"/>
               <a:t>Object Storage</a:t>
             </a:r>
             <a:endParaRPr lang="en-US" dirty="0"/>
           </a:p>
         </p:txBody>
       </p:sp>
-      <p:sp>
-        <p:nvSpPr>
-          <p:cNvPr id="3" name="Content Placeholder 2"/>
-          <p:cNvSpPr>
-            <a:spLocks noGrp="1"/>
-          </p:cNvSpPr>
+      <p:pic>
+        <p:nvPicPr>
+          <p:cNvPr id="4" name="Content Placeholder 3" descr="ObjectStorage.png"/>
+          <p:cNvPicPr>
+            <a:picLocks noGrp="1" noChangeAspect="1"/>
+          </p:cNvPicPr>
           <p:nvPr>
             <p:ph idx="1"/>
           </p:nvPr>
-        </p:nvSpPr>
-        <p:spPr/>
-        <p:txBody>
-          <a:bodyPr/>
-          <a:lstStyle/>
-          <a:p>
-            <a:pPr lvl="0"/>
-            <a:r>
-              <a:rPr lang="en-US" b="1" dirty="0" smtClean="0">
-                <a:sym typeface="Helvetica"/>
-              </a:rPr>
-              <a:t>Multiple copies</a:t>
-            </a:r>
-            <a:r>
-              <a:rPr lang="en-US" b="1" dirty="0" smtClean="0"/>
-              <a:t> </a:t>
-            </a:r>
-            <a:r>
-              <a:rPr lang="en-US" dirty="0" smtClean="0"/>
-              <a:t>of all object data is stored over a </a:t>
-            </a:r>
-            <a:r>
-              <a:rPr lang="en-US" i="1" dirty="0" smtClean="0"/>
-              <a:t>distributed system</a:t>
-            </a:r>
-            <a:r>
-              <a:rPr lang="en-US" dirty="0" smtClean="0"/>
-              <a:t>, while the storage still acts as one. </a:t>
-            </a:r>
-          </a:p>
-          <a:p>
-            <a:pPr lvl="0"/>
-            <a:r>
-              <a:rPr lang="en-US" dirty="0" smtClean="0"/>
-              <a:t>Object Storage therefore</a:t>
-            </a:r>
-          </a:p>
-          <a:p>
-            <a:pPr lvl="1"/>
-            <a:r>
-              <a:rPr lang="en-US" dirty="0" smtClean="0"/>
-              <a:t>is highly fault tolerant,</a:t>
-            </a:r>
-          </a:p>
-          <a:p>
-            <a:pPr lvl="1"/>
-            <a:r>
-              <a:rPr lang="en-US" dirty="0" smtClean="0"/>
-              <a:t>scales up nicely, and </a:t>
-            </a:r>
-          </a:p>
-          <a:p>
-            <a:pPr lvl="1"/>
-            <a:r>
-              <a:rPr lang="en-US" dirty="0" smtClean="0"/>
-              <a:t>offers great data integrity. </a:t>
-            </a:r>
-          </a:p>
-          <a:p>
-            <a:endParaRPr lang="en-US" dirty="0"/>
-          </a:p>
-        </p:txBody>
-      </p:sp>
+        </p:nvPicPr>
+        <p:blipFill>
+          <a:blip r:embed="rId2">
+            <a:extLst>
+              <a:ext uri="{28A0092B-C50C-407E-A947-70E740481C1C}">
+                <a14:useLocalDpi xmlns:a14="http://schemas.microsoft.com/office/drawing/2010/main" val="0"/>
+              </a:ext>
+            </a:extLst>
+          </a:blip>
+          <a:srcRect l="18" r="18"/>
+          <a:stretch>
+            <a:fillRect/>
+          </a:stretch>
+        </p:blipFill>
+        <p:spPr/>
+      </p:pic>
     </p:spTree>
     <p:extLst>
       <p:ext uri="{BB962C8B-B14F-4D97-AF65-F5344CB8AC3E}">
-        <p14:creationId xmlns:p14="http://schemas.microsoft.com/office/powerpoint/2010/main" val="2419737574"/>
+        <p14:creationId xmlns:p14="http://schemas.microsoft.com/office/powerpoint/2010/main" val="3093664407"/>
       </p:ext>
     </p:extLst>
   </p:cSld>
@@ -3178,6 +4539,14 @@
           <a:lstStyle/>
           <a:p>
             <a:r>
+              <a:rPr lang="en-US" dirty="0">
+                <a:solidFill>
+                  <a:srgbClr val="B54721"/>
+                </a:solidFill>
+              </a:rPr>
+              <a:t>[SLIDES] </a:t>
+            </a:r>
+            <a:r>
               <a:rPr lang="en-US" dirty="0" smtClean="0"/>
               <a:t>Object Storage</a:t>
             </a:r>
@@ -3185,35 +4554,75 @@
           </a:p>
         </p:txBody>
       </p:sp>
-      <p:pic>
-        <p:nvPicPr>
-          <p:cNvPr id="4" name="Content Placeholder 3" descr="ObjectStorage.png"/>
-          <p:cNvPicPr>
-            <a:picLocks noGrp="1" noChangeAspect="1"/>
-          </p:cNvPicPr>
+      <p:sp>
+        <p:nvSpPr>
+          <p:cNvPr id="3" name="Content Placeholder 2"/>
+          <p:cNvSpPr>
+            <a:spLocks noGrp="1"/>
+          </p:cNvSpPr>
           <p:nvPr>
             <p:ph idx="1"/>
           </p:nvPr>
-        </p:nvPicPr>
-        <p:blipFill>
-          <a:blip r:embed="rId2">
-            <a:extLst>
-              <a:ext uri="{28A0092B-C50C-407E-A947-70E740481C1C}">
-                <a14:useLocalDpi xmlns:a14="http://schemas.microsoft.com/office/drawing/2010/main" val="0"/>
-              </a:ext>
-            </a:extLst>
-          </a:blip>
-          <a:srcRect l="18" r="18"/>
-          <a:stretch>
-            <a:fillRect/>
-          </a:stretch>
-        </p:blipFill>
-        <p:spPr/>
-      </p:pic>
+        </p:nvSpPr>
+        <p:spPr/>
+        <p:txBody>
+          <a:bodyPr>
+            <a:normAutofit fontScale="92500" lnSpcReduction="10000"/>
+          </a:bodyPr>
+          <a:lstStyle/>
+          <a:p>
+            <a:pPr lvl="0"/>
+            <a:r>
+              <a:rPr lang="en-US" dirty="0" smtClean="0"/>
+              <a:t>Because Object Storage scales nicely, you may get access to large amounts of storage.</a:t>
+            </a:r>
+          </a:p>
+          <a:p>
+            <a:pPr lvl="0"/>
+            <a:r>
+              <a:rPr lang="en-US" dirty="0" smtClean="0"/>
+              <a:t>You may upload as many files as you like, as long as your allocation is not exceeded. </a:t>
+            </a:r>
+          </a:p>
+          <a:p>
+            <a:pPr lvl="0"/>
+            <a:r>
+              <a:rPr lang="en-US" dirty="0" smtClean="0"/>
+              <a:t>The size of the files is not limited, however due to limits in the </a:t>
+            </a:r>
+            <a:r>
+              <a:rPr lang="en-US" i="1" dirty="0" smtClean="0"/>
+              <a:t>http</a:t>
+            </a:r>
+            <a:r>
+              <a:rPr lang="en-US" dirty="0" smtClean="0"/>
+              <a:t> protocol it is </a:t>
+            </a:r>
+            <a:r>
+              <a:rPr lang="en-US" i="1" dirty="0" smtClean="0"/>
+              <a:t>not recommended</a:t>
+            </a:r>
+            <a:r>
+              <a:rPr lang="en-US" dirty="0" smtClean="0"/>
+              <a:t> to upload files larger than 1GB.</a:t>
+            </a:r>
+          </a:p>
+          <a:p>
+            <a:pPr lvl="0"/>
+            <a:r>
+              <a:rPr lang="en-US" dirty="0" smtClean="0"/>
+              <a:t>The NeCTAR trial account has a 10GB object storage quota—when requesting and allocation, you have to explicitly ask for object storage.</a:t>
+            </a:r>
+          </a:p>
+          <a:p>
+            <a:endParaRPr lang="en-US" dirty="0"/>
+          </a:p>
+        </p:txBody>
+      </p:sp>
     </p:spTree>
     <p:extLst>
       <p:ext uri="{BB962C8B-B14F-4D97-AF65-F5344CB8AC3E}">
-        <p14:creationId xmlns:p14="http://schemas.microsoft.com/office/powerpoint/2010/main" val="3093664407"/>
+        <p14:creationId xmlns:p14="http://schemas.microsoft.com/office/powerpoint/2010/main" val="682678788"/>
       </p:ext>
     </p:extLst>
   </p:cSld>
@@ -3256,7 +4665,15 @@
           <a:lstStyle/>
           <a:p>
             <a:r>
-              <a:rPr lang="en-US" smtClean="0"/>
+              <a:rPr lang="en-US" dirty="0">
+                <a:solidFill>
+                  <a:srgbClr val="B54721"/>
+                </a:solidFill>
+              </a:rPr>
+              <a:t>[SLIDES] </a:t>
+            </a:r>
+            <a:r>
+              <a:rPr lang="en-US" dirty="0" smtClean="0"/>
               <a:t>Object Storage</a:t>
             </a:r>
             <a:endParaRPr lang="en-US" dirty="0"/>
@@ -3276,51 +4693,74 @@
         <p:spPr/>
         <p:txBody>
           <a:bodyPr>
-            <a:normAutofit fontScale="92500" lnSpcReduction="10000"/>
+            <a:normAutofit fontScale="92500" lnSpcReduction="20000"/>
           </a:bodyPr>
           <a:lstStyle/>
           <a:p>
-            <a:pPr lvl="0"/>
-            <a:r>
-              <a:rPr lang="en-US" dirty="0" smtClean="0"/>
-              <a:t>Because Object Storage scales nicely, you may get access to large amounts of storage.</a:t>
-            </a:r>
-          </a:p>
-          <a:p>
-            <a:pPr lvl="0"/>
-            <a:r>
-              <a:rPr lang="en-US" dirty="0" smtClean="0"/>
-              <a:t>You may upload as many files as you like, as long as your allocation is not exceeded. </a:t>
-            </a:r>
-          </a:p>
-          <a:p>
-            <a:pPr lvl="0"/>
-            <a:r>
-              <a:rPr lang="en-US" dirty="0" smtClean="0"/>
-              <a:t>The size of the files is not limited, however due to limits in the </a:t>
+            <a:pPr marL="0" lvl="0" indent="0">
+              <a:buNone/>
+            </a:pPr>
+            <a:r>
+              <a:rPr lang="en-US" u="sng" dirty="0" smtClean="0"/>
+              <a:t>Suitable use for the Object Storage:</a:t>
+            </a:r>
+          </a:p>
+          <a:p>
+            <a:pPr lvl="0"/>
+            <a:r>
+              <a:rPr lang="en-US" dirty="0" smtClean="0"/>
+              <a:t>Object Storage is </a:t>
             </a:r>
             <a:r>
               <a:rPr lang="en-US" i="1" dirty="0" smtClean="0"/>
-              <a:t>http</a:t>
-            </a:r>
-            <a:r>
-              <a:rPr lang="en-US" dirty="0" smtClean="0"/>
-              <a:t> protocol it is </a:t>
-            </a:r>
-            <a:r>
-              <a:rPr lang="en-US" i="1" dirty="0" smtClean="0"/>
-              <a:t>not recommended</a:t>
-            </a:r>
-            <a:r>
-              <a:rPr lang="en-US" dirty="0" smtClean="0"/>
-              <a:t> to upload files larger than 1GB.</a:t>
-            </a:r>
-          </a:p>
-          <a:p>
-            <a:pPr lvl="0"/>
-            <a:r>
-              <a:rPr lang="en-US" dirty="0" smtClean="0"/>
-              <a:t>The NeCTAR trial account has a 10GB object storage quota—when requesting and allocation, you have to explicitly ask for object storage.</a:t>
+              <a:t>not</a:t>
+            </a:r>
+            <a:r>
+              <a:rPr lang="en-US" dirty="0" smtClean="0"/>
+              <a:t> a traditional file-system or real-time data storage system. </a:t>
+            </a:r>
+          </a:p>
+          <a:p>
+            <a:pPr lvl="0"/>
+            <a:r>
+              <a:rPr lang="en-US" dirty="0" smtClean="0"/>
+              <a:t>It’s designed for </a:t>
+            </a:r>
+            <a:r>
+              <a:rPr lang="en-US" b="1" dirty="0" smtClean="0">
+                <a:sym typeface="Helvetica"/>
+              </a:rPr>
+              <a:t>mostly static data</a:t>
+            </a:r>
+            <a:r>
+              <a:rPr lang="en-US" b="1" dirty="0" smtClean="0"/>
+              <a:t> </a:t>
+            </a:r>
+            <a:r>
+              <a:rPr lang="en-US" dirty="0" smtClean="0"/>
+              <a:t>that can be retrieved, leveraged, and then updated if necessary. </a:t>
+            </a:r>
+          </a:p>
+          <a:p>
+            <a:pPr lvl="0"/>
+            <a:r>
+              <a:rPr lang="en-US" dirty="0" smtClean="0"/>
+              <a:t>Example: A dataset of several files that is read and </a:t>
+            </a:r>
+            <a:r>
+              <a:rPr lang="en-US" dirty="0" err="1" smtClean="0"/>
+              <a:t>analysed</a:t>
+            </a:r>
+            <a:r>
+              <a:rPr lang="en-US" dirty="0" smtClean="0"/>
+              <a:t> many times, but in general doesn’t change.</a:t>
+            </a:r>
+          </a:p>
+          <a:p>
+            <a:pPr lvl="0"/>
+            <a:r>
+              <a:rPr lang="en-US" dirty="0" smtClean="0"/>
+              <a:t>In general, the object store is great for data you write once and read many times, but not suitable for applications like databases.</a:t>
             </a:r>
           </a:p>
           <a:p>
@@ -3331,7 +4771,7 @@
     </p:spTree>
     <p:extLst>
       <p:ext uri="{BB962C8B-B14F-4D97-AF65-F5344CB8AC3E}">
-        <p14:creationId xmlns:p14="http://schemas.microsoft.com/office/powerpoint/2010/main" val="682678788"/>
+        <p14:creationId xmlns:p14="http://schemas.microsoft.com/office/powerpoint/2010/main" val="3716821284"/>
       </p:ext>
     </p:extLst>
   </p:cSld>
@@ -3374,7 +4814,15 @@
           <a:lstStyle/>
           <a:p>
             <a:r>
-              <a:rPr lang="en-US" smtClean="0"/>
+              <a:rPr lang="en-US" dirty="0">
+                <a:solidFill>
+                  <a:srgbClr val="B54721"/>
+                </a:solidFill>
+              </a:rPr>
+              <a:t>[SLIDES] </a:t>
+            </a:r>
+            <a:r>
+              <a:rPr lang="en-US" dirty="0" smtClean="0"/>
               <a:t>Object Storage</a:t>
             </a:r>
             <a:endParaRPr lang="en-US" dirty="0"/>
@@ -3393,75 +4841,31 @@
         </p:nvSpPr>
         <p:spPr/>
         <p:txBody>
-          <a:bodyPr>
-            <a:normAutofit fontScale="92500" lnSpcReduction="20000"/>
-          </a:bodyPr>
+          <a:bodyPr/>
           <a:lstStyle/>
           <a:p>
             <a:pPr marL="0" lvl="0" indent="0">
               <a:buNone/>
             </a:pPr>
             <a:r>
-              <a:rPr lang="en-US" u="sng" dirty="0" smtClean="0"/>
-              <a:t>Suitable use for the Object Storage:</a:t>
-            </a:r>
-          </a:p>
-          <a:p>
-            <a:pPr lvl="0"/>
-            <a:r>
-              <a:rPr lang="en-US" dirty="0" smtClean="0"/>
-              <a:t>Object Storage is </a:t>
-            </a:r>
-            <a:r>
-              <a:rPr lang="en-US" i="1" dirty="0" smtClean="0"/>
-              <a:t>not</a:t>
-            </a:r>
-            <a:r>
-              <a:rPr lang="en-US" dirty="0" smtClean="0"/>
-              <a:t> a traditional file-system or real-time data storage system. </a:t>
-            </a:r>
-          </a:p>
-          <a:p>
-            <a:pPr lvl="0"/>
-            <a:r>
-              <a:rPr lang="en-US" dirty="0" smtClean="0"/>
-              <a:t>It’s designed for </a:t>
-            </a:r>
-            <a:r>
               <a:rPr lang="en-US" b="1" dirty="0" smtClean="0">
                 <a:sym typeface="Helvetica"/>
               </a:rPr>
-              <a:t>mostly static data</a:t>
-            </a:r>
-            <a:r>
-              <a:rPr lang="en-US" b="1" dirty="0" smtClean="0"/>
-              <a:t> </a:t>
-            </a:r>
-            <a:r>
-              <a:rPr lang="en-US" dirty="0" smtClean="0"/>
-              <a:t>that can be retrieved, leveraged, and then updated if necessary. </a:t>
-            </a:r>
-          </a:p>
-          <a:p>
-            <a:pPr lvl="0"/>
-            <a:r>
-              <a:rPr lang="en-US" dirty="0" smtClean="0"/>
-              <a:t>Example: A dataset of several files that is read and </a:t>
-            </a:r>
-            <a:r>
-              <a:rPr lang="en-US" dirty="0" err="1" smtClean="0"/>
-              <a:t>analysed</a:t>
-            </a:r>
-            <a:r>
-              <a:rPr lang="en-US" dirty="0" smtClean="0"/>
-              <a:t> many times, but in general doesn’t change.</a:t>
-            </a:r>
-          </a:p>
-          <a:p>
-            <a:pPr lvl="0"/>
-            <a:r>
-              <a:rPr lang="en-US" dirty="0" smtClean="0"/>
-              <a:t>In general, the object store is great for data you write once and read many times, but not suitable for applications like databases.</a:t>
+              <a:t>Important!</a:t>
+            </a:r>
+          </a:p>
+          <a:p>
+            <a:pPr lvl="0"/>
+            <a:r>
+              <a:rPr lang="en-US" dirty="0" smtClean="0"/>
+              <a:t>While Object Storage has high data integrity through geographical distribution of files, it does not have a “traditional” dedicated backup system — it merely provides a means to increase availability and integrity of your data by keeping multiple copies.</a:t>
+            </a:r>
+          </a:p>
+          <a:p>
+            <a:pPr lvl="0"/>
+            <a:r>
+              <a:rPr lang="en-US" dirty="0" smtClean="0"/>
+              <a:t>You still have to back up your data.</a:t>
             </a:r>
           </a:p>
           <a:p>
@@ -3472,7 +4876,7 @@
     </p:spTree>
     <p:extLst>
       <p:ext uri="{BB962C8B-B14F-4D97-AF65-F5344CB8AC3E}">
-        <p14:creationId xmlns:p14="http://schemas.microsoft.com/office/powerpoint/2010/main" val="3716821284"/>
+        <p14:creationId xmlns:p14="http://schemas.microsoft.com/office/powerpoint/2010/main" val="835943229"/>
       </p:ext>
     </p:extLst>
   </p:cSld>
@@ -3515,7 +4919,15 @@
           <a:lstStyle/>
           <a:p>
             <a:r>
-              <a:rPr lang="en-US" smtClean="0"/>
+              <a:rPr lang="en-US" dirty="0">
+                <a:solidFill>
+                  <a:srgbClr val="B54721"/>
+                </a:solidFill>
+              </a:rPr>
+              <a:t>[SLIDES] </a:t>
+            </a:r>
+            <a:r>
+              <a:rPr lang="en-US" dirty="0" smtClean="0"/>
               <a:t>Object Storage</a:t>
             </a:r>
             <a:endParaRPr lang="en-US" dirty="0"/>
@@ -3534,31 +4946,46 @@
         </p:nvSpPr>
         <p:spPr/>
         <p:txBody>
-          <a:bodyPr/>
-          <a:lstStyle/>
-          <a:p>
-            <a:pPr marL="0" lvl="0" indent="0">
-              <a:buNone/>
-            </a:pPr>
+          <a:bodyPr>
+            <a:normAutofit lnSpcReduction="10000"/>
+          </a:bodyPr>
+          <a:lstStyle/>
+          <a:p>
+            <a:pPr lvl="0"/>
+            <a:r>
+              <a:rPr lang="en-US" dirty="0" smtClean="0"/>
+              <a:t>The OpenStack component to manage the object store is called </a:t>
+            </a:r>
             <a:r>
               <a:rPr lang="en-US" b="1" dirty="0" smtClean="0">
                 <a:sym typeface="Helvetica"/>
               </a:rPr>
-              <a:t>Important!</a:t>
-            </a:r>
-          </a:p>
-          <a:p>
-            <a:pPr lvl="0"/>
-            <a:r>
-              <a:rPr lang="en-US" dirty="0" smtClean="0"/>
-              <a:t>While Object Storage has high data integrity through geographical distribution of files, it does not have a “traditional” dedicated backup system — it merely provides a means to increase availability and integrity of your data by keeping multiple copies.</a:t>
-            </a:r>
-          </a:p>
-          <a:p>
-            <a:pPr lvl="0"/>
-            <a:r>
-              <a:rPr lang="en-US" dirty="0" smtClean="0"/>
-              <a:t>You still have to back up your data.</a:t>
+              <a:t>Swift</a:t>
+            </a:r>
+            <a:r>
+              <a:rPr lang="en-US" dirty="0" smtClean="0"/>
+              <a:t>.</a:t>
+            </a:r>
+          </a:p>
+          <a:p>
+            <a:pPr lvl="0"/>
+            <a:r>
+              <a:rPr lang="en-US" dirty="0" smtClean="0"/>
+              <a:t>With your credentials you can request Swift to create storage and upload/download files.</a:t>
+            </a:r>
+          </a:p>
+          <a:p>
+            <a:pPr lvl="0"/>
+            <a:r>
+              <a:rPr lang="en-US" dirty="0" smtClean="0"/>
+              <a:t>The object store can be accessed via the Dashboard and other graphical clients which support Swift. More about this in Module 7. </a:t>
+            </a:r>
+          </a:p>
+          <a:p>
+            <a:pPr lvl="0"/>
+            <a:r>
+              <a:rPr lang="en-US" dirty="0" smtClean="0"/>
+              <a:t>It is also possible to use a command line client to access the object store, which is subject to Module 10.</a:t>
             </a:r>
           </a:p>
           <a:p>
@@ -3569,7 +4996,7 @@
     </p:spTree>
     <p:extLst>
       <p:ext uri="{BB962C8B-B14F-4D97-AF65-F5344CB8AC3E}">
-        <p14:creationId xmlns:p14="http://schemas.microsoft.com/office/powerpoint/2010/main" val="835943229"/>
+        <p14:creationId xmlns:p14="http://schemas.microsoft.com/office/powerpoint/2010/main" val="4153177591"/>
       </p:ext>
     </p:extLst>
   </p:cSld>
@@ -3612,7 +5039,15 @@
           <a:lstStyle/>
           <a:p>
             <a:r>
-              <a:rPr lang="en-US" smtClean="0"/>
+              <a:rPr lang="en-US" dirty="0">
+                <a:solidFill>
+                  <a:srgbClr val="B54721"/>
+                </a:solidFill>
+              </a:rPr>
+              <a:t>[SLIDES] </a:t>
+            </a:r>
+            <a:r>
+              <a:rPr lang="en-US" dirty="0" smtClean="0"/>
               <a:t>Object Storage</a:t>
             </a:r>
             <a:endParaRPr lang="en-US" dirty="0"/>
@@ -3631,46 +5066,47 @@
         </p:nvSpPr>
         <p:spPr/>
         <p:txBody>
-          <a:bodyPr>
-            <a:normAutofit lnSpcReduction="10000"/>
-          </a:bodyPr>
-          <a:lstStyle/>
-          <a:p>
-            <a:pPr lvl="0"/>
-            <a:r>
-              <a:rPr lang="en-US" dirty="0" smtClean="0"/>
-              <a:t>The OpenStack component to manage the object store is called </a:t>
-            </a:r>
+          <a:bodyPr/>
+          <a:lstStyle/>
+          <a:p>
+            <a:pPr marL="0" lvl="0" indent="0">
+              <a:buNone/>
+            </a:pPr>
             <a:r>
               <a:rPr lang="en-US" b="1" dirty="0" smtClean="0">
                 <a:sym typeface="Helvetica"/>
               </a:rPr>
-              <a:t>Swift</a:t>
-            </a:r>
-            <a:r>
-              <a:rPr lang="en-US" dirty="0" smtClean="0"/>
-              <a:t>.</a:t>
-            </a:r>
-          </a:p>
-          <a:p>
-            <a:pPr lvl="0"/>
-            <a:r>
-              <a:rPr lang="en-US" dirty="0" smtClean="0"/>
-              <a:t>With your credentials you can request Swift to create storage and upload/download files.</a:t>
-            </a:r>
-          </a:p>
-          <a:p>
-            <a:pPr lvl="0"/>
-            <a:r>
-              <a:rPr lang="en-US" dirty="0" smtClean="0"/>
-              <a:t>The object store can be accessed via the Dashboard and other graphical clients which support Swift. More about this in Module 7. </a:t>
-            </a:r>
-          </a:p>
-          <a:p>
-            <a:pPr lvl="0"/>
-            <a:r>
-              <a:rPr lang="en-US" dirty="0" smtClean="0"/>
-              <a:t>It is also possible to use a command line client to access the object store, which is subject to Module 10.</a:t>
+              <a:t>Security Warning: </a:t>
+            </a:r>
+          </a:p>
+          <a:p>
+            <a:pPr lvl="0"/>
+            <a:r>
+              <a:rPr lang="en-US" dirty="0" smtClean="0"/>
+              <a:t>Swift does NOT provide encryption of the data it stores. When you upload/download data to/from the object store, this will happen </a:t>
+            </a:r>
+            <a:r>
+              <a:rPr lang="en-US" i="1" dirty="0" smtClean="0"/>
+              <a:t>without encryption</a:t>
+            </a:r>
+            <a:r>
+              <a:rPr lang="en-US" dirty="0" smtClean="0"/>
+              <a:t>. </a:t>
+            </a:r>
+          </a:p>
+          <a:p>
+            <a:pPr lvl="0"/>
+            <a:r>
+              <a:rPr lang="en-US" dirty="0" smtClean="0"/>
+              <a:t>If you have sensitive data that requires encryption you must encrypt the data files </a:t>
+            </a:r>
+            <a:r>
+              <a:rPr lang="en-US" i="1" dirty="0" smtClean="0"/>
+              <a:t>before</a:t>
+            </a:r>
+            <a:r>
+              <a:rPr lang="en-US" dirty="0" smtClean="0"/>
+              <a:t> upload.</a:t>
             </a:r>
           </a:p>
           <a:p>
@@ -3681,7 +5117,7 @@
     </p:spTree>
     <p:extLst>
       <p:ext uri="{BB962C8B-B14F-4D97-AF65-F5344CB8AC3E}">
-        <p14:creationId xmlns:p14="http://schemas.microsoft.com/office/powerpoint/2010/main" val="4153177591"/>
+        <p14:creationId xmlns:p14="http://schemas.microsoft.com/office/powerpoint/2010/main" val="1532895297"/>
       </p:ext>
     </p:extLst>
   </p:cSld>
@@ -3724,7 +5160,15 @@
           <a:lstStyle/>
           <a:p>
             <a:r>
-              <a:rPr lang="en-US" smtClean="0"/>
+              <a:rPr lang="en-US" dirty="0">
+                <a:solidFill>
+                  <a:srgbClr val="B54721"/>
+                </a:solidFill>
+              </a:rPr>
+              <a:t>[SLIDES] </a:t>
+            </a:r>
+            <a:r>
+              <a:rPr lang="en-US" dirty="0" smtClean="0"/>
               <a:t>Object Storage</a:t>
             </a:r>
             <a:endParaRPr lang="en-US" dirty="0"/>
@@ -3743,47 +5187,59 @@
         </p:nvSpPr>
         <p:spPr/>
         <p:txBody>
-          <a:bodyPr/>
+          <a:bodyPr>
+            <a:normAutofit fontScale="92500"/>
+          </a:bodyPr>
           <a:lstStyle/>
           <a:p>
             <a:pPr marL="0" lvl="0" indent="0">
               <a:buNone/>
             </a:pPr>
             <a:r>
-              <a:rPr lang="en-US" b="1" dirty="0" smtClean="0">
-                <a:sym typeface="Helvetica"/>
-              </a:rPr>
-              <a:t>Security Warning: </a:t>
-            </a:r>
-          </a:p>
-          <a:p>
-            <a:pPr lvl="0"/>
-            <a:r>
-              <a:rPr lang="en-US" dirty="0" smtClean="0"/>
-              <a:t>Swift does NOT provide encryption of the data it stores. When you upload/download data to/from the object store, this will happen </a:t>
-            </a:r>
-            <a:r>
-              <a:rPr lang="en-US" i="1" dirty="0" smtClean="0"/>
-              <a:t>without encryption</a:t>
-            </a:r>
-            <a:r>
-              <a:rPr lang="en-US" dirty="0" smtClean="0"/>
-              <a:t>. </a:t>
-            </a:r>
-          </a:p>
-          <a:p>
-            <a:pPr lvl="0"/>
-            <a:r>
-              <a:rPr lang="en-US" dirty="0" smtClean="0"/>
-              <a:t>If you have sensitive data that requires encryption you must encrypt the data files </a:t>
-            </a:r>
-            <a:r>
-              <a:rPr lang="en-US" i="1" dirty="0" smtClean="0"/>
-              <a:t>before</a:t>
-            </a:r>
-            <a:r>
-              <a:rPr lang="en-US" dirty="0" smtClean="0"/>
-              <a:t> upload.</a:t>
+              <a:rPr lang="en-US" dirty="0" smtClean="0"/>
+              <a:t>In summary, the object store:</a:t>
+            </a:r>
+          </a:p>
+          <a:p>
+            <a:pPr lvl="0"/>
+            <a:r>
+              <a:rPr lang="en-US" dirty="0" smtClean="0"/>
+              <a:t>offers the safest place for your data on the NeCTAR Cloud.</a:t>
+            </a:r>
+          </a:p>
+          <a:p>
+            <a:pPr lvl="0"/>
+            <a:r>
+              <a:rPr lang="en-US" dirty="0" smtClean="0"/>
+              <a:t>has great performance.</a:t>
+            </a:r>
+          </a:p>
+          <a:p>
+            <a:pPr lvl="0"/>
+            <a:r>
+              <a:rPr lang="en-US" dirty="0" smtClean="0"/>
+              <a:t>is great for data you write rarely and read many times. </a:t>
+            </a:r>
+          </a:p>
+          <a:p>
+            <a:pPr lvl="0"/>
+            <a:r>
+              <a:rPr lang="en-US" dirty="0" smtClean="0"/>
+              <a:t>does not require a running instance to access.</a:t>
+            </a:r>
+          </a:p>
+          <a:p>
+            <a:pPr lvl="0"/>
+            <a:r>
+              <a:rPr lang="en-US" dirty="0" smtClean="0"/>
+              <a:t>can be accessed from anywhere via the Internet.</a:t>
+            </a:r>
+          </a:p>
+          <a:p>
+            <a:pPr lvl="0"/>
+            <a:r>
+              <a:rPr lang="en-US" dirty="0" smtClean="0"/>
+              <a:t>objects can be transferred to and from your instance with a variety of tools.</a:t>
             </a:r>
           </a:p>
           <a:p>
@@ -3794,7 +5250,7 @@
     </p:spTree>
     <p:extLst>
       <p:ext uri="{BB962C8B-B14F-4D97-AF65-F5344CB8AC3E}">
-        <p14:creationId xmlns:p14="http://schemas.microsoft.com/office/powerpoint/2010/main" val="1532895297"/>
+        <p14:creationId xmlns:p14="http://schemas.microsoft.com/office/powerpoint/2010/main" val="2940720499"/>
       </p:ext>
     </p:extLst>
   </p:cSld>
@@ -3837,8 +5293,24 @@
           <a:lstStyle/>
           <a:p>
             <a:r>
-              <a:rPr lang="en-US" smtClean="0"/>
-              <a:t>Object Storage</a:t>
+              <a:rPr lang="en-US" dirty="0">
+                <a:solidFill>
+                  <a:srgbClr val="B54721"/>
+                </a:solidFill>
+              </a:rPr>
+              <a:t>[SLIDES] </a:t>
+            </a:r>
+            <a:r>
+              <a:rPr lang="en-US" dirty="0" smtClean="0"/>
+              <a:t>Volumes </a:t>
+            </a:r>
+            <a:r>
+              <a:rPr lang="en-US" dirty="0" err="1" smtClean="0"/>
+              <a:t>vs</a:t>
+            </a:r>
+            <a:r>
+              <a:rPr lang="en-US" dirty="0" smtClean="0"/>
+              <a:t> Object Storage</a:t>
             </a:r>
             <a:endParaRPr lang="en-US" dirty="0"/>
           </a:p>
@@ -3857,58 +5329,89 @@
         <p:spPr/>
         <p:txBody>
           <a:bodyPr>
-            <a:normAutofit fontScale="92500"/>
+            <a:normAutofit lnSpcReduction="10000"/>
           </a:bodyPr>
           <a:lstStyle/>
           <a:p>
-            <a:pPr marL="0" lvl="0" indent="0">
-              <a:buNone/>
-            </a:pPr>
-            <a:r>
-              <a:rPr lang="en-US" dirty="0" smtClean="0"/>
-              <a:t>In summary, the object store:</a:t>
-            </a:r>
-          </a:p>
-          <a:p>
-            <a:pPr lvl="0"/>
-            <a:r>
-              <a:rPr lang="en-US" dirty="0" smtClean="0"/>
-              <a:t>offers the safest place for your data on the NeCTAR Cloud.</a:t>
-            </a:r>
-          </a:p>
-          <a:p>
-            <a:pPr lvl="0"/>
-            <a:r>
-              <a:rPr lang="en-US" dirty="0" smtClean="0"/>
-              <a:t>has great performance.</a:t>
-            </a:r>
-          </a:p>
-          <a:p>
-            <a:pPr lvl="0"/>
-            <a:r>
-              <a:rPr lang="en-US" dirty="0" smtClean="0"/>
-              <a:t>is great for data you write rarely and read many times. </a:t>
-            </a:r>
-          </a:p>
-          <a:p>
-            <a:pPr lvl="0"/>
-            <a:r>
-              <a:rPr lang="en-US" dirty="0" smtClean="0"/>
-              <a:t>does not require a running instance to access.</a:t>
-            </a:r>
-          </a:p>
-          <a:p>
-            <a:pPr lvl="0"/>
-            <a:r>
-              <a:rPr lang="en-US" dirty="0" smtClean="0"/>
-              <a:t>can be accessed from anywhere via the Internet.</a:t>
-            </a:r>
-          </a:p>
-          <a:p>
-            <a:pPr lvl="0"/>
-            <a:r>
-              <a:rPr lang="en-US" dirty="0" smtClean="0"/>
-              <a:t>objects can be transferred to and from your instance with a variety of tools.</a:t>
+            <a:pPr lvl="0"/>
+            <a:r>
+              <a:rPr lang="en-US" dirty="0" smtClean="0"/>
+              <a:t>File Access</a:t>
+            </a:r>
+          </a:p>
+          <a:p>
+            <a:pPr lvl="1"/>
+            <a:r>
+              <a:rPr lang="en-US" dirty="0" smtClean="0"/>
+              <a:t>Volume storage contains a lot of files in one continuous block. Files are accessed with traditional file access methods. </a:t>
+            </a:r>
+          </a:p>
+          <a:p>
+            <a:pPr lvl="1"/>
+            <a:r>
+              <a:rPr lang="en-US" dirty="0" smtClean="0"/>
+              <a:t>In the Object Storage, files may be</a:t>
+            </a:r>
+            <a:r>
+              <a:rPr lang="en-US" i="1" dirty="0" smtClean="0"/>
+              <a:t> spread out</a:t>
+            </a:r>
+            <a:r>
+              <a:rPr lang="en-US" dirty="0" smtClean="0"/>
+              <a:t> over several hard-drives. An object is accessed using a </a:t>
+            </a:r>
+            <a:r>
+              <a:rPr lang="en-US" i="1" dirty="0" smtClean="0"/>
+              <a:t>http</a:t>
+            </a:r>
+            <a:r>
+              <a:rPr lang="en-US" dirty="0" smtClean="0"/>
+              <a:t> based interface. </a:t>
+            </a:r>
+          </a:p>
+          <a:p>
+            <a:pPr lvl="0"/>
+            <a:r>
+              <a:rPr lang="en-US" dirty="0" smtClean="0"/>
+              <a:t>Distribution</a:t>
+            </a:r>
+          </a:p>
+          <a:p>
+            <a:pPr lvl="1"/>
+            <a:r>
+              <a:rPr lang="en-US" dirty="0" smtClean="0"/>
+              <a:t>Object Storage is a per-file based storage system which stores </a:t>
+            </a:r>
+            <a:r>
+              <a:rPr lang="en-US" i="1" dirty="0" smtClean="0"/>
+              <a:t>each</a:t>
+            </a:r>
+            <a:r>
+              <a:rPr lang="en-US" dirty="0" smtClean="0"/>
+              <a:t> file at </a:t>
+            </a:r>
+            <a:r>
+              <a:rPr lang="en-US" i="1" dirty="0" smtClean="0"/>
+              <a:t>several</a:t>
+            </a:r>
+            <a:r>
+              <a:rPr lang="en-US" dirty="0" smtClean="0"/>
+              <a:t> locations. </a:t>
+            </a:r>
+          </a:p>
+          <a:p>
+            <a:pPr lvl="1"/>
+            <a:r>
+              <a:rPr lang="en-US" dirty="0" smtClean="0"/>
+              <a:t>Volume Storage is one block of storage which contains several files, located at </a:t>
+            </a:r>
+            <a:r>
+              <a:rPr lang="en-US" i="1" dirty="0" smtClean="0"/>
+              <a:t>one</a:t>
+            </a:r>
+            <a:r>
+              <a:rPr lang="en-US" dirty="0" smtClean="0"/>
+              <a:t> location.</a:t>
             </a:r>
           </a:p>
           <a:p>
@@ -3919,7 +5422,7 @@
     </p:spTree>
     <p:extLst>
       <p:ext uri="{BB962C8B-B14F-4D97-AF65-F5344CB8AC3E}">
-        <p14:creationId xmlns:p14="http://schemas.microsoft.com/office/powerpoint/2010/main" val="2940720499"/>
+        <p14:creationId xmlns:p14="http://schemas.microsoft.com/office/powerpoint/2010/main" val="1280867705"/>
       </p:ext>
     </p:extLst>
   </p:cSld>
@@ -3958,70 +5461,78 @@
         </p:nvSpPr>
         <p:spPr/>
         <p:txBody>
+          <a:bodyPr/>
+          <a:lstStyle/>
+          <a:p>
+            <a:r>
+              <a:rPr lang="en-US" smtClean="0"/>
+              <a:t>Storage</a:t>
+            </a:r>
+            <a:endParaRPr lang="en-US" dirty="0"/>
+          </a:p>
+        </p:txBody>
+      </p:sp>
+      <p:sp>
+        <p:nvSpPr>
+          <p:cNvPr id="3" name="Content Placeholder 2"/>
+          <p:cNvSpPr>
+            <a:spLocks noGrp="1"/>
+          </p:cNvSpPr>
+          <p:nvPr>
+            <p:ph idx="1"/>
+          </p:nvPr>
+        </p:nvSpPr>
+        <p:spPr/>
+        <p:txBody>
           <a:bodyPr>
-            <a:normAutofit fontScale="90000"/>
+            <a:normAutofit/>
           </a:bodyPr>
           <a:lstStyle/>
           <a:p>
-            <a:r>
-              <a:rPr lang="en-US" smtClean="0"/>
-              <a:t>Resource requirements for computing and storage</a:t>
-            </a:r>
-            <a:endParaRPr lang="en-US" dirty="0"/>
-          </a:p>
-        </p:txBody>
-      </p:sp>
-      <p:sp>
-        <p:nvSpPr>
-          <p:cNvPr id="3" name="Content Placeholder 2"/>
-          <p:cNvSpPr>
-            <a:spLocks noGrp="1"/>
-          </p:cNvSpPr>
-          <p:nvPr>
-            <p:ph idx="1"/>
-          </p:nvPr>
-        </p:nvSpPr>
-        <p:spPr/>
-        <p:txBody>
-          <a:bodyPr/>
-          <a:lstStyle/>
-          <a:p>
-            <a:pPr lvl="0"/>
-            <a:r>
-              <a:rPr lang="en-US" dirty="0" smtClean="0"/>
-              <a:t>Different types of storage available to researchers </a:t>
-            </a:r>
-          </a:p>
-          <a:p>
-            <a:pPr lvl="0"/>
-            <a:r>
-              <a:rPr lang="en-US" dirty="0" smtClean="0"/>
-              <a:t>Key factors which help determine the amount of required resources (computing and storage). </a:t>
+            <a:pPr marL="0" lvl="0" indent="0">
+              <a:buNone/>
+            </a:pPr>
+            <a:r>
+              <a:rPr lang="en-US" dirty="0" smtClean="0"/>
+              <a:t>Distinguish two most </a:t>
+            </a:r>
+            <a:r>
+              <a:rPr lang="en-US" dirty="0" smtClean="0"/>
+              <a:t>commonly used storage systems are:</a:t>
+            </a:r>
+          </a:p>
+          <a:p>
+            <a:pPr marL="457200" lvl="0" indent="-457200">
+              <a:buFont typeface="+mj-lt"/>
+              <a:buAutoNum type="arabicParenR"/>
+            </a:pPr>
+            <a:r>
+              <a:rPr lang="en-US" b="1" dirty="0" smtClean="0">
+                <a:sym typeface="Helvetica"/>
+              </a:rPr>
+              <a:t>Filesystem storage</a:t>
             </a:r>
           </a:p>
           <a:p>
             <a:pPr lvl="1"/>
             <a:r>
               <a:rPr lang="en-US" dirty="0" smtClean="0"/>
-              <a:t>How many instances do you need? </a:t>
+              <a:t>Commonly deployed as Network Attached Storage (NAS).</a:t>
             </a:r>
           </a:p>
           <a:p>
             <a:pPr lvl="1"/>
             <a:r>
               <a:rPr lang="en-US" dirty="0" smtClean="0"/>
-              <a:t>How many cores?</a:t>
-            </a:r>
-          </a:p>
-          <a:p>
-            <a:endParaRPr lang="en-US" dirty="0"/>
+              <a:t>Great for transfer of individual files over a network</a:t>
+            </a:r>
           </a:p>
         </p:txBody>
       </p:sp>
     </p:spTree>
     <p:extLst>
       <p:ext uri="{BB962C8B-B14F-4D97-AF65-F5344CB8AC3E}">
-        <p14:creationId xmlns:p14="http://schemas.microsoft.com/office/powerpoint/2010/main" val="2580252505"/>
+        <p14:creationId xmlns:p14="http://schemas.microsoft.com/office/powerpoint/2010/main" val="2523583440"/>
       </p:ext>
     </p:extLst>
   </p:cSld>
@@ -4064,8 +5575,16 @@
           <a:lstStyle/>
           <a:p>
             <a:r>
-              <a:rPr lang="en-US" smtClean="0"/>
-              <a:t>Volumes vs Object Storage</a:t>
+              <a:rPr lang="en-US" dirty="0">
+                <a:solidFill>
+                  <a:srgbClr val="B54721"/>
+                </a:solidFill>
+              </a:rPr>
+              <a:t>[SLIDES] </a:t>
+            </a:r>
+            <a:r>
+              <a:rPr lang="en-US" dirty="0" smtClean="0"/>
+              <a:t>RDSI Storage</a:t>
             </a:r>
             <a:endParaRPr lang="en-US" dirty="0"/>
           </a:p>
@@ -4083,93 +5602,59 @@
         </p:nvSpPr>
         <p:spPr/>
         <p:txBody>
-          <a:bodyPr>
-            <a:normAutofit lnSpcReduction="10000"/>
-          </a:bodyPr>
-          <a:lstStyle/>
-          <a:p>
-            <a:pPr lvl="0"/>
-            <a:r>
-              <a:rPr lang="en-US" dirty="0" smtClean="0"/>
-              <a:t>File Access</a:t>
-            </a:r>
-          </a:p>
-          <a:p>
-            <a:pPr lvl="1"/>
-            <a:r>
-              <a:rPr lang="en-US" dirty="0" smtClean="0"/>
-              <a:t>Volume storage contains a lot of files in one continuous block. Files are accessed with traditional file access methods. </a:t>
-            </a:r>
-          </a:p>
-          <a:p>
-            <a:pPr lvl="1"/>
-            <a:r>
-              <a:rPr lang="en-US" dirty="0" smtClean="0"/>
-              <a:t>In the Object Storage, files may be</a:t>
-            </a:r>
-            <a:r>
-              <a:rPr lang="en-US" i="1" dirty="0" smtClean="0"/>
-              <a:t> spread out</a:t>
-            </a:r>
-            <a:r>
-              <a:rPr lang="en-US" dirty="0" smtClean="0"/>
-              <a:t> over several hard-drives. An object is accessed using a </a:t>
-            </a:r>
-            <a:r>
-              <a:rPr lang="en-US" i="1" dirty="0" smtClean="0"/>
-              <a:t>http</a:t>
-            </a:r>
-            <a:r>
-              <a:rPr lang="en-US" dirty="0" smtClean="0"/>
-              <a:t> based interface. </a:t>
-            </a:r>
-          </a:p>
-          <a:p>
-            <a:pPr lvl="0"/>
-            <a:r>
-              <a:rPr lang="en-US" dirty="0" smtClean="0"/>
-              <a:t>Distribution</a:t>
-            </a:r>
-          </a:p>
-          <a:p>
-            <a:pPr lvl="1"/>
-            <a:r>
-              <a:rPr lang="en-US" dirty="0" smtClean="0"/>
-              <a:t>Object Storage is a per-file based storage system which stores </a:t>
-            </a:r>
-            <a:r>
-              <a:rPr lang="en-US" i="1" dirty="0" smtClean="0"/>
-              <a:t>each</a:t>
-            </a:r>
-            <a:r>
-              <a:rPr lang="en-US" dirty="0" smtClean="0"/>
-              <a:t> file at </a:t>
-            </a:r>
-            <a:r>
-              <a:rPr lang="en-US" i="1" dirty="0" smtClean="0"/>
-              <a:t>several</a:t>
-            </a:r>
-            <a:r>
-              <a:rPr lang="en-US" dirty="0" smtClean="0"/>
-              <a:t> locations. </a:t>
-            </a:r>
-          </a:p>
-          <a:p>
-            <a:pPr lvl="1"/>
-            <a:r>
-              <a:rPr lang="en-US" dirty="0" smtClean="0"/>
-              <a:t>Volume Storage is one block of storage which contains several files, located at </a:t>
-            </a:r>
-            <a:r>
-              <a:rPr lang="en-US" i="1" dirty="0" smtClean="0"/>
-              <a:t>one</a:t>
-            </a:r>
-            <a:r>
-              <a:rPr lang="en-US" dirty="0" smtClean="0"/>
-              <a:t> location.</a:t>
-            </a:r>
-          </a:p>
-          <a:p>
+          <a:bodyPr/>
+          <a:lstStyle/>
+          <a:p>
+            <a:pPr lvl="0"/>
+            <a:r>
+              <a:rPr lang="en-US" dirty="0" smtClean="0"/>
+              <a:t>One more storage type which may be available to you is the storage offered by the </a:t>
+            </a:r>
+            <a:r>
+              <a:rPr lang="en-US" b="1" dirty="0" smtClean="0">
+                <a:sym typeface="Helvetica"/>
+              </a:rPr>
+              <a:t>Research Data Storage Infrastructure (RDSI)</a:t>
+            </a:r>
+            <a:r>
+              <a:rPr lang="en-US" dirty="0" smtClean="0"/>
+              <a:t>: </a:t>
+            </a:r>
+            <a:r>
+              <a:rPr lang="en-US" dirty="0" smtClean="0">
+                <a:hlinkClick r:id="rId2"/>
+              </a:rPr>
+              <a:t>www.rdsi.edu.au</a:t>
+            </a:r>
+            <a:endParaRPr lang="en-US" dirty="0" smtClean="0"/>
+          </a:p>
+          <a:p>
+            <a:pPr lvl="0"/>
+            <a:r>
+              <a:rPr lang="en-US" dirty="0" smtClean="0"/>
+              <a:t>Aim of RDSI: research usage and manipulation of significant </a:t>
+            </a:r>
+            <a:r>
+              <a:rPr lang="en-US" b="1" dirty="0" smtClean="0">
+                <a:sym typeface="Helvetica"/>
+              </a:rPr>
+              <a:t>“collections”</a:t>
+            </a:r>
+            <a:r>
+              <a:rPr lang="en-US" b="1" dirty="0" smtClean="0"/>
+              <a:t> </a:t>
+            </a:r>
+            <a:r>
+              <a:rPr lang="en-US" dirty="0" smtClean="0"/>
+              <a:t>of data that were previously either unavailable or difficult to access.</a:t>
+            </a:r>
+          </a:p>
+          <a:p>
+            <a:pPr lvl="0"/>
+            <a:r>
+              <a:rPr lang="en-US" dirty="0" smtClean="0"/>
+              <a:t>The RDSI Project will deliver a national infrastructure able to hold significant collections of research data.</a:t>
+            </a:r>
             <a:endParaRPr lang="en-US" dirty="0"/>
           </a:p>
         </p:txBody>
@@ -4177,7 +5662,7 @@
     </p:spTree>
     <p:extLst>
       <p:ext uri="{BB962C8B-B14F-4D97-AF65-F5344CB8AC3E}">
-        <p14:creationId xmlns:p14="http://schemas.microsoft.com/office/powerpoint/2010/main" val="1280867705"/>
+        <p14:creationId xmlns:p14="http://schemas.microsoft.com/office/powerpoint/2010/main" val="383496295"/>
       </p:ext>
     </p:extLst>
   </p:cSld>
@@ -4220,129 +5705,15 @@
           <a:lstStyle/>
           <a:p>
             <a:r>
-              <a:rPr lang="en-US" smtClean="0"/>
-              <a:t>RDSI Storage</a:t>
-            </a:r>
-            <a:endParaRPr lang="en-US" dirty="0"/>
-          </a:p>
-        </p:txBody>
-      </p:sp>
-      <p:sp>
-        <p:nvSpPr>
-          <p:cNvPr id="3" name="Content Placeholder 2"/>
-          <p:cNvSpPr>
-            <a:spLocks noGrp="1"/>
-          </p:cNvSpPr>
-          <p:nvPr>
-            <p:ph idx="1"/>
-          </p:nvPr>
-        </p:nvSpPr>
-        <p:spPr/>
-        <p:txBody>
-          <a:bodyPr/>
-          <a:lstStyle/>
-          <a:p>
-            <a:pPr lvl="0"/>
-            <a:r>
-              <a:rPr lang="en-US" dirty="0" smtClean="0"/>
-              <a:t>One more storage type which may be available to you is the storage offered by the </a:t>
-            </a:r>
-            <a:r>
-              <a:rPr lang="en-US" b="1" dirty="0" smtClean="0">
-                <a:sym typeface="Helvetica"/>
+              <a:rPr lang="en-US" dirty="0">
+                <a:solidFill>
+                  <a:srgbClr val="B54721"/>
+                </a:solidFill>
               </a:rPr>
-              <a:t>Research Data Storage Infrastructure (RDSI)</a:t>
-            </a:r>
-            <a:r>
-              <a:rPr lang="en-US" dirty="0" smtClean="0"/>
-              <a:t>: </a:t>
-            </a:r>
-            <a:r>
-              <a:rPr lang="en-US" dirty="0" smtClean="0">
-                <a:hlinkClick r:id="rId2"/>
-              </a:rPr>
-              <a:t>www.rdsi.edu.au</a:t>
-            </a:r>
-            <a:endParaRPr lang="en-US" dirty="0" smtClean="0"/>
-          </a:p>
-          <a:p>
-            <a:pPr lvl="0"/>
-            <a:r>
-              <a:rPr lang="en-US" dirty="0" smtClean="0"/>
-              <a:t>Aim of RDSI: research usage and manipulation of significant </a:t>
-            </a:r>
-            <a:r>
-              <a:rPr lang="en-US" b="1" dirty="0" smtClean="0">
-                <a:sym typeface="Helvetica"/>
-              </a:rPr>
-              <a:t>“collections”</a:t>
-            </a:r>
-            <a:r>
-              <a:rPr lang="en-US" b="1" dirty="0" smtClean="0"/>
-              <a:t> </a:t>
-            </a:r>
-            <a:r>
-              <a:rPr lang="en-US" dirty="0" smtClean="0"/>
-              <a:t>of data that were previously either unavailable or difficult to access.</a:t>
-            </a:r>
-          </a:p>
-          <a:p>
-            <a:pPr lvl="0"/>
-            <a:r>
-              <a:rPr lang="en-US" dirty="0" smtClean="0"/>
-              <a:t>The RDSI Project will deliver a national infrastructure able to hold significant collections of research data.</a:t>
-            </a:r>
-            <a:endParaRPr lang="en-US" dirty="0"/>
-          </a:p>
-        </p:txBody>
-      </p:sp>
-    </p:spTree>
-    <p:extLst>
-      <p:ext uri="{BB962C8B-B14F-4D97-AF65-F5344CB8AC3E}">
-        <p14:creationId xmlns:p14="http://schemas.microsoft.com/office/powerpoint/2010/main" val="383496295"/>
-      </p:ext>
-    </p:extLst>
-  </p:cSld>
-  <p:clrMapOvr>
-    <a:masterClrMapping/>
-  </p:clrMapOvr>
-</p:sld>
-</file>
-
-<file path=ppt/slides/slide22.xml><?xml version="1.0" encoding="utf-8"?>
-<p:sld xmlns:a="http://schemas.openxmlformats.org/drawingml/2006/main" xmlns:r="http://schemas.openxmlformats.org/officeDocument/2006/relationships" xmlns:p="http://schemas.openxmlformats.org/presentationml/2006/main">
-  <p:cSld>
-    <p:spTree>
-      <p:nvGrpSpPr>
-        <p:cNvPr id="1" name=""/>
-        <p:cNvGrpSpPr/>
-        <p:nvPr/>
-      </p:nvGrpSpPr>
-      <p:grpSpPr>
-        <a:xfrm>
-          <a:off x="0" y="0"/>
-          <a:ext cx="0" cy="0"/>
-          <a:chOff x="0" y="0"/>
-          <a:chExt cx="0" cy="0"/>
-        </a:xfrm>
-      </p:grpSpPr>
-      <p:sp>
-        <p:nvSpPr>
-          <p:cNvPr id="2" name="Title 1"/>
-          <p:cNvSpPr>
-            <a:spLocks noGrp="1"/>
-          </p:cNvSpPr>
-          <p:nvPr>
-            <p:ph type="title"/>
-          </p:nvPr>
-        </p:nvSpPr>
-        <p:spPr/>
-        <p:txBody>
-          <a:bodyPr/>
-          <a:lstStyle/>
-          <a:p>
-            <a:r>
-              <a:rPr lang="en-US" smtClean="0"/>
+              <a:t>[SLIDES] </a:t>
+            </a:r>
+            <a:r>
+              <a:rPr lang="en-US" dirty="0" smtClean="0"/>
               <a:t>RDSI  Storage</a:t>
             </a:r>
             <a:endParaRPr lang="en-US" dirty="0"/>
@@ -4438,6 +5809,151 @@
 </p:sld>
 </file>
 
+<file path=ppt/slides/slide22.xml><?xml version="1.0" encoding="utf-8"?>
+<p:sld xmlns:a="http://schemas.openxmlformats.org/drawingml/2006/main" xmlns:r="http://schemas.openxmlformats.org/officeDocument/2006/relationships" xmlns:p="http://schemas.openxmlformats.org/presentationml/2006/main">
+  <p:cSld>
+    <p:spTree>
+      <p:nvGrpSpPr>
+        <p:cNvPr id="1" name=""/>
+        <p:cNvGrpSpPr/>
+        <p:nvPr/>
+      </p:nvGrpSpPr>
+      <p:grpSpPr>
+        <a:xfrm>
+          <a:off x="0" y="0"/>
+          <a:ext cx="0" cy="0"/>
+          <a:chOff x="0" y="0"/>
+          <a:chExt cx="0" cy="0"/>
+        </a:xfrm>
+      </p:grpSpPr>
+      <p:sp>
+        <p:nvSpPr>
+          <p:cNvPr id="2" name="Title 1"/>
+          <p:cNvSpPr>
+            <a:spLocks noGrp="1"/>
+          </p:cNvSpPr>
+          <p:nvPr>
+            <p:ph type="title"/>
+          </p:nvPr>
+        </p:nvSpPr>
+        <p:spPr/>
+        <p:txBody>
+          <a:bodyPr/>
+          <a:lstStyle/>
+          <a:p>
+            <a:r>
+              <a:rPr lang="en-US" dirty="0">
+                <a:solidFill>
+                  <a:srgbClr val="B54721"/>
+                </a:solidFill>
+              </a:rPr>
+              <a:t>[SLIDES] </a:t>
+            </a:r>
+            <a:r>
+              <a:rPr lang="en-US" dirty="0" smtClean="0"/>
+              <a:t>RDSI Storage</a:t>
+            </a:r>
+            <a:endParaRPr lang="en-US" dirty="0"/>
+          </a:p>
+        </p:txBody>
+      </p:sp>
+      <p:sp>
+        <p:nvSpPr>
+          <p:cNvPr id="3" name="Content Placeholder 2"/>
+          <p:cNvSpPr>
+            <a:spLocks noGrp="1"/>
+          </p:cNvSpPr>
+          <p:nvPr>
+            <p:ph idx="1"/>
+          </p:nvPr>
+        </p:nvSpPr>
+        <p:spPr/>
+        <p:txBody>
+          <a:bodyPr>
+            <a:normAutofit fontScale="92500" lnSpcReduction="20000"/>
+          </a:bodyPr>
+          <a:lstStyle/>
+          <a:p>
+            <a:pPr lvl="0"/>
+            <a:r>
+              <a:rPr lang="en-US" dirty="0" smtClean="0"/>
+              <a:t>NeCTAR storage may not be sufficient for your purposes: </a:t>
+            </a:r>
+          </a:p>
+          <a:p>
+            <a:pPr lvl="1"/>
+            <a:r>
+              <a:rPr lang="en-US" dirty="0" smtClean="0"/>
+              <a:t>The largest “flavor” will give your 480GB of On-Instance storage</a:t>
+            </a:r>
+          </a:p>
+          <a:p>
+            <a:pPr lvl="1"/>
+            <a:r>
+              <a:rPr lang="en-US" dirty="0" smtClean="0"/>
+              <a:t>to get access to a large Volume storage, you need good reasons in your allocation request.</a:t>
+            </a:r>
+          </a:p>
+          <a:p>
+            <a:pPr lvl="0"/>
+            <a:r>
+              <a:rPr lang="en-US" dirty="0" smtClean="0"/>
+              <a:t>Contact your local RDSI node to find out about the form of access they use, which may be:</a:t>
+            </a:r>
+          </a:p>
+          <a:p>
+            <a:pPr lvl="1"/>
+            <a:r>
+              <a:rPr lang="en-US" dirty="0" smtClean="0"/>
+              <a:t>an Object Storage,</a:t>
+            </a:r>
+          </a:p>
+          <a:p>
+            <a:pPr lvl="1"/>
+            <a:r>
+              <a:rPr lang="en-US" dirty="0" smtClean="0"/>
+              <a:t>a Volume Storage,</a:t>
+            </a:r>
+          </a:p>
+          <a:p>
+            <a:pPr lvl="1"/>
+            <a:r>
+              <a:rPr lang="en-US" dirty="0" smtClean="0"/>
+              <a:t>a specific VM which has access to the storage,</a:t>
+            </a:r>
+          </a:p>
+          <a:p>
+            <a:pPr lvl="1"/>
+            <a:r>
+              <a:rPr lang="en-US" dirty="0" smtClean="0"/>
+              <a:t>NFS storage, or</a:t>
+            </a:r>
+          </a:p>
+          <a:p>
+            <a:pPr lvl="1"/>
+            <a:r>
+              <a:rPr lang="en-US" dirty="0" smtClean="0"/>
+              <a:t>other forms of access.</a:t>
+            </a:r>
+          </a:p>
+          <a:p>
+            <a:endParaRPr lang="en-US" dirty="0"/>
+          </a:p>
+        </p:txBody>
+      </p:sp>
+    </p:spTree>
+    <p:extLst>
+      <p:ext uri="{BB962C8B-B14F-4D97-AF65-F5344CB8AC3E}">
+        <p14:creationId xmlns:p14="http://schemas.microsoft.com/office/powerpoint/2010/main" val="3638719731"/>
+      </p:ext>
+    </p:extLst>
+  </p:cSld>
+  <p:clrMapOvr>
+    <a:masterClrMapping/>
+  </p:clrMapOvr>
+</p:sld>
+</file>
+
 <file path=ppt/slides/slide23.xml><?xml version="1.0" encoding="utf-8"?>
 <p:sld xmlns:a="http://schemas.openxmlformats.org/drawingml/2006/main" xmlns:r="http://schemas.openxmlformats.org/officeDocument/2006/relationships" xmlns:p="http://schemas.openxmlformats.org/presentationml/2006/main">
   <p:cSld>
@@ -4472,7 +5988,7 @@
           <a:p>
             <a:r>
               <a:rPr lang="en-US" smtClean="0"/>
-              <a:t>RDSI Storage</a:t>
+              <a:t>Storage: Recommendations</a:t>
             </a:r>
             <a:endParaRPr lang="en-US" dirty="0"/>
           </a:p>
@@ -4498,63 +6014,83 @@
             <a:pPr lvl="0"/>
             <a:r>
               <a:rPr lang="en-US" dirty="0" smtClean="0"/>
-              <a:t>NeCTAR storage may not be sufficient for your purposes: </a:t>
-            </a:r>
-          </a:p>
-          <a:p>
-            <a:pPr lvl="1"/>
-            <a:r>
-              <a:rPr lang="en-US" dirty="0" smtClean="0"/>
-              <a:t>The largest “flavor” will give your 480GB of On-Instance storage</a:t>
-            </a:r>
-          </a:p>
-          <a:p>
-            <a:pPr lvl="1"/>
-            <a:r>
-              <a:rPr lang="en-US" dirty="0" smtClean="0"/>
-              <a:t>to get access to a large Volume storage, you need good reasons in your allocation request.</a:t>
-            </a:r>
-          </a:p>
-          <a:p>
-            <a:pPr lvl="0"/>
-            <a:r>
-              <a:rPr lang="en-US" dirty="0" smtClean="0"/>
-              <a:t>Contact your local RDSI node to find out about the form of access they use, which may be:</a:t>
-            </a:r>
-          </a:p>
-          <a:p>
-            <a:pPr lvl="1"/>
-            <a:r>
-              <a:rPr lang="en-US" dirty="0" smtClean="0"/>
-              <a:t>an Object Storage,</a:t>
-            </a:r>
-          </a:p>
-          <a:p>
-            <a:pPr lvl="1"/>
-            <a:r>
-              <a:rPr lang="en-US" dirty="0" smtClean="0"/>
-              <a:t>a Volume Storage,</a:t>
-            </a:r>
-          </a:p>
-          <a:p>
-            <a:pPr lvl="1"/>
-            <a:r>
-              <a:rPr lang="en-US" dirty="0" smtClean="0"/>
-              <a:t>a specific VM which has access to the storage,</a:t>
-            </a:r>
-          </a:p>
-          <a:p>
-            <a:pPr lvl="1"/>
-            <a:r>
-              <a:rPr lang="en-US" dirty="0" smtClean="0"/>
-              <a:t>NFS storage, or</a:t>
-            </a:r>
-          </a:p>
-          <a:p>
-            <a:pPr lvl="1"/>
-            <a:r>
-              <a:rPr lang="en-US" dirty="0" smtClean="0"/>
-              <a:t>other forms of access.</a:t>
+              <a:t>Use </a:t>
+            </a:r>
+            <a:r>
+              <a:rPr lang="en-US" u="sng" dirty="0" smtClean="0"/>
+              <a:t>On-Instance Storage</a:t>
+            </a:r>
+            <a:r>
+              <a:rPr lang="en-US" dirty="0" smtClean="0"/>
+              <a:t> as “scratch space” and/or to keep </a:t>
+            </a:r>
+            <a:r>
+              <a:rPr lang="en-US" dirty="0" smtClean="0"/>
+              <a:t>copies of </a:t>
+            </a:r>
+            <a:r>
+              <a:rPr lang="en-US" dirty="0" smtClean="0"/>
+              <a:t>data (e.g. websites). </a:t>
+            </a:r>
+          </a:p>
+          <a:p>
+            <a:pPr lvl="0"/>
+            <a:r>
+              <a:rPr lang="en-US" dirty="0" smtClean="0"/>
+              <a:t>Use </a:t>
+            </a:r>
+            <a:r>
+              <a:rPr lang="en-US" u="sng" dirty="0" smtClean="0"/>
+              <a:t>Volumes or the Object Store</a:t>
+            </a:r>
+            <a:r>
+              <a:rPr lang="en-US" dirty="0" smtClean="0"/>
+              <a:t> for all data which should survive an instance termination.</a:t>
+            </a:r>
+          </a:p>
+          <a:p>
+            <a:pPr lvl="0"/>
+            <a:r>
+              <a:rPr lang="en-US" dirty="0" smtClean="0"/>
+              <a:t>Use </a:t>
+            </a:r>
+            <a:r>
+              <a:rPr lang="en-US" u="sng" dirty="0" smtClean="0"/>
+              <a:t>Volumes</a:t>
+            </a:r>
+            <a:r>
+              <a:rPr lang="en-US" dirty="0" smtClean="0"/>
+              <a:t> for data which needs to be accessed by programs using traditional file access methods.</a:t>
+            </a:r>
+          </a:p>
+          <a:p>
+            <a:pPr lvl="0"/>
+            <a:r>
+              <a:rPr lang="en-US" dirty="0" smtClean="0"/>
+              <a:t>Use the </a:t>
+            </a:r>
+            <a:r>
+              <a:rPr lang="en-US" u="sng" dirty="0" smtClean="0"/>
+              <a:t>Object Store</a:t>
+            </a:r>
+            <a:r>
+              <a:rPr lang="en-US" dirty="0" smtClean="0"/>
+              <a:t> for easy access to individual files from anywhere, which is great for sharing with collaborators.</a:t>
+            </a:r>
+          </a:p>
+          <a:p>
+            <a:pPr lvl="0"/>
+            <a:r>
+              <a:rPr lang="en-US" dirty="0" smtClean="0"/>
+              <a:t>For very large data demands, you may consider using Volumes, or try to get an </a:t>
+            </a:r>
+            <a:r>
+              <a:rPr lang="en-US" u="sng" dirty="0" smtClean="0"/>
+              <a:t>RDSI allocation</a:t>
+            </a:r>
+            <a:r>
+              <a:rPr lang="en-US" dirty="0" smtClean="0"/>
+              <a:t>. </a:t>
             </a:r>
           </a:p>
           <a:p>
@@ -4565,7 +6101,7 @@
     </p:spTree>
     <p:extLst>
       <p:ext uri="{BB962C8B-B14F-4D97-AF65-F5344CB8AC3E}">
-        <p14:creationId xmlns:p14="http://schemas.microsoft.com/office/powerpoint/2010/main" val="3638719731"/>
+        <p14:creationId xmlns:p14="http://schemas.microsoft.com/office/powerpoint/2010/main" val="3696324519"/>
       </p:ext>
     </p:extLst>
   </p:cSld>
@@ -4627,83 +6163,46 @@
         </p:nvSpPr>
         <p:spPr/>
         <p:txBody>
-          <a:bodyPr>
-            <a:normAutofit fontScale="92500" lnSpcReduction="20000"/>
-          </a:bodyPr>
-          <a:lstStyle/>
-          <a:p>
-            <a:pPr lvl="0"/>
-            <a:r>
-              <a:rPr lang="en-US" dirty="0" smtClean="0"/>
-              <a:t>Use </a:t>
-            </a:r>
-            <a:r>
-              <a:rPr lang="en-US" u="sng" dirty="0" smtClean="0"/>
-              <a:t>On-Instance Storage</a:t>
-            </a:r>
-            <a:r>
-              <a:rPr lang="en-US" dirty="0" smtClean="0"/>
-              <a:t> as “scratch space” and/or to keep copies/clones of data (e.g. websites). </a:t>
-            </a:r>
-          </a:p>
-          <a:p>
-            <a:pPr lvl="0"/>
-            <a:r>
-              <a:rPr lang="en-US" dirty="0" smtClean="0"/>
-              <a:t>Use </a:t>
-            </a:r>
-            <a:r>
-              <a:rPr lang="en-US" u="sng" dirty="0" smtClean="0"/>
-              <a:t>Volumes or the Object Store</a:t>
-            </a:r>
-            <a:r>
-              <a:rPr lang="en-US" dirty="0" smtClean="0"/>
-              <a:t> for all data which should survive an instance termination.</a:t>
-            </a:r>
-          </a:p>
-          <a:p>
-            <a:pPr lvl="0"/>
-            <a:r>
-              <a:rPr lang="en-US" dirty="0" smtClean="0"/>
-              <a:t>Use </a:t>
-            </a:r>
-            <a:r>
-              <a:rPr lang="en-US" u="sng" dirty="0" smtClean="0"/>
-              <a:t>Volumes</a:t>
-            </a:r>
-            <a:r>
-              <a:rPr lang="en-US" dirty="0" smtClean="0"/>
-              <a:t> for data which needs to be accessed by programs using traditional file access methods.</a:t>
-            </a:r>
-          </a:p>
-          <a:p>
-            <a:pPr lvl="0"/>
-            <a:r>
-              <a:rPr lang="en-US" dirty="0" smtClean="0"/>
-              <a:t>Use the </a:t>
-            </a:r>
-            <a:r>
-              <a:rPr lang="en-US" u="sng" dirty="0" smtClean="0"/>
-              <a:t>Object Store</a:t>
-            </a:r>
-            <a:r>
-              <a:rPr lang="en-US" dirty="0" smtClean="0"/>
-              <a:t> for easy access to individual files from anywhere, which is great for sharing with collaborators.</a:t>
-            </a:r>
-          </a:p>
-          <a:p>
-            <a:pPr lvl="0"/>
-            <a:r>
-              <a:rPr lang="en-US" dirty="0" smtClean="0"/>
-              <a:t>For very large data demands, you may consider using Volumes, or try to get an </a:t>
-            </a:r>
-            <a:r>
-              <a:rPr lang="en-US" u="sng" dirty="0" smtClean="0"/>
-              <a:t>RDSI allocation</a:t>
-            </a:r>
-            <a:r>
-              <a:rPr lang="en-US" dirty="0" smtClean="0"/>
-              <a:t>. </a:t>
+          <a:bodyPr/>
+          <a:lstStyle/>
+          <a:p>
+            <a:pPr marL="0" lvl="0" indent="0">
+              <a:buNone/>
+            </a:pPr>
+            <a:r>
+              <a:rPr lang="en-US" b="1" dirty="0" smtClean="0">
+                <a:sym typeface="Helvetica"/>
+              </a:rPr>
+              <a:t>Important: Back up your data!!</a:t>
+            </a:r>
+          </a:p>
+          <a:p>
+            <a:pPr lvl="0"/>
+            <a:r>
+              <a:rPr lang="en-US" dirty="0" smtClean="0"/>
+              <a:t>Most urgently, backups should be done of On-Instance Storage and of Volumes, but it is also recommended to back up Object Storage.</a:t>
+            </a:r>
+          </a:p>
+          <a:p>
+            <a:pPr lvl="0"/>
+            <a:r>
+              <a:rPr lang="en-US" dirty="0" smtClean="0"/>
+              <a:t>Back up </a:t>
+            </a:r>
+            <a:r>
+              <a:rPr lang="en-US" b="1" dirty="0" smtClean="0"/>
+              <a:t>at regular intervals</a:t>
+            </a:r>
+            <a:r>
+              <a:rPr lang="en-US" dirty="0" smtClean="0"/>
+              <a:t>, for example at important stages of the data life cycle. </a:t>
+            </a:r>
+          </a:p>
+          <a:p>
+            <a:pPr lvl="0"/>
+            <a:r>
+              <a:rPr lang="en-US" dirty="0" smtClean="0"/>
+              <a:t>Module 9 will guide you through a few options to back up and restore your data.</a:t>
             </a:r>
           </a:p>
           <a:p>
@@ -4714,7 +6213,7 @@
     </p:spTree>
     <p:extLst>
       <p:ext uri="{BB962C8B-B14F-4D97-AF65-F5344CB8AC3E}">
-        <p14:creationId xmlns:p14="http://schemas.microsoft.com/office/powerpoint/2010/main" val="3696324519"/>
+        <p14:creationId xmlns:p14="http://schemas.microsoft.com/office/powerpoint/2010/main" val="3416954225"/>
       </p:ext>
     </p:extLst>
   </p:cSld>
@@ -4757,8 +6256,8 @@
           <a:lstStyle/>
           <a:p>
             <a:r>
-              <a:rPr lang="en-US" smtClean="0"/>
-              <a:t>Storage: Recommendations</a:t>
+              <a:rPr lang="en-US" dirty="0" smtClean="0"/>
+              <a:t>Suitable number of cores</a:t>
             </a:r>
             <a:endParaRPr lang="en-US" dirty="0"/>
           </a:p>
@@ -4779,43 +6278,38 @@
           <a:bodyPr/>
           <a:lstStyle/>
           <a:p>
-            <a:pPr marL="0" lvl="0" indent="0">
-              <a:buNone/>
-            </a:pPr>
-            <a:r>
-              <a:rPr lang="en-US" b="1" dirty="0" smtClean="0">
-                <a:sym typeface="Helvetica"/>
-              </a:rPr>
-              <a:t>Important: Back up your data!!</a:t>
-            </a:r>
-          </a:p>
-          <a:p>
-            <a:pPr lvl="0"/>
-            <a:r>
-              <a:rPr lang="en-US" dirty="0" smtClean="0"/>
-              <a:t>Most urgently, backups should be done of On-Instance Storage and of Volumes, but it is also recommended to back up Object Storage.</a:t>
-            </a:r>
-          </a:p>
-          <a:p>
-            <a:pPr lvl="0"/>
-            <a:r>
-              <a:rPr lang="en-US" dirty="0" smtClean="0"/>
-              <a:t>Back up </a:t>
-            </a:r>
-            <a:r>
-              <a:rPr lang="en-US" b="1" dirty="0" smtClean="0"/>
-              <a:t>at regular intervals</a:t>
-            </a:r>
-            <a:r>
-              <a:rPr lang="en-US" dirty="0" smtClean="0"/>
-              <a:t>, for example at important stages of the data life cycle. </a:t>
-            </a:r>
-          </a:p>
-          <a:p>
-            <a:pPr lvl="0"/>
-            <a:r>
-              <a:rPr lang="en-US" dirty="0" smtClean="0"/>
-              <a:t>Module 9 will guide you through a few options to back up and restore your data.</a:t>
+            <a:pPr lvl="0"/>
+            <a:r>
+              <a:rPr lang="en-US" dirty="0" smtClean="0"/>
+              <a:t>Virtual machine instances in the Research Cloud are available in “Standard” sizes:</a:t>
+            </a:r>
+          </a:p>
+          <a:p>
+            <a:pPr lvl="1"/>
+            <a:r>
+              <a:rPr lang="en-US" dirty="0" smtClean="0"/>
+              <a:t>[REST WITH SLIDE]</a:t>
+            </a:r>
+          </a:p>
+          <a:p>
+            <a:pPr lvl="1"/>
+            <a:r>
+              <a:rPr lang="en-US" dirty="0" smtClean="0"/>
+              <a:t>Small (1 core), Medium (2 cores), Large (4 cores), Extra-large or XL (8 cores), XXL (16 cores).</a:t>
+            </a:r>
+          </a:p>
+          <a:p>
+            <a:pPr lvl="1"/>
+            <a:r>
+              <a:rPr lang="en-US" dirty="0" smtClean="0"/>
+              <a:t>Per core, a VM gets 4 GB of memory (RAM) and 30 GB of local disk storage (On-Instance secondary drive).</a:t>
+            </a:r>
+          </a:p>
+          <a:p>
+            <a:pPr lvl="1"/>
+            <a:r>
+              <a:rPr lang="en-US" dirty="0" smtClean="0"/>
+              <a:t>Example: an XL VM instance has 8 processing cores, 32 GB RAM and 240 GB of On-Instance storage.</a:t>
             </a:r>
           </a:p>
           <a:p>
@@ -4826,7 +6320,7 @@
     </p:spTree>
     <p:extLst>
       <p:ext uri="{BB962C8B-B14F-4D97-AF65-F5344CB8AC3E}">
-        <p14:creationId xmlns:p14="http://schemas.microsoft.com/office/powerpoint/2010/main" val="3416954225"/>
+        <p14:creationId xmlns:p14="http://schemas.microsoft.com/office/powerpoint/2010/main" val="3787975932"/>
       </p:ext>
     </p:extLst>
   </p:cSld>
@@ -4894,28 +6388,54 @@
             <a:pPr lvl="0"/>
             <a:r>
               <a:rPr lang="en-US" dirty="0" smtClean="0"/>
-              <a:t>Virtual machine instances in the Research Cloud are available in “Standard” sizes:</a:t>
+              <a:t>So which flavor is suitable for your purposes? How many cores will you need?</a:t>
+            </a:r>
+          </a:p>
+          <a:p>
+            <a:pPr lvl="0"/>
+            <a:r>
+              <a:rPr lang="en-US" dirty="0" smtClean="0"/>
+              <a:t>You will have to </a:t>
+            </a:r>
+            <a:r>
+              <a:rPr lang="en-US" b="1" dirty="0" smtClean="0">
+                <a:sym typeface="Helvetica"/>
+              </a:rPr>
+              <a:t>take a closer look at your application</a:t>
+            </a:r>
+            <a:r>
+              <a:rPr lang="en-US" dirty="0" smtClean="0"/>
+              <a:t> to find out how much you can benefit from several cores. </a:t>
             </a:r>
           </a:p>
           <a:p>
             <a:pPr lvl="1"/>
             <a:r>
               <a:rPr lang="en-US" dirty="0" smtClean="0"/>
-              <a:t>Small (1 core), Medium (2 cores), Large (4 cores), Extra-large or XL (8 cores), XXL (16 cores).</a:t>
+              <a:t>Some applications are </a:t>
+            </a:r>
+            <a:r>
+              <a:rPr lang="en-US" b="1" dirty="0" smtClean="0"/>
+              <a:t>single-threaded</a:t>
+            </a:r>
+            <a:r>
+              <a:rPr lang="en-US" dirty="0" smtClean="0"/>
+              <a:t>—you won’t benefit from more than 1 core.</a:t>
             </a:r>
           </a:p>
           <a:p>
             <a:pPr lvl="1"/>
             <a:r>
               <a:rPr lang="en-US" dirty="0" smtClean="0"/>
-              <a:t>Per core, a VM gets 4 GB of memory (RAM) and 30 GB of local disk storage (On-Instance secondary drive).</a:t>
-            </a:r>
-          </a:p>
-          <a:p>
-            <a:pPr lvl="1"/>
-            <a:r>
-              <a:rPr lang="en-US" dirty="0" smtClean="0"/>
-              <a:t>Example: an XL VM instance has 8 processing cores, 32 GB RAM and 240 GB of On-Instance storage.</a:t>
+              <a:t>Others are </a:t>
+            </a:r>
+            <a:r>
+              <a:rPr lang="en-US" b="1" dirty="0" smtClean="0"/>
+              <a:t>multi-threaded</a:t>
+            </a:r>
+            <a:r>
+              <a:rPr lang="en-US" dirty="0" smtClean="0"/>
+              <a:t>—you may benefit from several cores.</a:t>
             </a:r>
           </a:p>
           <a:p>
@@ -4926,7 +6446,7 @@
     </p:spTree>
     <p:extLst>
       <p:ext uri="{BB962C8B-B14F-4D97-AF65-F5344CB8AC3E}">
-        <p14:creationId xmlns:p14="http://schemas.microsoft.com/office/powerpoint/2010/main" val="3787975932"/>
+        <p14:creationId xmlns:p14="http://schemas.microsoft.com/office/powerpoint/2010/main" val="313754485"/>
       </p:ext>
     </p:extLst>
   </p:cSld>
@@ -4994,54 +6514,49 @@
             <a:pPr lvl="0"/>
             <a:r>
               <a:rPr lang="en-US" dirty="0" smtClean="0"/>
-              <a:t>So which flavor is suitable for your purposes? How many cores will you need?</a:t>
-            </a:r>
-          </a:p>
-          <a:p>
-            <a:pPr lvl="0"/>
-            <a:r>
-              <a:rPr lang="en-US" dirty="0" smtClean="0"/>
-              <a:t>You will have to </a:t>
+              <a:t>A multi-threaded application supports a certain number of </a:t>
             </a:r>
             <a:r>
               <a:rPr lang="en-US" b="1" dirty="0" smtClean="0">
                 <a:sym typeface="Helvetica"/>
               </a:rPr>
-              <a:t>take a closer look at your application</a:t>
-            </a:r>
-            <a:r>
-              <a:rPr lang="en-US" dirty="0" smtClean="0"/>
-              <a:t> to find out how much you can benefit from several cores. </a:t>
-            </a:r>
-          </a:p>
-          <a:p>
-            <a:pPr lvl="1"/>
-            <a:r>
-              <a:rPr lang="en-US" dirty="0" smtClean="0"/>
-              <a:t>Some applications are </a:t>
-            </a:r>
-            <a:r>
-              <a:rPr lang="en-US" b="1" dirty="0" smtClean="0"/>
-              <a:t>single-threaded</a:t>
-            </a:r>
-            <a:r>
-              <a:rPr lang="en-US" dirty="0" smtClean="0"/>
-              <a:t>—you won’t benefit from more than 1 core.</a:t>
-            </a:r>
-          </a:p>
-          <a:p>
-            <a:pPr lvl="1"/>
-            <a:r>
-              <a:rPr lang="en-US" dirty="0" smtClean="0"/>
-              <a:t>Others are </a:t>
-            </a:r>
-            <a:r>
-              <a:rPr lang="en-US" b="1" dirty="0" smtClean="0"/>
-              <a:t>multi-threaded</a:t>
-            </a:r>
-            <a:r>
-              <a:rPr lang="en-US" dirty="0" smtClean="0"/>
-              <a:t>—you may benefit from several cores.</a:t>
+              <a:t>threads</a:t>
+            </a:r>
+            <a:r>
+              <a:rPr lang="en-US" dirty="0" smtClean="0"/>
+              <a:t>. </a:t>
+            </a:r>
+          </a:p>
+          <a:p>
+            <a:pPr lvl="0"/>
+            <a:r>
+              <a:rPr lang="en-US" dirty="0" smtClean="0"/>
+              <a:t>A </a:t>
+            </a:r>
+            <a:r>
+              <a:rPr lang="en-US" i="1" dirty="0" smtClean="0"/>
+              <a:t>thread</a:t>
+            </a:r>
+            <a:r>
+              <a:rPr lang="en-US" dirty="0" smtClean="0"/>
+              <a:t> is essentially a parallel process.</a:t>
+            </a:r>
+          </a:p>
+          <a:p>
+            <a:pPr lvl="0"/>
+            <a:r>
+              <a:rPr lang="en-US" dirty="0" smtClean="0"/>
+              <a:t>Depending on how many threads your application uses, you may benefit from </a:t>
+            </a:r>
+            <a:r>
+              <a:rPr lang="en-US" b="1" dirty="0" smtClean="0">
+                <a:sym typeface="Helvetica"/>
+              </a:rPr>
+              <a:t>maximum one core per thread</a:t>
+            </a:r>
+            <a:r>
+              <a:rPr lang="en-US" dirty="0" smtClean="0"/>
+              <a:t>.</a:t>
             </a:r>
           </a:p>
           <a:p>
@@ -5052,7 +6567,7 @@
     </p:spTree>
     <p:extLst>
       <p:ext uri="{BB962C8B-B14F-4D97-AF65-F5344CB8AC3E}">
-        <p14:creationId xmlns:p14="http://schemas.microsoft.com/office/powerpoint/2010/main" val="313754485"/>
+        <p14:creationId xmlns:p14="http://schemas.microsoft.com/office/powerpoint/2010/main" val="1191012558"/>
       </p:ext>
     </p:extLst>
   </p:cSld>
@@ -5112,127 +6627,6 @@
             <p:ph idx="1"/>
           </p:nvPr>
         </p:nvSpPr>
-        <p:spPr/>
-        <p:txBody>
-          <a:bodyPr/>
-          <a:lstStyle/>
-          <a:p>
-            <a:pPr lvl="0"/>
-            <a:r>
-              <a:rPr lang="en-US" dirty="0" smtClean="0"/>
-              <a:t>A multi-threaded application supports a certain number of </a:t>
-            </a:r>
-            <a:r>
-              <a:rPr lang="en-US" b="1" dirty="0" smtClean="0">
-                <a:sym typeface="Helvetica"/>
-              </a:rPr>
-              <a:t>threads</a:t>
-            </a:r>
-            <a:r>
-              <a:rPr lang="en-US" dirty="0" smtClean="0"/>
-              <a:t>. </a:t>
-            </a:r>
-          </a:p>
-          <a:p>
-            <a:pPr lvl="0"/>
-            <a:r>
-              <a:rPr lang="en-US" dirty="0" smtClean="0"/>
-              <a:t>A </a:t>
-            </a:r>
-            <a:r>
-              <a:rPr lang="en-US" i="1" dirty="0" smtClean="0"/>
-              <a:t>thread</a:t>
-            </a:r>
-            <a:r>
-              <a:rPr lang="en-US" dirty="0" smtClean="0"/>
-              <a:t> is essentially a parallel process.</a:t>
-            </a:r>
-          </a:p>
-          <a:p>
-            <a:pPr lvl="0"/>
-            <a:r>
-              <a:rPr lang="en-US" dirty="0" smtClean="0"/>
-              <a:t>Depending on how many threads your application uses, you may benefit from </a:t>
-            </a:r>
-            <a:r>
-              <a:rPr lang="en-US" b="1" dirty="0" smtClean="0">
-                <a:sym typeface="Helvetica"/>
-              </a:rPr>
-              <a:t>maximum one core per thread</a:t>
-            </a:r>
-            <a:r>
-              <a:rPr lang="en-US" dirty="0" smtClean="0"/>
-              <a:t>.</a:t>
-            </a:r>
-          </a:p>
-          <a:p>
-            <a:endParaRPr lang="en-US" dirty="0"/>
-          </a:p>
-        </p:txBody>
-      </p:sp>
-    </p:spTree>
-    <p:extLst>
-      <p:ext uri="{BB962C8B-B14F-4D97-AF65-F5344CB8AC3E}">
-        <p14:creationId xmlns:p14="http://schemas.microsoft.com/office/powerpoint/2010/main" val="1191012558"/>
-      </p:ext>
-    </p:extLst>
-  </p:cSld>
-  <p:clrMapOvr>
-    <a:masterClrMapping/>
-  </p:clrMapOvr>
-</p:sld>
-</file>
-
-<file path=ppt/slides/slide29.xml><?xml version="1.0" encoding="utf-8"?>
-<p:sld xmlns:a="http://schemas.openxmlformats.org/drawingml/2006/main" xmlns:r="http://schemas.openxmlformats.org/officeDocument/2006/relationships" xmlns:p="http://schemas.openxmlformats.org/presentationml/2006/main">
-  <p:cSld>
-    <p:spTree>
-      <p:nvGrpSpPr>
-        <p:cNvPr id="1" name=""/>
-        <p:cNvGrpSpPr/>
-        <p:nvPr/>
-      </p:nvGrpSpPr>
-      <p:grpSpPr>
-        <a:xfrm>
-          <a:off x="0" y="0"/>
-          <a:ext cx="0" cy="0"/>
-          <a:chOff x="0" y="0"/>
-          <a:chExt cx="0" cy="0"/>
-        </a:xfrm>
-      </p:grpSpPr>
-      <p:sp>
-        <p:nvSpPr>
-          <p:cNvPr id="2" name="Title 1"/>
-          <p:cNvSpPr>
-            <a:spLocks noGrp="1"/>
-          </p:cNvSpPr>
-          <p:nvPr>
-            <p:ph type="title"/>
-          </p:nvPr>
-        </p:nvSpPr>
-        <p:spPr/>
-        <p:txBody>
-          <a:bodyPr/>
-          <a:lstStyle/>
-          <a:p>
-            <a:r>
-              <a:rPr lang="en-US" smtClean="0"/>
-              <a:t>Suitable number of cores</a:t>
-            </a:r>
-            <a:endParaRPr lang="en-US" dirty="0"/>
-          </a:p>
-        </p:txBody>
-      </p:sp>
-      <p:sp>
-        <p:nvSpPr>
-          <p:cNvPr id="3" name="Content Placeholder 2"/>
-          <p:cNvSpPr>
-            <a:spLocks noGrp="1"/>
-          </p:cNvSpPr>
-          <p:nvPr>
-            <p:ph idx="1"/>
-          </p:nvPr>
-        </p:nvSpPr>
         <p:spPr>
           <a:xfrm>
             <a:off x="498474" y="1485901"/>
@@ -5338,7 +6732,7 @@
           <p:nvPr/>
         </p:nvPicPr>
         <p:blipFill>
-          <a:blip r:embed="rId2">
+          <a:blip r:embed="rId3">
             <a:extLst>
               <a:ext uri="{28A0092B-C50C-407E-A947-70E740481C1C}">
                 <a14:useLocalDpi xmlns:a14="http://schemas.microsoft.com/office/drawing/2010/main" val="0"/>
@@ -5372,6 +6766,174 @@
 </p:sld>
 </file>
 
+<file path=ppt/slides/slide29.xml><?xml version="1.0" encoding="utf-8"?>
+<p:sld xmlns:a="http://schemas.openxmlformats.org/drawingml/2006/main" xmlns:r="http://schemas.openxmlformats.org/officeDocument/2006/relationships" xmlns:p="http://schemas.openxmlformats.org/presentationml/2006/main">
+  <p:cSld>
+    <p:spTree>
+      <p:nvGrpSpPr>
+        <p:cNvPr id="1" name=""/>
+        <p:cNvGrpSpPr/>
+        <p:nvPr/>
+      </p:nvGrpSpPr>
+      <p:grpSpPr>
+        <a:xfrm>
+          <a:off x="0" y="0"/>
+          <a:ext cx="0" cy="0"/>
+          <a:chOff x="0" y="0"/>
+          <a:chExt cx="0" cy="0"/>
+        </a:xfrm>
+      </p:grpSpPr>
+      <p:sp>
+        <p:nvSpPr>
+          <p:cNvPr id="2" name="Title 1"/>
+          <p:cNvSpPr>
+            <a:spLocks noGrp="1"/>
+          </p:cNvSpPr>
+          <p:nvPr>
+            <p:ph type="title"/>
+          </p:nvPr>
+        </p:nvSpPr>
+        <p:spPr/>
+        <p:txBody>
+          <a:bodyPr/>
+          <a:lstStyle/>
+          <a:p>
+            <a:r>
+              <a:rPr lang="en-US" dirty="0">
+                <a:solidFill>
+                  <a:srgbClr val="B54721"/>
+                </a:solidFill>
+              </a:rPr>
+              <a:t>[SLIDES] </a:t>
+            </a:r>
+            <a:r>
+              <a:rPr lang="en-US" dirty="0" smtClean="0"/>
+              <a:t>Suitable number of cores</a:t>
+            </a:r>
+            <a:endParaRPr lang="en-US" dirty="0"/>
+          </a:p>
+        </p:txBody>
+      </p:sp>
+      <p:sp>
+        <p:nvSpPr>
+          <p:cNvPr id="3" name="Content Placeholder 2"/>
+          <p:cNvSpPr>
+            <a:spLocks noGrp="1"/>
+          </p:cNvSpPr>
+          <p:nvPr>
+            <p:ph idx="1"/>
+          </p:nvPr>
+        </p:nvSpPr>
+        <p:spPr/>
+        <p:txBody>
+          <a:bodyPr>
+            <a:normAutofit fontScale="92500" lnSpcReduction="10000"/>
+          </a:bodyPr>
+          <a:lstStyle/>
+          <a:p>
+            <a:pPr lvl="0"/>
+            <a:r>
+              <a:rPr lang="en-US" dirty="0" smtClean="0"/>
+              <a:t>Some applications use </a:t>
+            </a:r>
+            <a:r>
+              <a:rPr lang="en-US" b="1" dirty="0" smtClean="0">
+                <a:sym typeface="Helvetica"/>
+              </a:rPr>
+              <a:t>OpenMP</a:t>
+            </a:r>
+            <a:r>
+              <a:rPr lang="en-US" dirty="0" smtClean="0"/>
+              <a:t>, meaning they are multi-threaded.</a:t>
+            </a:r>
+          </a:p>
+          <a:p>
+            <a:pPr lvl="0"/>
+            <a:r>
+              <a:rPr lang="en-US" i="1" dirty="0" smtClean="0"/>
+              <a:t>OpenMP</a:t>
+            </a:r>
+            <a:r>
+              <a:rPr lang="en-US" dirty="0" smtClean="0"/>
+              <a:t> is an API that can be used for multi-thread handling on </a:t>
+            </a:r>
+            <a:r>
+              <a:rPr lang="en-US" b="1" dirty="0" smtClean="0">
+                <a:sym typeface="Helvetica"/>
+              </a:rPr>
+              <a:t>shared memory systems</a:t>
+            </a:r>
+            <a:r>
+              <a:rPr lang="en-US" dirty="0" smtClean="0">
+                <a:sym typeface="Helvetica"/>
+              </a:rPr>
+              <a:t> </a:t>
+            </a:r>
+            <a:r>
+              <a:rPr lang="en-US" dirty="0" smtClean="0"/>
+              <a:t>(all CPUs access the same memory).</a:t>
+            </a:r>
+          </a:p>
+          <a:p>
+            <a:pPr lvl="0"/>
+            <a:r>
+              <a:rPr lang="en-US" i="1" dirty="0" smtClean="0"/>
+              <a:t>OpenMP</a:t>
+            </a:r>
+            <a:r>
+              <a:rPr lang="en-US" dirty="0" smtClean="0"/>
+              <a:t> is slightly more automated than low-level thread libraries as </a:t>
+            </a:r>
+            <a:r>
+              <a:rPr lang="en-US" dirty="0" err="1" smtClean="0"/>
+              <a:t>pthread</a:t>
+            </a:r>
+            <a:r>
+              <a:rPr lang="en-US" dirty="0" smtClean="0"/>
+              <a:t>.</a:t>
+            </a:r>
+          </a:p>
+          <a:p>
+            <a:pPr lvl="0"/>
+            <a:r>
+              <a:rPr lang="en-US" dirty="0" smtClean="0"/>
+              <a:t>If your application uses </a:t>
+            </a:r>
+            <a:r>
+              <a:rPr lang="en-US" i="1" dirty="0" smtClean="0"/>
+              <a:t>OpenMP</a:t>
+            </a:r>
+            <a:r>
+              <a:rPr lang="en-US" dirty="0" smtClean="0"/>
+              <a:t>, same guideline about the number of cores hold: Choose one core or less per supported </a:t>
+            </a:r>
+            <a:r>
+              <a:rPr lang="en-US" i="1" dirty="0" smtClean="0"/>
+              <a:t>thread</a:t>
+            </a:r>
+            <a:r>
+              <a:rPr lang="en-US" dirty="0" smtClean="0"/>
+              <a:t>.</a:t>
+            </a:r>
+          </a:p>
+          <a:p>
+            <a:endParaRPr lang="en-US" dirty="0"/>
+          </a:p>
+        </p:txBody>
+      </p:sp>
+    </p:spTree>
+    <p:extLst>
+      <p:ext uri="{BB962C8B-B14F-4D97-AF65-F5344CB8AC3E}">
+        <p14:creationId xmlns:p14="http://schemas.microsoft.com/office/powerpoint/2010/main" val="350518335"/>
+      </p:ext>
+    </p:extLst>
+  </p:cSld>
+  <p:clrMapOvr>
+    <a:masterClrMapping/>
+  </p:clrMapOvr>
+</p:sld>
+</file>
+
 <file path=ppt/slides/slide3.xml><?xml version="1.0" encoding="utf-8"?>
 <p:sld xmlns:a="http://schemas.openxmlformats.org/drawingml/2006/main" xmlns:r="http://schemas.openxmlformats.org/officeDocument/2006/relationships" xmlns:p="http://schemas.openxmlformats.org/presentationml/2006/main">
   <p:cSld>
@@ -5405,7 +6967,7 @@
           <a:lstStyle/>
           <a:p>
             <a:r>
-              <a:rPr lang="en-US" smtClean="0"/>
+              <a:rPr lang="en-US" dirty="0" smtClean="0"/>
               <a:t>Storage</a:t>
             </a:r>
             <a:endParaRPr lang="en-US" dirty="0"/>
@@ -5424,56 +6986,43 @@
         </p:nvSpPr>
         <p:spPr/>
         <p:txBody>
-          <a:bodyPr>
-            <a:normAutofit/>
-          </a:bodyPr>
-          <a:lstStyle/>
-          <a:p>
-            <a:pPr marL="0" lvl="0" indent="0">
-              <a:buNone/>
-            </a:pPr>
-            <a:r>
-              <a:rPr lang="en-US" dirty="0" smtClean="0"/>
-              <a:t>The most commonly used storage systems are:</a:t>
-            </a:r>
-          </a:p>
+          <a:bodyPr/>
+          <a:lstStyle/>
           <a:p>
             <a:pPr marL="457200" lvl="0" indent="-457200">
               <a:buFont typeface="+mj-lt"/>
-              <a:buAutoNum type="arabicParenR"/>
+              <a:buAutoNum type="arabicParenR" startAt="2"/>
             </a:pPr>
             <a:r>
-              <a:rPr lang="en-US" b="1" dirty="0" smtClean="0">
+              <a:rPr lang="en-US" b="1" dirty="0">
                 <a:sym typeface="Helvetica"/>
               </a:rPr>
-              <a:t>Filesystem storage</a:t>
-            </a:r>
+              <a:t>Block level storage</a:t>
+            </a:r>
+            <a:endParaRPr lang="en-US" b="1" dirty="0"/>
           </a:p>
           <a:p>
             <a:pPr lvl="1"/>
             <a:r>
-              <a:rPr lang="en-US" dirty="0" smtClean="0"/>
-              <a:t>Commonly deployed as Network Attached Storage (NAS).</a:t>
+              <a:rPr lang="en-US" dirty="0"/>
+              <a:t>A Block is a chunk of data which may contain several files. </a:t>
             </a:r>
           </a:p>
           <a:p>
             <a:pPr lvl="1"/>
             <a:r>
-              <a:rPr lang="en-US" dirty="0" smtClean="0"/>
-              <a:t>Great for transfer of individual files over a network</a:t>
+              <a:rPr lang="en-US" dirty="0"/>
+              <a:t>Appears to the system and the user as attached drives.</a:t>
             </a:r>
           </a:p>
           <a:p>
             <a:pPr lvl="1"/>
             <a:r>
-              <a:rPr lang="en-US" dirty="0" smtClean="0"/>
-              <a:t>Works well on a local network for a large number of files, but not so well over the Internet, and managing billions of files.</a:t>
-            </a:r>
-          </a:p>
-          <a:p>
-            <a:pPr marL="0" indent="0">
-              <a:buNone/>
-            </a:pPr>
+              <a:rPr lang="en-US" dirty="0"/>
+              <a:t>Required storage type for most applications, and for running things like databases</a:t>
+            </a:r>
+          </a:p>
+          <a:p>
             <a:endParaRPr lang="en-US" dirty="0"/>
           </a:p>
         </p:txBody>
@@ -5481,7 +7030,7 @@
     </p:spTree>
     <p:extLst>
       <p:ext uri="{BB962C8B-B14F-4D97-AF65-F5344CB8AC3E}">
-        <p14:creationId xmlns:p14="http://schemas.microsoft.com/office/powerpoint/2010/main" val="2523583440"/>
+        <p14:creationId xmlns:p14="http://schemas.microsoft.com/office/powerpoint/2010/main" val="2212276810"/>
       </p:ext>
     </p:extLst>
   </p:cSld>
@@ -5525,166 +7074,6 @@
           <a:p>
             <a:r>
               <a:rPr lang="en-US" smtClean="0"/>
-              <a:t>Suitable number of cores</a:t>
-            </a:r>
-            <a:endParaRPr lang="en-US" dirty="0"/>
-          </a:p>
-        </p:txBody>
-      </p:sp>
-      <p:sp>
-        <p:nvSpPr>
-          <p:cNvPr id="3" name="Content Placeholder 2"/>
-          <p:cNvSpPr>
-            <a:spLocks noGrp="1"/>
-          </p:cNvSpPr>
-          <p:nvPr>
-            <p:ph idx="1"/>
-          </p:nvPr>
-        </p:nvSpPr>
-        <p:spPr/>
-        <p:txBody>
-          <a:bodyPr>
-            <a:normAutofit fontScale="92500" lnSpcReduction="10000"/>
-          </a:bodyPr>
-          <a:lstStyle/>
-          <a:p>
-            <a:pPr lvl="0"/>
-            <a:r>
-              <a:rPr lang="en-US" dirty="0" smtClean="0"/>
-              <a:t>Some applications use </a:t>
-            </a:r>
-            <a:r>
-              <a:rPr lang="en-US" b="1" dirty="0" smtClean="0">
-                <a:sym typeface="Helvetica"/>
-              </a:rPr>
-              <a:t>OpenMP</a:t>
-            </a:r>
-            <a:r>
-              <a:rPr lang="en-US" dirty="0" smtClean="0"/>
-              <a:t>, meaning they are multi-threaded.</a:t>
-            </a:r>
-          </a:p>
-          <a:p>
-            <a:pPr lvl="0"/>
-            <a:r>
-              <a:rPr lang="en-US" i="1" dirty="0" smtClean="0"/>
-              <a:t>OpenMP</a:t>
-            </a:r>
-            <a:r>
-              <a:rPr lang="en-US" dirty="0" smtClean="0"/>
-              <a:t> is an API that can be used for multi-thread handling on </a:t>
-            </a:r>
-            <a:r>
-              <a:rPr lang="en-US" b="1" dirty="0" smtClean="0">
-                <a:sym typeface="Helvetica"/>
-              </a:rPr>
-              <a:t>shared memory systems</a:t>
-            </a:r>
-            <a:r>
-              <a:rPr lang="en-US" dirty="0" smtClean="0">
-                <a:sym typeface="Helvetica"/>
-              </a:rPr>
-              <a:t> </a:t>
-            </a:r>
-            <a:r>
-              <a:rPr lang="en-US" dirty="0" smtClean="0"/>
-              <a:t>(all CPUs access the same memory).</a:t>
-            </a:r>
-          </a:p>
-          <a:p>
-            <a:pPr lvl="0"/>
-            <a:r>
-              <a:rPr lang="en-US" i="1" dirty="0" smtClean="0"/>
-              <a:t>OpenMP</a:t>
-            </a:r>
-            <a:r>
-              <a:rPr lang="en-US" dirty="0" smtClean="0"/>
-              <a:t> is slightly more automated than low-level thread libraries as </a:t>
-            </a:r>
-            <a:r>
-              <a:rPr lang="en-US" dirty="0" err="1" smtClean="0"/>
-              <a:t>pthread</a:t>
-            </a:r>
-            <a:r>
-              <a:rPr lang="en-US" dirty="0" smtClean="0"/>
-              <a:t>.</a:t>
-            </a:r>
-          </a:p>
-          <a:p>
-            <a:pPr lvl="0"/>
-            <a:r>
-              <a:rPr lang="en-US" dirty="0" smtClean="0"/>
-              <a:t>If your application uses </a:t>
-            </a:r>
-            <a:r>
-              <a:rPr lang="en-US" i="1" dirty="0" smtClean="0"/>
-              <a:t>OpenMP</a:t>
-            </a:r>
-            <a:r>
-              <a:rPr lang="en-US" dirty="0" smtClean="0"/>
-              <a:t>, same guideline about the number of cores hold: Choose one core or less per supported </a:t>
-            </a:r>
-            <a:r>
-              <a:rPr lang="en-US" i="1" dirty="0" smtClean="0"/>
-              <a:t>thread</a:t>
-            </a:r>
-            <a:r>
-              <a:rPr lang="en-US" dirty="0" smtClean="0"/>
-              <a:t>.</a:t>
-            </a:r>
-          </a:p>
-          <a:p>
-            <a:endParaRPr lang="en-US" dirty="0"/>
-          </a:p>
-        </p:txBody>
-      </p:sp>
-    </p:spTree>
-    <p:extLst>
-      <p:ext uri="{BB962C8B-B14F-4D97-AF65-F5344CB8AC3E}">
-        <p14:creationId xmlns:p14="http://schemas.microsoft.com/office/powerpoint/2010/main" val="350518335"/>
-      </p:ext>
-    </p:extLst>
-  </p:cSld>
-  <p:clrMapOvr>
-    <a:masterClrMapping/>
-  </p:clrMapOvr>
-</p:sld>
-</file>
-
-<file path=ppt/slides/slide31.xml><?xml version="1.0" encoding="utf-8"?>
-<p:sld xmlns:a="http://schemas.openxmlformats.org/drawingml/2006/main" xmlns:r="http://schemas.openxmlformats.org/officeDocument/2006/relationships" xmlns:p="http://schemas.openxmlformats.org/presentationml/2006/main">
-  <p:cSld>
-    <p:spTree>
-      <p:nvGrpSpPr>
-        <p:cNvPr id="1" name=""/>
-        <p:cNvGrpSpPr/>
-        <p:nvPr/>
-      </p:nvGrpSpPr>
-      <p:grpSpPr>
-        <a:xfrm>
-          <a:off x="0" y="0"/>
-          <a:ext cx="0" cy="0"/>
-          <a:chOff x="0" y="0"/>
-          <a:chExt cx="0" cy="0"/>
-        </a:xfrm>
-      </p:grpSpPr>
-      <p:sp>
-        <p:nvSpPr>
-          <p:cNvPr id="2" name="Title 1"/>
-          <p:cNvSpPr>
-            <a:spLocks noGrp="1"/>
-          </p:cNvSpPr>
-          <p:nvPr>
-            <p:ph type="title"/>
-          </p:nvPr>
-        </p:nvSpPr>
-        <p:spPr/>
-        <p:txBody>
-          <a:bodyPr/>
-          <a:lstStyle/>
-          <a:p>
-            <a:r>
-              <a:rPr lang="en-US" smtClean="0"/>
               <a:t>Suitable number of VMs</a:t>
             </a:r>
             <a:endParaRPr lang="en-US" dirty="0"/>
@@ -5751,7 +7140,7 @@
           <p:nvPr/>
         </p:nvPicPr>
         <p:blipFill>
-          <a:blip r:embed="rId2">
+          <a:blip r:embed="rId3">
             <a:extLst>
               <a:ext uri="{28A0092B-C50C-407E-A947-70E740481C1C}">
                 <a14:useLocalDpi xmlns:a14="http://schemas.microsoft.com/office/drawing/2010/main" val="0"/>
@@ -5785,7 +7174,7 @@
 </p:sld>
 </file>
 
-<file path=ppt/slides/slide32.xml><?xml version="1.0" encoding="utf-8"?>
+<file path=ppt/slides/slide31.xml><?xml version="1.0" encoding="utf-8"?>
 <p:sld xmlns:a="http://schemas.openxmlformats.org/drawingml/2006/main" xmlns:r="http://schemas.openxmlformats.org/officeDocument/2006/relationships" xmlns:p="http://schemas.openxmlformats.org/presentationml/2006/main">
   <p:cSld>
     <p:spTree>
@@ -5901,7 +7290,7 @@
           <p:nvPr/>
         </p:nvPicPr>
         <p:blipFill>
-          <a:blip r:embed="rId2">
+          <a:blip r:embed="rId3">
             <a:extLst>
               <a:ext uri="{28A0092B-C50C-407E-A947-70E740481C1C}">
                 <a14:useLocalDpi xmlns:a14="http://schemas.microsoft.com/office/drawing/2010/main" val="0"/>
@@ -5935,6 +7324,145 @@
 </p:sld>
 </file>
 
+<file path=ppt/slides/slide32.xml><?xml version="1.0" encoding="utf-8"?>
+<p:sld xmlns:a="http://schemas.openxmlformats.org/drawingml/2006/main" xmlns:r="http://schemas.openxmlformats.org/officeDocument/2006/relationships" xmlns:p="http://schemas.openxmlformats.org/presentationml/2006/main">
+  <p:cSld>
+    <p:spTree>
+      <p:nvGrpSpPr>
+        <p:cNvPr id="1" name=""/>
+        <p:cNvGrpSpPr/>
+        <p:nvPr/>
+      </p:nvGrpSpPr>
+      <p:grpSpPr>
+        <a:xfrm>
+          <a:off x="0" y="0"/>
+          <a:ext cx="0" cy="0"/>
+          <a:chOff x="0" y="0"/>
+          <a:chExt cx="0" cy="0"/>
+        </a:xfrm>
+      </p:grpSpPr>
+      <p:sp>
+        <p:nvSpPr>
+          <p:cNvPr id="2" name="Title 1"/>
+          <p:cNvSpPr>
+            <a:spLocks noGrp="1"/>
+          </p:cNvSpPr>
+          <p:nvPr>
+            <p:ph type="title"/>
+          </p:nvPr>
+        </p:nvSpPr>
+        <p:spPr/>
+        <p:txBody>
+          <a:bodyPr/>
+          <a:lstStyle/>
+          <a:p>
+            <a:r>
+              <a:rPr lang="en-US" dirty="0">
+                <a:solidFill>
+                  <a:srgbClr val="B54721"/>
+                </a:solidFill>
+              </a:rPr>
+              <a:t>[SLIDES] </a:t>
+            </a:r>
+            <a:r>
+              <a:rPr lang="en-US" dirty="0" smtClean="0"/>
+              <a:t>Suitable number of VMs</a:t>
+            </a:r>
+            <a:endParaRPr lang="en-US" dirty="0"/>
+          </a:p>
+        </p:txBody>
+      </p:sp>
+      <p:sp>
+        <p:nvSpPr>
+          <p:cNvPr id="3" name="Content Placeholder 2"/>
+          <p:cNvSpPr>
+            <a:spLocks noGrp="1"/>
+          </p:cNvSpPr>
+          <p:nvPr>
+            <p:ph idx="1"/>
+          </p:nvPr>
+        </p:nvSpPr>
+        <p:spPr/>
+        <p:txBody>
+          <a:bodyPr/>
+          <a:lstStyle/>
+          <a:p>
+            <a:pPr marL="0" lvl="0" indent="0">
+              <a:buNone/>
+            </a:pPr>
+            <a:r>
+              <a:rPr lang="en-US" dirty="0" smtClean="0"/>
+              <a:t>A software framework like </a:t>
+            </a:r>
+            <a:r>
+              <a:rPr lang="en-US" i="1" dirty="0" smtClean="0"/>
+              <a:t>MapReduce</a:t>
+            </a:r>
+            <a:r>
+              <a:rPr lang="en-US" dirty="0" smtClean="0"/>
+              <a:t> can be used to split and dispatch your problem set.</a:t>
+            </a:r>
+          </a:p>
+          <a:p>
+            <a:pPr lvl="0"/>
+            <a:r>
+              <a:rPr lang="en-US" i="1" dirty="0" smtClean="0"/>
+              <a:t>MapReduce</a:t>
+            </a:r>
+            <a:r>
+              <a:rPr lang="en-US" dirty="0" smtClean="0"/>
+              <a:t> is a framework for processing parallelizable problems across huge datasets using a large number of computers (nodes). </a:t>
+            </a:r>
+          </a:p>
+          <a:p>
+            <a:pPr lvl="0"/>
+            <a:r>
+              <a:rPr lang="en-US" dirty="0" smtClean="0"/>
+              <a:t>For use with OpenStack, you may </a:t>
+            </a:r>
+            <a:r>
+              <a:rPr lang="en-US" i="1" dirty="0" smtClean="0"/>
+              <a:t>Apache Hadoop </a:t>
+            </a:r>
+            <a:r>
+              <a:rPr lang="en-US" dirty="0" smtClean="0"/>
+              <a:t>(industry standard and widely adopted </a:t>
+            </a:r>
+            <a:r>
+              <a:rPr lang="en-US" i="1" dirty="0" smtClean="0"/>
+              <a:t>MapReduce</a:t>
+            </a:r>
+            <a:r>
+              <a:rPr lang="en-US" dirty="0" smtClean="0"/>
+              <a:t> implementation) through the OpenStack </a:t>
+            </a:r>
+            <a:r>
+              <a:rPr lang="en-US" i="1" dirty="0" smtClean="0"/>
+              <a:t>Sahara</a:t>
+            </a:r>
+            <a:r>
+              <a:rPr lang="en-US" dirty="0" smtClean="0"/>
+              <a:t> Project.</a:t>
+            </a:r>
+          </a:p>
+          <a:p>
+            <a:endParaRPr lang="en-US" dirty="0"/>
+          </a:p>
+        </p:txBody>
+      </p:sp>
+    </p:spTree>
+    <p:extLst>
+      <p:ext uri="{BB962C8B-B14F-4D97-AF65-F5344CB8AC3E}">
+        <p14:creationId xmlns:p14="http://schemas.microsoft.com/office/powerpoint/2010/main" val="1687341569"/>
+      </p:ext>
+    </p:extLst>
+  </p:cSld>
+  <p:clrMapOvr>
+    <a:masterClrMapping/>
+  </p:clrMapOvr>
+</p:sld>
+</file>
+
 <file path=ppt/slides/slide33.xml><?xml version="1.0" encoding="utf-8"?>
 <p:sld xmlns:a="http://schemas.openxmlformats.org/drawingml/2006/main" xmlns:r="http://schemas.openxmlformats.org/officeDocument/2006/relationships" xmlns:p="http://schemas.openxmlformats.org/presentationml/2006/main">
   <p:cSld>
@@ -5995,57 +7523,40 @@
             </a:pPr>
             <a:r>
               <a:rPr lang="en-US" dirty="0" smtClean="0"/>
-              <a:t>A software framework like </a:t>
-            </a:r>
-            <a:r>
-              <a:rPr lang="en-US" i="1" dirty="0" smtClean="0"/>
-              <a:t>MapReduce</a:t>
-            </a:r>
-            <a:r>
-              <a:rPr lang="en-US" dirty="0" smtClean="0"/>
-              <a:t> can be used to split and dispatch your problem set.</a:t>
-            </a:r>
-          </a:p>
-          <a:p>
-            <a:pPr lvl="0"/>
-            <a:r>
-              <a:rPr lang="en-US" i="1" dirty="0" smtClean="0"/>
-              <a:t>MapReduce</a:t>
-            </a:r>
-            <a:r>
-              <a:rPr lang="en-US" dirty="0" smtClean="0"/>
-              <a:t> is a framework for processing parallelizable problems across huge datasets using a large number of computers (nodes). </a:t>
-            </a:r>
-          </a:p>
-          <a:p>
-            <a:pPr lvl="0"/>
-            <a:r>
-              <a:rPr lang="en-US" dirty="0" smtClean="0"/>
-              <a:t>For use with OpenStack, you may </a:t>
-            </a:r>
-            <a:r>
-              <a:rPr lang="en-US" i="1" dirty="0" smtClean="0"/>
-              <a:t>Apache Hadoop </a:t>
-            </a:r>
-            <a:r>
-              <a:rPr lang="en-US" dirty="0" smtClean="0"/>
-              <a:t>(industry standard and widely adopted </a:t>
-            </a:r>
-            <a:r>
-              <a:rPr lang="en-US" i="1" dirty="0" smtClean="0"/>
-              <a:t>MapReduce</a:t>
-            </a:r>
-            <a:r>
-              <a:rPr lang="en-US" dirty="0" smtClean="0"/>
-              <a:t> implementation) through the OpenStack </a:t>
-            </a:r>
-            <a:r>
-              <a:rPr lang="en-US" i="1" dirty="0" smtClean="0"/>
-              <a:t>Sahara</a:t>
-            </a:r>
-            <a:r>
-              <a:rPr lang="en-US" dirty="0" smtClean="0"/>
-              <a:t> Project.</a:t>
+              <a:t>Sometimes, you just need to </a:t>
+            </a:r>
+            <a:r>
+              <a:rPr lang="en-US" b="1" dirty="0" smtClean="0"/>
+              <a:t>replicate</a:t>
+            </a:r>
+            <a:r>
+              <a:rPr lang="en-US" dirty="0" smtClean="0"/>
+              <a:t> your resources, </a:t>
+            </a:r>
+            <a:r>
+              <a:rPr lang="en-US" b="1" dirty="0" smtClean="0"/>
+              <a:t>or</a:t>
+            </a:r>
+            <a:r>
+              <a:rPr lang="en-US" dirty="0" smtClean="0"/>
+              <a:t> </a:t>
+            </a:r>
+            <a:r>
+              <a:rPr lang="en-US" b="1" dirty="0" smtClean="0">
+                <a:sym typeface="Helvetica"/>
+              </a:rPr>
+              <a:t>auto-scale your resources</a:t>
+            </a:r>
+            <a:r>
+              <a:rPr lang="en-US" dirty="0" smtClean="0"/>
+              <a:t>, at times when heavy workloads are experienced. </a:t>
+            </a:r>
+          </a:p>
+          <a:p>
+            <a:pPr lvl="0"/>
+            <a:r>
+              <a:rPr lang="en-US" dirty="0" smtClean="0"/>
+              <a:t>Example: When a Web-server is used at full capacity, a second (third, etc.) is automatically launched to distribute the workload.</a:t>
             </a:r>
           </a:p>
           <a:p>
@@ -6056,7 +7567,7 @@
     </p:spTree>
     <p:extLst>
       <p:ext uri="{BB962C8B-B14F-4D97-AF65-F5344CB8AC3E}">
-        <p14:creationId xmlns:p14="http://schemas.microsoft.com/office/powerpoint/2010/main" val="1687341569"/>
+        <p14:creationId xmlns:p14="http://schemas.microsoft.com/office/powerpoint/2010/main" val="1435692582"/>
       </p:ext>
     </p:extLst>
   </p:cSld>
@@ -6099,7 +7610,15 @@
           <a:lstStyle/>
           <a:p>
             <a:r>
-              <a:rPr lang="en-US" smtClean="0"/>
+              <a:rPr lang="en-US" dirty="0">
+                <a:solidFill>
+                  <a:srgbClr val="B54721"/>
+                </a:solidFill>
+              </a:rPr>
+              <a:t>[SLIDES] </a:t>
+            </a:r>
+            <a:r>
+              <a:rPr lang="en-US" dirty="0" smtClean="0"/>
               <a:t>Suitable number of VMs</a:t>
             </a:r>
             <a:endParaRPr lang="en-US" dirty="0"/>
@@ -6126,35 +7645,50 @@
             </a:pPr>
             <a:r>
               <a:rPr lang="en-US" dirty="0" smtClean="0"/>
-              <a:t>But do you actually benefit from several VMs? There are limitations and trade-offs:</a:t>
-            </a:r>
-          </a:p>
-          <a:p>
-            <a:pPr lvl="0"/>
-            <a:r>
-              <a:rPr lang="en-US" dirty="0" smtClean="0"/>
-              <a:t>Into how many pieces can the data or problem be split?</a:t>
-            </a:r>
-          </a:p>
-          <a:p>
-            <a:pPr lvl="0"/>
-            <a:r>
-              <a:rPr lang="en-US" dirty="0" smtClean="0"/>
-              <a:t>Consider the computation and communication demands for distribution.</a:t>
-            </a:r>
-          </a:p>
-          <a:p>
-            <a:pPr lvl="0"/>
-            <a:r>
-              <a:rPr lang="en-US" dirty="0" smtClean="0"/>
-              <a:t>Does the process of splitting outweigh the time to solve the problem itself? Does the splitting “pay off”?</a:t>
-            </a:r>
-          </a:p>
-          <a:p>
-            <a:pPr lvl="0"/>
-            <a:r>
-              <a:rPr lang="en-US" dirty="0" smtClean="0"/>
-              <a:t>How many instances do you have at your disposal?</a:t>
+              <a:t>The OpenStack framework provides a means to “orchestrate” your resources with the </a:t>
+            </a:r>
+            <a:r>
+              <a:rPr lang="en-US" b="1" i="1" dirty="0" smtClean="0">
+                <a:sym typeface="Helvetica"/>
+              </a:rPr>
+              <a:t>Heat</a:t>
+            </a:r>
+            <a:r>
+              <a:rPr lang="en-US" dirty="0" smtClean="0"/>
+              <a:t> engine:</a:t>
+            </a:r>
+          </a:p>
+          <a:p>
+            <a:pPr lvl="0"/>
+            <a:r>
+              <a:rPr lang="en-US" dirty="0" smtClean="0"/>
+              <a:t>You specify a </a:t>
+            </a:r>
+            <a:r>
+              <a:rPr lang="en-US" i="1" dirty="0" smtClean="0"/>
+              <a:t>template</a:t>
+            </a:r>
+            <a:r>
+              <a:rPr lang="en-US" dirty="0" smtClean="0"/>
+              <a:t> which describes which resources to launch. </a:t>
+            </a:r>
+          </a:p>
+          <a:p>
+            <a:pPr lvl="0"/>
+            <a:r>
+              <a:rPr lang="en-US" dirty="0" smtClean="0"/>
+              <a:t>Heat then manages the entire lifecycle of your infrastructure and applications.</a:t>
+            </a:r>
+          </a:p>
+          <a:p>
+            <a:pPr lvl="0"/>
+            <a:r>
+              <a:rPr lang="en-US" b="1" dirty="0" smtClean="0"/>
+              <a:t>Heat Auto-scaling</a:t>
+            </a:r>
+            <a:r>
+              <a:rPr lang="en-US" dirty="0" smtClean="0"/>
+              <a:t>: You can define “Alarms” which trigger resource management actions (e.g. scaling up).</a:t>
             </a:r>
           </a:p>
           <a:p>
@@ -6165,7 +7699,7 @@
     </p:spTree>
     <p:extLst>
       <p:ext uri="{BB962C8B-B14F-4D97-AF65-F5344CB8AC3E}">
-        <p14:creationId xmlns:p14="http://schemas.microsoft.com/office/powerpoint/2010/main" val="317922375"/>
+        <p14:creationId xmlns:p14="http://schemas.microsoft.com/office/powerpoint/2010/main" val="4125305192"/>
       </p:ext>
     </p:extLst>
   </p:cSld>
@@ -6208,7 +7742,15 @@
           <a:lstStyle/>
           <a:p>
             <a:r>
-              <a:rPr lang="en-US" smtClean="0"/>
+              <a:rPr lang="en-US" dirty="0">
+                <a:solidFill>
+                  <a:srgbClr val="B54721"/>
+                </a:solidFill>
+              </a:rPr>
+              <a:t>[SLIDES] </a:t>
+            </a:r>
+            <a:r>
+              <a:rPr lang="en-US" dirty="0" smtClean="0"/>
               <a:t>Suitable number of VMs</a:t>
             </a:r>
             <a:endParaRPr lang="en-US" dirty="0"/>
@@ -6227,7 +7769,9 @@
         </p:nvSpPr>
         <p:spPr/>
         <p:txBody>
-          <a:bodyPr/>
+          <a:bodyPr>
+            <a:normAutofit fontScale="92500" lnSpcReduction="20000"/>
+          </a:bodyPr>
           <a:lstStyle/>
           <a:p>
             <a:pPr marL="0" lvl="0" indent="0">
@@ -6235,40 +7779,58 @@
             </a:pPr>
             <a:r>
               <a:rPr lang="en-US" dirty="0" smtClean="0"/>
-              <a:t>Sometimes, you just need to </a:t>
+              <a:t>Or your application may be </a:t>
             </a:r>
             <a:r>
               <a:rPr lang="en-US" b="1" dirty="0" smtClean="0"/>
-              <a:t>replicate</a:t>
-            </a:r>
-            <a:r>
-              <a:rPr lang="en-US" dirty="0" smtClean="0"/>
-              <a:t> your resources, </a:t>
-            </a:r>
-            <a:r>
-              <a:rPr lang="en-US" b="1" dirty="0" smtClean="0"/>
-              <a:t>or</a:t>
-            </a:r>
-            <a:r>
-              <a:rPr lang="en-US" dirty="0" smtClean="0"/>
-              <a:t> </a:t>
+              <a:t>using </a:t>
             </a:r>
             <a:r>
               <a:rPr lang="en-US" b="1" dirty="0" smtClean="0">
                 <a:sym typeface="Helvetica"/>
               </a:rPr>
-              <a:t>auto-scale your resources</a:t>
-            </a:r>
-            <a:r>
-              <a:rPr lang="en-US" dirty="0" smtClean="0"/>
-              <a:t>, at times when heavy workloads are experienced. </a:t>
-            </a:r>
-          </a:p>
-          <a:p>
-            <a:pPr lvl="0"/>
-            <a:r>
-              <a:rPr lang="en-US" dirty="0" smtClean="0"/>
-              <a:t>Example: When a Web-server is used at full capacity, a second (third, etc.) is automatically launched to distribute the workload.</a:t>
+              <a:t>MPI (Message Passing Interface)</a:t>
+            </a:r>
+            <a:r>
+              <a:rPr lang="en-US" dirty="0" smtClean="0"/>
+              <a:t>, which makes it potentially eligible for parallel processing:</a:t>
+            </a:r>
+          </a:p>
+          <a:p>
+            <a:pPr lvl="0"/>
+            <a:r>
+              <a:rPr lang="en-US" dirty="0" smtClean="0"/>
+              <a:t>MPI is a technique which is widely spread in parallel programming. </a:t>
+            </a:r>
+          </a:p>
+          <a:p>
+            <a:pPr lvl="0"/>
+            <a:r>
+              <a:rPr lang="en-US" dirty="0" smtClean="0"/>
+              <a:t>With MPI, you can spread the processing of your application over several instances. </a:t>
+            </a:r>
+          </a:p>
+          <a:p>
+            <a:pPr lvl="0"/>
+            <a:r>
+              <a:rPr lang="en-US" dirty="0" smtClean="0"/>
+              <a:t>The applications running on the instances communicate over the network to </a:t>
+            </a:r>
+            <a:r>
+              <a:rPr lang="en-US" dirty="0" err="1" smtClean="0"/>
+              <a:t>synchronise</a:t>
+            </a:r>
+            <a:r>
+              <a:rPr lang="en-US" dirty="0" smtClean="0"/>
+              <a:t> their processes—this depends on what the application is trying to do. Therefore, </a:t>
+            </a:r>
+            <a:r>
+              <a:rPr lang="en-US" dirty="0" err="1" smtClean="0"/>
+              <a:t>synchronisation</a:t>
+            </a:r>
+            <a:r>
+              <a:rPr lang="en-US" dirty="0" smtClean="0"/>
+              <a:t> has to be built into the program code.</a:t>
             </a:r>
           </a:p>
           <a:p>
@@ -6279,7 +7841,7 @@
     </p:spTree>
     <p:extLst>
       <p:ext uri="{BB962C8B-B14F-4D97-AF65-F5344CB8AC3E}">
-        <p14:creationId xmlns:p14="http://schemas.microsoft.com/office/powerpoint/2010/main" val="1435692582"/>
+        <p14:creationId xmlns:p14="http://schemas.microsoft.com/office/powerpoint/2010/main" val="3089765301"/>
       </p:ext>
     </p:extLst>
   </p:cSld>
@@ -6322,7 +7884,15 @@
           <a:lstStyle/>
           <a:p>
             <a:r>
-              <a:rPr lang="en-US" smtClean="0"/>
+              <a:rPr lang="en-US" dirty="0">
+                <a:solidFill>
+                  <a:srgbClr val="B54721"/>
+                </a:solidFill>
+              </a:rPr>
+              <a:t>[SLIDES] </a:t>
+            </a:r>
+            <a:r>
+              <a:rPr lang="en-US" dirty="0" smtClean="0"/>
               <a:t>Suitable number of VMs</a:t>
             </a:r>
             <a:endParaRPr lang="en-US" dirty="0"/>
@@ -6341,7 +7911,9 @@
         </p:nvSpPr>
         <p:spPr/>
         <p:txBody>
-          <a:bodyPr/>
+          <a:bodyPr>
+            <a:normAutofit/>
+          </a:bodyPr>
           <a:lstStyle/>
           <a:p>
             <a:pPr marL="0" lvl="0" indent="0">
@@ -6349,53 +7921,45 @@
             </a:pPr>
             <a:r>
               <a:rPr lang="en-US" dirty="0" smtClean="0"/>
-              <a:t>The OpenStack framework provides a means to “orchestrate” your resources with the </a:t>
-            </a:r>
-            <a:r>
-              <a:rPr lang="en-US" b="1" i="1" dirty="0" smtClean="0">
+              <a:t>Are applications using </a:t>
+            </a:r>
+            <a:r>
+              <a:rPr lang="en-US" b="1" dirty="0" smtClean="0">
                 <a:sym typeface="Helvetica"/>
               </a:rPr>
-              <a:t>Heat</a:t>
-            </a:r>
-            <a:r>
-              <a:rPr lang="en-US" dirty="0" smtClean="0"/>
-              <a:t> engine:</a:t>
-            </a:r>
-          </a:p>
-          <a:p>
-            <a:pPr lvl="0"/>
-            <a:r>
-              <a:rPr lang="en-US" dirty="0" smtClean="0"/>
-              <a:t>You specify a </a:t>
-            </a:r>
-            <a:r>
-              <a:rPr lang="en-US" i="1" dirty="0" smtClean="0"/>
-              <a:t>template</a:t>
-            </a:r>
-            <a:r>
-              <a:rPr lang="en-US" dirty="0" smtClean="0"/>
-              <a:t> which describes which resources to launch. </a:t>
-            </a:r>
-          </a:p>
-          <a:p>
-            <a:pPr lvl="0"/>
-            <a:r>
-              <a:rPr lang="en-US" dirty="0" smtClean="0"/>
-              <a:t>Heat then manages the entire lifecycle of your infrastructure and applications.</a:t>
-            </a:r>
-          </a:p>
-          <a:p>
-            <a:pPr lvl="0"/>
-            <a:r>
-              <a:rPr lang="en-US" b="1" dirty="0" smtClean="0"/>
-              <a:t>Heat Auto-scaling</a:t>
-            </a:r>
-            <a:r>
-              <a:rPr lang="en-US" dirty="0" smtClean="0"/>
-              <a:t>: You can define “Alarms” which trigger resource management actions (e.g. scaling up).</a:t>
-            </a:r>
-          </a:p>
-          <a:p>
+              <a:t>MPI</a:t>
+            </a:r>
+            <a:r>
+              <a:rPr lang="en-US" dirty="0" smtClean="0">
+                <a:sym typeface="Helvetica"/>
+              </a:rPr>
+              <a:t> </a:t>
+            </a:r>
+            <a:r>
+              <a:rPr lang="en-US" dirty="0" smtClean="0"/>
+              <a:t>suitable for the NeCTAR Cloud?</a:t>
+            </a:r>
+          </a:p>
+          <a:p>
+            <a:pPr lvl="0"/>
+            <a:r>
+              <a:rPr lang="en-US" dirty="0" smtClean="0"/>
+              <a:t>You may benefit from several instances—however, your better choice may be to go for a HPC solution (see Module 4). </a:t>
+            </a:r>
+          </a:p>
+          <a:p>
+            <a:pPr lvl="0"/>
+            <a:r>
+              <a:rPr lang="en-US" dirty="0" smtClean="0"/>
+              <a:t>MPI performs poorly on common OpenStack networks because communication between the nodes is slow.</a:t>
+            </a:r>
+          </a:p>
+          <a:p>
+            <a:pPr lvl="0"/>
+            <a:r>
+              <a:rPr lang="en-US" dirty="0" smtClean="0"/>
+              <a:t>If fast interconnects are not crucial, you can still benefit from running MPI programs in the Cloud.</a:t>
+            </a:r>
             <a:endParaRPr lang="en-US" dirty="0"/>
           </a:p>
         </p:txBody>
@@ -6403,7 +7967,7 @@
     </p:spTree>
     <p:extLst>
       <p:ext uri="{BB962C8B-B14F-4D97-AF65-F5344CB8AC3E}">
-        <p14:creationId xmlns:p14="http://schemas.microsoft.com/office/powerpoint/2010/main" val="4125305192"/>
+        <p14:creationId xmlns:p14="http://schemas.microsoft.com/office/powerpoint/2010/main" val="1857542337"/>
       </p:ext>
     </p:extLst>
   </p:cSld>
@@ -6446,7 +8010,15 @@
           <a:lstStyle/>
           <a:p>
             <a:r>
-              <a:rPr lang="en-US" smtClean="0"/>
+              <a:rPr lang="en-US" dirty="0">
+                <a:solidFill>
+                  <a:srgbClr val="B54721"/>
+                </a:solidFill>
+              </a:rPr>
+              <a:t>[SLIDES] </a:t>
+            </a:r>
+            <a:r>
+              <a:rPr lang="en-US" dirty="0" smtClean="0"/>
               <a:t>Suitable number of VMs</a:t>
             </a:r>
             <a:endParaRPr lang="en-US" dirty="0"/>
@@ -6466,7 +8038,7 @@
         <p:spPr/>
         <p:txBody>
           <a:bodyPr>
-            <a:normAutofit fontScale="92500" lnSpcReduction="20000"/>
+            <a:normAutofit fontScale="92500" lnSpcReduction="10000"/>
           </a:bodyPr>
           <a:lstStyle/>
           <a:p>
@@ -6475,58 +8047,84 @@
             </a:pPr>
             <a:r>
               <a:rPr lang="en-US" dirty="0" smtClean="0"/>
-              <a:t>Or your application may be </a:t>
-            </a:r>
-            <a:r>
-              <a:rPr lang="en-US" b="1" dirty="0" smtClean="0"/>
-              <a:t>using </a:t>
+              <a:t>In summary, you may use several instances, but it depends on the application whether this is beneficial.</a:t>
+            </a:r>
+          </a:p>
+          <a:p>
+            <a:pPr lvl="0"/>
+            <a:r>
+              <a:rPr lang="en-US" dirty="0" smtClean="0"/>
+              <a:t>You may </a:t>
             </a:r>
             <a:r>
               <a:rPr lang="en-US" b="1" dirty="0" smtClean="0">
                 <a:sym typeface="Helvetica"/>
               </a:rPr>
-              <a:t>MPI (Message Passing Interface)</a:t>
-            </a:r>
-            <a:r>
-              <a:rPr lang="en-US" dirty="0" smtClean="0"/>
-              <a:t>, which makes it potentially eligible for parallel processing:</a:t>
-            </a:r>
-          </a:p>
-          <a:p>
-            <a:pPr lvl="0"/>
-            <a:r>
-              <a:rPr lang="en-US" dirty="0" smtClean="0"/>
-              <a:t>MPI is a technique which is widely spread in parallel programming. </a:t>
-            </a:r>
-          </a:p>
-          <a:p>
-            <a:pPr lvl="0"/>
-            <a:r>
-              <a:rPr lang="en-US" dirty="0" smtClean="0"/>
-              <a:t>With MPI, you can spread the processing of your application over several instances. </a:t>
-            </a:r>
-          </a:p>
-          <a:p>
-            <a:pPr lvl="0"/>
-            <a:r>
-              <a:rPr lang="en-US" dirty="0" smtClean="0"/>
-              <a:t>The applications running on the instances communicate over the network to </a:t>
-            </a:r>
-            <a:r>
-              <a:rPr lang="en-US" dirty="0" err="1" smtClean="0"/>
-              <a:t>synchronise</a:t>
-            </a:r>
-            <a:r>
-              <a:rPr lang="en-US" dirty="0" smtClean="0"/>
-              <a:t> their processes—this depends on what the application is trying to do. Therefore, </a:t>
-            </a:r>
-            <a:r>
-              <a:rPr lang="en-US" dirty="0" err="1" smtClean="0"/>
-              <a:t>synchronisation</a:t>
-            </a:r>
-            <a:r>
-              <a:rPr lang="en-US" dirty="0" smtClean="0"/>
-              <a:t> has to be built into the program code.</a:t>
+              <a:t>split the problem or data set</a:t>
+            </a:r>
+            <a:r>
+              <a:rPr lang="en-US" b="1" dirty="0" smtClean="0"/>
+              <a:t> </a:t>
+            </a:r>
+            <a:r>
+              <a:rPr lang="en-US" dirty="0" smtClean="0"/>
+              <a:t>and distribute it, for example using MapReduce frameworks.</a:t>
+            </a:r>
+          </a:p>
+          <a:p>
+            <a:pPr lvl="0"/>
+            <a:r>
+              <a:rPr lang="en-US" dirty="0" smtClean="0"/>
+              <a:t>You may configure</a:t>
+            </a:r>
+            <a:r>
+              <a:rPr lang="en-US" dirty="0" smtClean="0">
+                <a:sym typeface="Helvetica"/>
+              </a:rPr>
+              <a:t> </a:t>
+            </a:r>
+            <a:r>
+              <a:rPr lang="en-US" b="1" dirty="0" smtClean="0">
+                <a:sym typeface="Helvetica"/>
+              </a:rPr>
+              <a:t>auto-scaling</a:t>
+            </a:r>
+            <a:r>
+              <a:rPr lang="en-US" dirty="0" smtClean="0"/>
+              <a:t> for your resources with Heat in order to adapt to current workload demands.</a:t>
+            </a:r>
+          </a:p>
+          <a:p>
+            <a:pPr lvl="0"/>
+            <a:r>
+              <a:rPr lang="en-US" dirty="0" smtClean="0"/>
+              <a:t>You may be able to run your </a:t>
+            </a:r>
+            <a:r>
+              <a:rPr lang="en-US" b="1" dirty="0" smtClean="0">
+                <a:sym typeface="Helvetica"/>
+              </a:rPr>
+              <a:t>MPI application</a:t>
+            </a:r>
+            <a:r>
+              <a:rPr lang="en-US" dirty="0" smtClean="0"/>
+              <a:t> on the Cloud.</a:t>
+            </a:r>
+            <a:endParaRPr lang="en-US" dirty="0" smtClean="0">
+              <a:sym typeface="Helvetica"/>
+            </a:endParaRPr>
+          </a:p>
+          <a:p>
+            <a:pPr marL="0" lvl="0" indent="0">
+              <a:buNone/>
+            </a:pPr>
+            <a:r>
+              <a:rPr lang="en-US" i="1" dirty="0" smtClean="0"/>
+              <a:t>NOTE: </a:t>
+            </a:r>
+            <a:r>
+              <a:rPr lang="en-US" dirty="0" smtClean="0"/>
+              <a:t>The on-line course material provides a list of related literature for more details about parallel programming.</a:t>
             </a:r>
           </a:p>
           <a:p>
@@ -6537,7 +8135,7 @@
     </p:spTree>
     <p:extLst>
       <p:ext uri="{BB962C8B-B14F-4D97-AF65-F5344CB8AC3E}">
-        <p14:creationId xmlns:p14="http://schemas.microsoft.com/office/powerpoint/2010/main" val="3089765301"/>
+        <p14:creationId xmlns:p14="http://schemas.microsoft.com/office/powerpoint/2010/main" val="2662153144"/>
       </p:ext>
     </p:extLst>
   </p:cSld>
@@ -6581,7 +8179,7 @@
           <a:p>
             <a:r>
               <a:rPr lang="en-US" smtClean="0"/>
-              <a:t>Suitable number of VMs</a:t>
+              <a:t>Closing note</a:t>
             </a:r>
             <a:endParaRPr lang="en-US" dirty="0"/>
           </a:p>
@@ -6600,62 +8198,61 @@
         <p:spPr/>
         <p:txBody>
           <a:bodyPr>
-            <a:normAutofit/>
+            <a:normAutofit lnSpcReduction="10000"/>
           </a:bodyPr>
           <a:lstStyle/>
           <a:p>
             <a:pPr marL="0" lvl="0" indent="0">
               <a:buNone/>
             </a:pPr>
-            <a:r>
-              <a:rPr lang="en-US" dirty="0" smtClean="0"/>
-              <a:t>Are applications using </a:t>
-            </a:r>
+            <a:endParaRPr lang="en-US" dirty="0" smtClean="0"/>
+          </a:p>
+          <a:p>
+            <a:pPr lvl="0"/>
+            <a:r>
+              <a:rPr lang="en-US" dirty="0" smtClean="0"/>
+              <a:t>The storage options available on the NeCTAR Cloud.</a:t>
+            </a:r>
+          </a:p>
+          <a:p>
+            <a:pPr lvl="0"/>
+            <a:r>
+              <a:rPr lang="en-US" dirty="0" smtClean="0"/>
+              <a:t>How to find the optimal amount of cores for your application.</a:t>
+            </a:r>
+          </a:p>
+          <a:p>
+            <a:pPr lvl="0"/>
+            <a:r>
+              <a:rPr lang="en-US" dirty="0" smtClean="0"/>
+              <a:t>Options to run your application across several instances.</a:t>
+            </a:r>
+          </a:p>
+          <a:p>
+            <a:pPr marL="0" lvl="0" indent="0">
+              <a:buNone/>
+            </a:pPr>
             <a:r>
               <a:rPr lang="en-US" b="1" dirty="0" smtClean="0">
                 <a:sym typeface="Helvetica"/>
               </a:rPr>
-              <a:t>MPI</a:t>
-            </a:r>
-            <a:r>
-              <a:rPr lang="en-US" dirty="0" smtClean="0">
-                <a:sym typeface="Helvetica"/>
-              </a:rPr>
+              <a:t>Ready for more?</a:t>
+            </a:r>
+            <a:r>
+              <a:rPr lang="en-US" b="1" dirty="0" smtClean="0"/>
               <a:t> </a:t>
             </a:r>
-            <a:r>
-              <a:rPr lang="en-US" dirty="0" smtClean="0"/>
-              <a:t>suitable for the NeCTAR Cloud?</a:t>
-            </a:r>
-          </a:p>
-          <a:p>
-            <a:pPr lvl="0"/>
-            <a:r>
-              <a:rPr lang="en-US" dirty="0" smtClean="0"/>
-              <a:t>You may benefit from several instances—however, your better choice may be to go for a HPC solution (see Module 4). </a:t>
-            </a:r>
-          </a:p>
-          <a:p>
-            <a:pPr lvl="0"/>
-            <a:r>
-              <a:rPr lang="en-US" dirty="0" smtClean="0"/>
-              <a:t>MPI performs poorly on common OpenStack networks because communication between the nodes is slow.</a:t>
-            </a:r>
-          </a:p>
-          <a:p>
-            <a:pPr lvl="0"/>
-            <a:r>
-              <a:rPr lang="en-US" dirty="0" smtClean="0"/>
-              <a:t>If </a:t>
-            </a:r>
-            <a:r>
-              <a:rPr lang="en-US" dirty="0" smtClean="0"/>
-              <a:t>fast interconnects are not crucial, you can still benefit from running MPI programs in the </a:t>
-            </a:r>
-            <a:r>
-              <a:rPr lang="en-US" dirty="0" smtClean="0"/>
-              <a:t>Cloud.</a:t>
-            </a:r>
+          </a:p>
+          <a:p>
+            <a:pPr marL="0" lvl="0" indent="0">
+              <a:buNone/>
+            </a:pPr>
+            <a:r>
+              <a:rPr lang="en-US" dirty="0" smtClean="0"/>
+              <a:t>In the next Module, you will finally get some hands-on experience with using the NeCTAR Cloud!</a:t>
+            </a:r>
+          </a:p>
+          <a:p>
             <a:endParaRPr lang="en-US" dirty="0"/>
           </a:p>
         </p:txBody>
@@ -6663,167 +8260,7 @@
     </p:spTree>
     <p:extLst>
       <p:ext uri="{BB962C8B-B14F-4D97-AF65-F5344CB8AC3E}">
-        <p14:creationId xmlns:p14="http://schemas.microsoft.com/office/powerpoint/2010/main" val="1857542337"/>
-      </p:ext>
-    </p:extLst>
-  </p:cSld>
-  <p:clrMapOvr>
-    <a:masterClrMapping/>
-  </p:clrMapOvr>
-</p:sld>
-</file>
-
-<file path=ppt/slides/slide39.xml><?xml version="1.0" encoding="utf-8"?>
-<p:sld xmlns:a="http://schemas.openxmlformats.org/drawingml/2006/main" xmlns:r="http://schemas.openxmlformats.org/officeDocument/2006/relationships" xmlns:p="http://schemas.openxmlformats.org/presentationml/2006/main">
-  <p:cSld>
-    <p:spTree>
-      <p:nvGrpSpPr>
-        <p:cNvPr id="1" name=""/>
-        <p:cNvGrpSpPr/>
-        <p:nvPr/>
-      </p:nvGrpSpPr>
-      <p:grpSpPr>
-        <a:xfrm>
-          <a:off x="0" y="0"/>
-          <a:ext cx="0" cy="0"/>
-          <a:chOff x="0" y="0"/>
-          <a:chExt cx="0" cy="0"/>
-        </a:xfrm>
-      </p:grpSpPr>
-      <p:sp>
-        <p:nvSpPr>
-          <p:cNvPr id="2" name="Title 1"/>
-          <p:cNvSpPr>
-            <a:spLocks noGrp="1"/>
-          </p:cNvSpPr>
-          <p:nvPr>
-            <p:ph type="title"/>
-          </p:nvPr>
-        </p:nvSpPr>
-        <p:spPr/>
-        <p:txBody>
-          <a:bodyPr/>
-          <a:lstStyle/>
-          <a:p>
-            <a:r>
-              <a:rPr lang="en-US" smtClean="0"/>
-              <a:t>Suitable number of VMs</a:t>
-            </a:r>
-            <a:endParaRPr lang="en-US" dirty="0"/>
-          </a:p>
-        </p:txBody>
-      </p:sp>
-      <p:sp>
-        <p:nvSpPr>
-          <p:cNvPr id="3" name="Content Placeholder 2"/>
-          <p:cNvSpPr>
-            <a:spLocks noGrp="1"/>
-          </p:cNvSpPr>
-          <p:nvPr>
-            <p:ph idx="1"/>
-          </p:nvPr>
-        </p:nvSpPr>
-        <p:spPr/>
-        <p:txBody>
-          <a:bodyPr>
-            <a:normAutofit fontScale="92500" lnSpcReduction="10000"/>
-          </a:bodyPr>
-          <a:lstStyle/>
-          <a:p>
-            <a:pPr marL="0" lvl="0" indent="0">
-              <a:buNone/>
-            </a:pPr>
-            <a:r>
-              <a:rPr lang="en-US" dirty="0" smtClean="0"/>
-              <a:t>In summary, you may use several instances, but it depends on the application whether this is beneficial.</a:t>
-            </a:r>
-          </a:p>
-          <a:p>
-            <a:pPr lvl="0"/>
-            <a:r>
-              <a:rPr lang="en-US" dirty="0" smtClean="0"/>
-              <a:t>You may </a:t>
-            </a:r>
-            <a:r>
-              <a:rPr lang="en-US" b="1" dirty="0" smtClean="0">
-                <a:sym typeface="Helvetica"/>
-              </a:rPr>
-              <a:t>split the problem or data set</a:t>
-            </a:r>
-            <a:r>
-              <a:rPr lang="en-US" b="1" dirty="0" smtClean="0"/>
-              <a:t> </a:t>
-            </a:r>
-            <a:r>
-              <a:rPr lang="en-US" dirty="0" smtClean="0"/>
-              <a:t>and distribute it, for example using MapReduce frameworks.</a:t>
-            </a:r>
-          </a:p>
-          <a:p>
-            <a:pPr lvl="0"/>
-            <a:r>
-              <a:rPr lang="en-US" dirty="0" smtClean="0"/>
-              <a:t>You may configure</a:t>
-            </a:r>
-            <a:r>
-              <a:rPr lang="en-US" dirty="0" smtClean="0">
-                <a:sym typeface="Helvetica"/>
-              </a:rPr>
-              <a:t> </a:t>
-            </a:r>
-            <a:r>
-              <a:rPr lang="en-US" b="1" dirty="0" smtClean="0">
-                <a:sym typeface="Helvetica"/>
-              </a:rPr>
-              <a:t>auto-scaling</a:t>
-            </a:r>
-            <a:r>
-              <a:rPr lang="en-US" dirty="0" smtClean="0"/>
-              <a:t> for your resources with Heat in order to adapt to current workload demands.</a:t>
-            </a:r>
-          </a:p>
-          <a:p>
-            <a:pPr lvl="0"/>
-            <a:r>
-              <a:rPr lang="en-US" dirty="0" smtClean="0"/>
-              <a:t>You may be able to run your </a:t>
-            </a:r>
-            <a:r>
-              <a:rPr lang="en-US" b="1" dirty="0" smtClean="0">
-                <a:sym typeface="Helvetica"/>
-              </a:rPr>
-              <a:t>MPI application</a:t>
-            </a:r>
-            <a:r>
-              <a:rPr lang="en-US" dirty="0" smtClean="0"/>
-              <a:t> on the Cloud.</a:t>
-            </a:r>
-            <a:endParaRPr lang="en-US" dirty="0" smtClean="0">
-              <a:sym typeface="Helvetica"/>
-            </a:endParaRPr>
-          </a:p>
-          <a:p>
-            <a:pPr marL="0" lvl="0" indent="0">
-              <a:buNone/>
-            </a:pPr>
-            <a:r>
-              <a:rPr lang="en-US" i="1" dirty="0" smtClean="0"/>
-              <a:t>NOTE: </a:t>
-            </a:r>
-            <a:r>
-              <a:rPr lang="en-US" dirty="0" smtClean="0"/>
-              <a:t>The on-line course material provides a list of related literature for more details about parallel programming.</a:t>
-            </a:r>
-          </a:p>
-          <a:p>
-            <a:endParaRPr lang="en-US" dirty="0"/>
-          </a:p>
-        </p:txBody>
-      </p:sp>
-    </p:spTree>
-    <p:extLst>
-      <p:ext uri="{BB962C8B-B14F-4D97-AF65-F5344CB8AC3E}">
-        <p14:creationId xmlns:p14="http://schemas.microsoft.com/office/powerpoint/2010/main" val="2662153144"/>
+        <p14:creationId xmlns:p14="http://schemas.microsoft.com/office/powerpoint/2010/main" val="1227860071"/>
       </p:ext>
     </p:extLst>
   </p:cSld>
@@ -6866,7 +8303,7 @@
           <a:lstStyle/>
           <a:p>
             <a:r>
-              <a:rPr lang="en-US" dirty="0" smtClean="0"/>
+              <a:rPr lang="en-US" smtClean="0"/>
               <a:t>Storage</a:t>
             </a:r>
             <a:endParaRPr lang="en-US" dirty="0"/>
@@ -6888,236 +8325,55 @@
           <a:bodyPr/>
           <a:lstStyle/>
           <a:p>
-            <a:pPr marL="457200" lvl="0" indent="-457200">
-              <a:buFont typeface="+mj-lt"/>
-              <a:buAutoNum type="arabicParenR" startAt="2"/>
-            </a:pPr>
-            <a:r>
-              <a:rPr lang="en-US" b="1" dirty="0">
+            <a:pPr lvl="0"/>
+            <a:r>
+              <a:rPr lang="en-US" dirty="0" smtClean="0"/>
+              <a:t>A scalable system has been designed, based on the principle of </a:t>
+            </a:r>
+            <a:r>
+              <a:rPr lang="en-US" dirty="0" err="1" smtClean="0"/>
+              <a:t>filesystem</a:t>
+            </a:r>
+            <a:r>
+              <a:rPr lang="en-US" dirty="0" smtClean="0"/>
+              <a:t> storage, which is well suited for Big Data demands: </a:t>
+            </a:r>
+          </a:p>
+          <a:p>
+            <a:pPr lvl="1"/>
+            <a:r>
+              <a:rPr lang="en-US" dirty="0" smtClean="0"/>
+              <a:t>The </a:t>
+            </a:r>
+            <a:r>
+              <a:rPr lang="en-US" b="1" dirty="0" smtClean="0">
                 <a:sym typeface="Helvetica"/>
               </a:rPr>
-              <a:t>Block level storage</a:t>
-            </a:r>
-            <a:endParaRPr lang="en-US" b="1" dirty="0"/>
-          </a:p>
-          <a:p>
-            <a:pPr lvl="1"/>
-            <a:r>
-              <a:rPr lang="en-US" dirty="0"/>
-              <a:t>A Block is a chunk of data which may contain several files. </a:t>
-            </a:r>
-          </a:p>
-          <a:p>
-            <a:pPr lvl="1"/>
-            <a:r>
-              <a:rPr lang="en-US" dirty="0"/>
-              <a:t>Appears to the system and the user as attached drives.</a:t>
-            </a:r>
-          </a:p>
-          <a:p>
-            <a:pPr lvl="1"/>
-            <a:r>
-              <a:rPr lang="en-US" dirty="0"/>
-              <a:t>Required storage type for most applications, and for running things like databases</a:t>
-            </a:r>
-          </a:p>
-          <a:p>
-            <a:endParaRPr lang="en-US" dirty="0"/>
+              <a:t>Object Storage</a:t>
+            </a:r>
+            <a:r>
+              <a:rPr lang="en-US" dirty="0" smtClean="0">
+                <a:sym typeface="Helvetica"/>
+              </a:rPr>
+              <a:t> </a:t>
+            </a:r>
+            <a:r>
+              <a:rPr lang="en-US" dirty="0" smtClean="0"/>
+              <a:t>scales up nicely. </a:t>
+            </a:r>
+          </a:p>
+          <a:p>
+            <a:r>
+              <a:rPr lang="en-US" dirty="0" smtClean="0"/>
+              <a:t>Block-level storage is also available for you, we also refer to at as “Volume” storage. This will be a block of data which you can attach to your instance.</a:t>
+            </a:r>
           </a:p>
         </p:txBody>
       </p:sp>
     </p:spTree>
     <p:extLst>
       <p:ext uri="{BB962C8B-B14F-4D97-AF65-F5344CB8AC3E}">
-        <p14:creationId xmlns:p14="http://schemas.microsoft.com/office/powerpoint/2010/main" val="2212276810"/>
-      </p:ext>
-    </p:extLst>
-  </p:cSld>
-  <p:clrMapOvr>
-    <a:masterClrMapping/>
-  </p:clrMapOvr>
-</p:sld>
-</file>
-
-<file path=ppt/slides/slide40.xml><?xml version="1.0" encoding="utf-8"?>
-<p:sld xmlns:a="http://schemas.openxmlformats.org/drawingml/2006/main" xmlns:r="http://schemas.openxmlformats.org/officeDocument/2006/relationships" xmlns:p="http://schemas.openxmlformats.org/presentationml/2006/main">
-  <p:cSld>
-    <p:spTree>
-      <p:nvGrpSpPr>
-        <p:cNvPr id="1" name=""/>
-        <p:cNvGrpSpPr/>
-        <p:nvPr/>
-      </p:nvGrpSpPr>
-      <p:grpSpPr>
-        <a:xfrm>
-          <a:off x="0" y="0"/>
-          <a:ext cx="0" cy="0"/>
-          <a:chOff x="0" y="0"/>
-          <a:chExt cx="0" cy="0"/>
-        </a:xfrm>
-      </p:grpSpPr>
-      <p:sp>
-        <p:nvSpPr>
-          <p:cNvPr id="2" name="Title 1"/>
-          <p:cNvSpPr>
-            <a:spLocks noGrp="1"/>
-          </p:cNvSpPr>
-          <p:nvPr>
-            <p:ph type="title"/>
-          </p:nvPr>
-        </p:nvSpPr>
-        <p:spPr/>
-        <p:txBody>
-          <a:bodyPr/>
-          <a:lstStyle/>
-          <a:p>
-            <a:r>
-              <a:rPr lang="en-US" smtClean="0"/>
-              <a:t>Closing note</a:t>
-            </a:r>
-            <a:endParaRPr lang="en-US" dirty="0"/>
-          </a:p>
-        </p:txBody>
-      </p:sp>
-      <p:sp>
-        <p:nvSpPr>
-          <p:cNvPr id="3" name="Content Placeholder 2"/>
-          <p:cNvSpPr>
-            <a:spLocks noGrp="1"/>
-          </p:cNvSpPr>
-          <p:nvPr>
-            <p:ph idx="1"/>
-          </p:nvPr>
-        </p:nvSpPr>
-        <p:spPr/>
-        <p:txBody>
-          <a:bodyPr>
-            <a:normAutofit lnSpcReduction="10000"/>
-          </a:bodyPr>
-          <a:lstStyle/>
-          <a:p>
-            <a:pPr marL="0" lvl="0" indent="0">
-              <a:buNone/>
-            </a:pPr>
-            <a:r>
-              <a:rPr lang="en-US" dirty="0" smtClean="0"/>
-              <a:t>And.. we’re done! You should now know about:</a:t>
-            </a:r>
-          </a:p>
-          <a:p>
-            <a:pPr lvl="0"/>
-            <a:r>
-              <a:rPr lang="en-US" dirty="0" smtClean="0"/>
-              <a:t>The storage options available on the NeCTAR Cloud.</a:t>
-            </a:r>
-          </a:p>
-          <a:p>
-            <a:pPr lvl="0"/>
-            <a:r>
-              <a:rPr lang="en-US" dirty="0" smtClean="0"/>
-              <a:t>How to find the optimal amount of cores for your application.</a:t>
-            </a:r>
-          </a:p>
-          <a:p>
-            <a:pPr lvl="0"/>
-            <a:r>
-              <a:rPr lang="en-US" dirty="0" smtClean="0"/>
-              <a:t>Options to run your application across several instances.</a:t>
-            </a:r>
-          </a:p>
-          <a:p>
-            <a:pPr marL="0" lvl="0" indent="0">
-              <a:buNone/>
-            </a:pPr>
-            <a:r>
-              <a:rPr lang="en-US" b="1" dirty="0" smtClean="0">
-                <a:sym typeface="Helvetica"/>
-              </a:rPr>
-              <a:t>Ready for more?</a:t>
-            </a:r>
-            <a:r>
-              <a:rPr lang="en-US" b="1" dirty="0" smtClean="0"/>
-              <a:t> </a:t>
-            </a:r>
-          </a:p>
-          <a:p>
-            <a:pPr marL="0" lvl="0" indent="0">
-              <a:buNone/>
-            </a:pPr>
-            <a:r>
-              <a:rPr lang="en-US" dirty="0" smtClean="0"/>
-              <a:t>In the next Module, you will finally get some hands-on experience with using the NeCTAR Cloud!</a:t>
-            </a:r>
-          </a:p>
-          <a:p>
-            <a:endParaRPr lang="en-US" dirty="0"/>
-          </a:p>
-        </p:txBody>
-      </p:sp>
-    </p:spTree>
-    <p:extLst>
-      <p:ext uri="{BB962C8B-B14F-4D97-AF65-F5344CB8AC3E}">
-        <p14:creationId xmlns:p14="http://schemas.microsoft.com/office/powerpoint/2010/main" val="1227860071"/>
-      </p:ext>
-    </p:extLst>
-  </p:cSld>
-  <p:clrMapOvr>
-    <a:masterClrMapping/>
-  </p:clrMapOvr>
-</p:sld>
-</file>
-
-<file path=ppt/slides/slide41.xml><?xml version="1.0" encoding="utf-8"?>
-<p:sld xmlns:a="http://schemas.openxmlformats.org/drawingml/2006/main" xmlns:r="http://schemas.openxmlformats.org/officeDocument/2006/relationships" xmlns:p="http://schemas.openxmlformats.org/presentationml/2006/main">
-  <p:cSld>
-    <p:spTree>
-      <p:nvGrpSpPr>
-        <p:cNvPr id="1" name=""/>
-        <p:cNvGrpSpPr/>
-        <p:nvPr/>
-      </p:nvGrpSpPr>
-      <p:grpSpPr>
-        <a:xfrm>
-          <a:off x="0" y="0"/>
-          <a:ext cx="0" cy="0"/>
-          <a:chOff x="0" y="0"/>
-          <a:chExt cx="0" cy="0"/>
-        </a:xfrm>
-      </p:grpSpPr>
-    </p:spTree>
-    <p:extLst>
-      <p:ext uri="{BB962C8B-B14F-4D97-AF65-F5344CB8AC3E}">
-        <p14:creationId xmlns:p14="http://schemas.microsoft.com/office/powerpoint/2010/main" val="590115538"/>
-      </p:ext>
-    </p:extLst>
-  </p:cSld>
-  <p:clrMapOvr>
-    <a:masterClrMapping/>
-  </p:clrMapOvr>
-</p:sld>
-</file>
-
-<file path=ppt/slides/slide42.xml><?xml version="1.0" encoding="utf-8"?>
-<p:sld xmlns:a="http://schemas.openxmlformats.org/drawingml/2006/main" xmlns:r="http://schemas.openxmlformats.org/officeDocument/2006/relationships" xmlns:p="http://schemas.openxmlformats.org/presentationml/2006/main">
-  <p:cSld>
-    <p:spTree>
-      <p:nvGrpSpPr>
-        <p:cNvPr id="1" name=""/>
-        <p:cNvGrpSpPr/>
-        <p:nvPr/>
-      </p:nvGrpSpPr>
-      <p:grpSpPr>
-        <a:xfrm>
-          <a:off x="0" y="0"/>
-          <a:ext cx="0" cy="0"/>
-          <a:chOff x="0" y="0"/>
-          <a:chExt cx="0" cy="0"/>
-        </a:xfrm>
-      </p:grpSpPr>
-    </p:spTree>
-    <p:extLst>
-      <p:ext uri="{BB962C8B-B14F-4D97-AF65-F5344CB8AC3E}">
-        <p14:creationId xmlns:p14="http://schemas.microsoft.com/office/powerpoint/2010/main" val="614171616"/>
+        <p14:creationId xmlns:p14="http://schemas.microsoft.com/office/powerpoint/2010/main" val="569315699"/>
       </p:ext>
     </p:extLst>
   </p:cSld>
@@ -7160,7 +8416,15 @@
           <a:lstStyle/>
           <a:p>
             <a:r>
-              <a:rPr lang="en-US" smtClean="0"/>
+              <a:rPr lang="en-US" dirty="0" smtClean="0">
+                <a:solidFill>
+                  <a:srgbClr val="B54721"/>
+                </a:solidFill>
+              </a:rPr>
+              <a:t>[SLIDES] </a:t>
+            </a:r>
+            <a:r>
+              <a:rPr lang="en-US" dirty="0" smtClean="0"/>
               <a:t>Storage</a:t>
             </a:r>
             <a:endParaRPr lang="en-US" dirty="0"/>
@@ -7179,58 +8443,100 @@
         </p:nvSpPr>
         <p:spPr/>
         <p:txBody>
-          <a:bodyPr/>
-          <a:lstStyle/>
-          <a:p>
-            <a:pPr lvl="0"/>
-            <a:r>
-              <a:rPr lang="en-US" dirty="0" smtClean="0"/>
-              <a:t>Both Filesystem and Block storage do not scale up well to a large number of files or large amounts of storage.</a:t>
-            </a:r>
-          </a:p>
-          <a:p>
-            <a:pPr lvl="0"/>
-            <a:r>
-              <a:rPr lang="en-US" dirty="0" smtClean="0"/>
-              <a:t>A more scalable system has been designed which is better suited for Big Data demands: </a:t>
+          <a:bodyPr>
+            <a:normAutofit fontScale="85000" lnSpcReduction="20000"/>
+          </a:bodyPr>
+          <a:lstStyle/>
+          <a:p>
+            <a:pPr lvl="0"/>
+            <a:r>
+              <a:rPr lang="en-US" dirty="0" smtClean="0"/>
+              <a:t>NeCTAR offers 3 different types of storage:</a:t>
+            </a:r>
+          </a:p>
+          <a:p>
+            <a:pPr lvl="0"/>
+            <a:r>
+              <a:rPr lang="en-US" b="1" dirty="0" smtClean="0">
+                <a:sym typeface="Helvetica"/>
+              </a:rPr>
+              <a:t>On-Instance storage</a:t>
             </a:r>
           </a:p>
           <a:p>
             <a:pPr lvl="1"/>
             <a:r>
               <a:rPr lang="en-US" dirty="0" smtClean="0"/>
-              <a:t>The </a:t>
-            </a:r>
+              <a:t>A type of Block storage that comes with the instance and is </a:t>
+            </a:r>
+            <a:r>
+              <a:rPr lang="en-US" i="1" dirty="0" smtClean="0"/>
+              <a:t>ephemeral</a:t>
+            </a:r>
+            <a:r>
+              <a:rPr lang="en-US" dirty="0" smtClean="0"/>
+              <a:t>: its lifetime is limited to the instances’.</a:t>
+            </a:r>
+          </a:p>
+          <a:p>
+            <a:pPr lvl="1"/>
+            <a:r>
+              <a:rPr lang="en-US" dirty="0" smtClean="0"/>
+              <a:t>Two disks: Primary and secondary disk.</a:t>
+            </a:r>
+          </a:p>
+          <a:p>
+            <a:pPr lvl="0"/>
+            <a:r>
+              <a:rPr lang="en-US" b="1" dirty="0" smtClean="0">
+                <a:sym typeface="Helvetica"/>
+              </a:rPr>
+              <a:t>Volume Storage (Block Storage)</a:t>
+            </a:r>
+          </a:p>
+          <a:p>
+            <a:pPr lvl="1"/>
+            <a:r>
+              <a:rPr lang="en-US" dirty="0" smtClean="0"/>
+              <a:t>Persistent block storage which can be attached to a VM.</a:t>
+            </a:r>
+          </a:p>
+          <a:p>
+            <a:pPr lvl="0"/>
             <a:r>
               <a:rPr lang="en-US" b="1" dirty="0" smtClean="0">
                 <a:sym typeface="Helvetica"/>
               </a:rPr>
               <a:t>Object Storage</a:t>
             </a:r>
-            <a:r>
-              <a:rPr lang="en-US" dirty="0" smtClean="0">
-                <a:sym typeface="Helvetica"/>
-              </a:rPr>
-              <a:t> </a:t>
-            </a:r>
-            <a:r>
-              <a:rPr lang="en-US" dirty="0" smtClean="0"/>
-              <a:t>scales up nicely. </a:t>
-            </a:r>
           </a:p>
           <a:p>
             <a:pPr lvl="1"/>
             <a:r>
               <a:rPr lang="en-US" dirty="0" smtClean="0"/>
-              <a:t>Based on the </a:t>
+              <a:t>Individual data files can be uploaded to the object store.</a:t>
+            </a:r>
+          </a:p>
+          <a:p>
+            <a:pPr lvl="1"/>
+            <a:r>
+              <a:rPr lang="en-US" dirty="0" smtClean="0"/>
+              <a:t>Files are </a:t>
             </a:r>
             <a:r>
               <a:rPr lang="en-US" i="1" dirty="0" smtClean="0"/>
-              <a:t>principle</a:t>
-            </a:r>
-            <a:r>
-              <a:rPr lang="en-US" dirty="0" smtClean="0"/>
-              <a:t> of Filesystem storage.</a:t>
+              <a:t>replicated</a:t>
+            </a:r>
+            <a:r>
+              <a:rPr lang="en-US" dirty="0" smtClean="0"/>
+              <a:t> across several physical locations.</a:t>
+            </a:r>
+          </a:p>
+          <a:p>
+            <a:pPr lvl="1"/>
+            <a:r>
+              <a:rPr lang="en-US" dirty="0" smtClean="0"/>
+              <a:t>Files can be accessed from the VM or from anywhere via the Internet (e.g. using a Web Browser).</a:t>
             </a:r>
           </a:p>
           <a:p>
@@ -7241,7 +8547,7 @@
     </p:spTree>
     <p:extLst>
       <p:ext uri="{BB962C8B-B14F-4D97-AF65-F5344CB8AC3E}">
-        <p14:creationId xmlns:p14="http://schemas.microsoft.com/office/powerpoint/2010/main" val="569315699"/>
+        <p14:creationId xmlns:p14="http://schemas.microsoft.com/office/powerpoint/2010/main" val="3931514860"/>
       </p:ext>
     </p:extLst>
   </p:cSld>
@@ -7284,171 +8590,13 @@
           <a:lstStyle/>
           <a:p>
             <a:r>
-              <a:rPr lang="en-US" smtClean="0"/>
-              <a:t>Storage</a:t>
-            </a:r>
-            <a:endParaRPr lang="en-US" dirty="0"/>
-          </a:p>
-        </p:txBody>
-      </p:sp>
-      <p:sp>
-        <p:nvSpPr>
-          <p:cNvPr id="3" name="Content Placeholder 2"/>
-          <p:cNvSpPr>
-            <a:spLocks noGrp="1"/>
-          </p:cNvSpPr>
-          <p:nvPr>
-            <p:ph idx="1"/>
-          </p:nvPr>
-        </p:nvSpPr>
-        <p:spPr/>
-        <p:txBody>
-          <a:bodyPr>
-            <a:normAutofit fontScale="85000" lnSpcReduction="20000"/>
-          </a:bodyPr>
-          <a:lstStyle/>
-          <a:p>
-            <a:pPr lvl="0"/>
-            <a:r>
-              <a:rPr lang="en-US" dirty="0" smtClean="0"/>
-              <a:t>NeCTAR offers 3 different types of storage:</a:t>
-            </a:r>
-          </a:p>
-          <a:p>
-            <a:pPr lvl="0"/>
-            <a:r>
-              <a:rPr lang="en-US" b="1" dirty="0" smtClean="0">
-                <a:sym typeface="Helvetica"/>
+              <a:rPr lang="en-US" dirty="0">
+                <a:solidFill>
+                  <a:srgbClr val="B54721"/>
+                </a:solidFill>
               </a:rPr>
-              <a:t>On-Instance storage</a:t>
-            </a:r>
-          </a:p>
-          <a:p>
-            <a:pPr lvl="1"/>
-            <a:r>
-              <a:rPr lang="en-US" dirty="0" smtClean="0"/>
-              <a:t>A type of Block storage that comes with the instance and is </a:t>
-            </a:r>
-            <a:r>
-              <a:rPr lang="en-US" i="1" dirty="0" smtClean="0"/>
-              <a:t>ephemeral</a:t>
-            </a:r>
-            <a:r>
-              <a:rPr lang="en-US" dirty="0" smtClean="0"/>
-              <a:t>: its lifetime is limited to the instances’.</a:t>
-            </a:r>
-          </a:p>
-          <a:p>
-            <a:pPr lvl="1"/>
-            <a:r>
-              <a:rPr lang="en-US" dirty="0" smtClean="0"/>
-              <a:t>Two disks: Primary and secondary disk.</a:t>
-            </a:r>
-          </a:p>
-          <a:p>
-            <a:pPr lvl="0"/>
-            <a:r>
-              <a:rPr lang="en-US" b="1" dirty="0" smtClean="0">
-                <a:sym typeface="Helvetica"/>
-              </a:rPr>
-              <a:t>Volume Storage (Block Storage)</a:t>
-            </a:r>
-          </a:p>
-          <a:p>
-            <a:pPr lvl="1"/>
-            <a:r>
-              <a:rPr lang="en-US" dirty="0" smtClean="0"/>
-              <a:t>Persistent block storage which can be attached to a VM.</a:t>
-            </a:r>
-          </a:p>
-          <a:p>
-            <a:pPr lvl="0"/>
-            <a:r>
-              <a:rPr lang="en-US" b="1" dirty="0" smtClean="0">
-                <a:sym typeface="Helvetica"/>
-              </a:rPr>
-              <a:t>Object Storage</a:t>
-            </a:r>
-          </a:p>
-          <a:p>
-            <a:pPr lvl="1"/>
-            <a:r>
-              <a:rPr lang="en-US" dirty="0" smtClean="0"/>
-              <a:t>Individual data files can be uploaded to the object store.</a:t>
-            </a:r>
-          </a:p>
-          <a:p>
-            <a:pPr lvl="1"/>
-            <a:r>
-              <a:rPr lang="en-US" dirty="0" smtClean="0"/>
-              <a:t>Files are </a:t>
-            </a:r>
-            <a:r>
-              <a:rPr lang="en-US" i="1" dirty="0" smtClean="0"/>
-              <a:t>replicated</a:t>
-            </a:r>
-            <a:r>
-              <a:rPr lang="en-US" dirty="0" smtClean="0"/>
-              <a:t> across several physical locations.</a:t>
-            </a:r>
-          </a:p>
-          <a:p>
-            <a:pPr lvl="1"/>
-            <a:r>
-              <a:rPr lang="en-US" dirty="0" smtClean="0"/>
-              <a:t>Files can be accessed from the VM or from anywhere via the Internet (e.g. using a Web Browser).</a:t>
-            </a:r>
-          </a:p>
-          <a:p>
-            <a:endParaRPr lang="en-US" dirty="0"/>
-          </a:p>
-        </p:txBody>
-      </p:sp>
-    </p:spTree>
-    <p:extLst>
-      <p:ext uri="{BB962C8B-B14F-4D97-AF65-F5344CB8AC3E}">
-        <p14:creationId xmlns:p14="http://schemas.microsoft.com/office/powerpoint/2010/main" val="3931514860"/>
-      </p:ext>
-    </p:extLst>
-  </p:cSld>
-  <p:clrMapOvr>
-    <a:masterClrMapping/>
-  </p:clrMapOvr>
-</p:sld>
-</file>
-
-<file path=ppt/slides/slide7.xml><?xml version="1.0" encoding="utf-8"?>
-<p:sld xmlns:a="http://schemas.openxmlformats.org/drawingml/2006/main" xmlns:r="http://schemas.openxmlformats.org/officeDocument/2006/relationships" xmlns:p="http://schemas.openxmlformats.org/presentationml/2006/main">
-  <p:cSld>
-    <p:spTree>
-      <p:nvGrpSpPr>
-        <p:cNvPr id="1" name=""/>
-        <p:cNvGrpSpPr/>
-        <p:nvPr/>
-      </p:nvGrpSpPr>
-      <p:grpSpPr>
-        <a:xfrm>
-          <a:off x="0" y="0"/>
-          <a:ext cx="0" cy="0"/>
-          <a:chOff x="0" y="0"/>
-          <a:chExt cx="0" cy="0"/>
-        </a:xfrm>
-      </p:grpSpPr>
-      <p:sp>
-        <p:nvSpPr>
-          <p:cNvPr id="2" name="Title 1"/>
-          <p:cNvSpPr>
-            <a:spLocks noGrp="1"/>
-          </p:cNvSpPr>
-          <p:nvPr>
-            <p:ph type="title"/>
-          </p:nvPr>
-        </p:nvSpPr>
-        <p:spPr/>
-        <p:txBody>
-          <a:bodyPr/>
-          <a:lstStyle/>
-          <a:p>
+              <a:t>[SLIDES] </a:t>
+            </a:r>
             <a:r>
               <a:rPr lang="en-US" dirty="0" smtClean="0"/>
               <a:t>Storage</a:t>
@@ -7535,6 +8683,171 @@
 </p:sld>
 </file>
 
+<file path=ppt/slides/slide7.xml><?xml version="1.0" encoding="utf-8"?>
+<p:sld xmlns:a="http://schemas.openxmlformats.org/drawingml/2006/main" xmlns:r="http://schemas.openxmlformats.org/officeDocument/2006/relationships" xmlns:p="http://schemas.openxmlformats.org/presentationml/2006/main">
+  <p:cSld>
+    <p:spTree>
+      <p:nvGrpSpPr>
+        <p:cNvPr id="1" name=""/>
+        <p:cNvGrpSpPr/>
+        <p:nvPr/>
+      </p:nvGrpSpPr>
+      <p:grpSpPr>
+        <a:xfrm>
+          <a:off x="0" y="0"/>
+          <a:ext cx="0" cy="0"/>
+          <a:chOff x="0" y="0"/>
+          <a:chExt cx="0" cy="0"/>
+        </a:xfrm>
+      </p:grpSpPr>
+      <p:sp>
+        <p:nvSpPr>
+          <p:cNvPr id="2" name="Title 1"/>
+          <p:cNvSpPr>
+            <a:spLocks noGrp="1"/>
+          </p:cNvSpPr>
+          <p:nvPr>
+            <p:ph type="title"/>
+          </p:nvPr>
+        </p:nvSpPr>
+        <p:spPr/>
+        <p:txBody>
+          <a:bodyPr/>
+          <a:lstStyle/>
+          <a:p>
+            <a:r>
+              <a:rPr lang="en-US" dirty="0">
+                <a:solidFill>
+                  <a:srgbClr val="B54721"/>
+                </a:solidFill>
+              </a:rPr>
+              <a:t>[SLIDES] </a:t>
+            </a:r>
+            <a:r>
+              <a:rPr lang="en-US" dirty="0" smtClean="0"/>
+              <a:t>Storage</a:t>
+            </a:r>
+            <a:endParaRPr lang="en-US" dirty="0"/>
+          </a:p>
+        </p:txBody>
+      </p:sp>
+      <p:sp>
+        <p:nvSpPr>
+          <p:cNvPr id="3" name="Content Placeholder 2"/>
+          <p:cNvSpPr>
+            <a:spLocks noGrp="1"/>
+          </p:cNvSpPr>
+          <p:nvPr>
+            <p:ph idx="1"/>
+          </p:nvPr>
+        </p:nvSpPr>
+        <p:spPr/>
+        <p:txBody>
+          <a:bodyPr>
+            <a:normAutofit lnSpcReduction="10000"/>
+          </a:bodyPr>
+          <a:lstStyle/>
+          <a:p>
+            <a:pPr lvl="0"/>
+            <a:r>
+              <a:rPr lang="en-US" dirty="0" smtClean="0"/>
+              <a:t>Each instance comes with a certain amount of On-Instance storage (also called</a:t>
+            </a:r>
+            <a:r>
+              <a:rPr lang="en-US" dirty="0" smtClean="0">
+                <a:sym typeface="Helvetica"/>
+              </a:rPr>
+              <a:t> </a:t>
+            </a:r>
+            <a:r>
+              <a:rPr lang="en-US" b="1" dirty="0" smtClean="0">
+                <a:sym typeface="Helvetica"/>
+              </a:rPr>
+              <a:t>ephemeral</a:t>
+            </a:r>
+            <a:r>
+              <a:rPr lang="en-US" dirty="0" smtClean="0">
+                <a:sym typeface="Helvetica"/>
+              </a:rPr>
+              <a:t> storage</a:t>
+            </a:r>
+            <a:r>
+              <a:rPr lang="en-US" dirty="0" smtClean="0"/>
+              <a:t>), which appears as two separate hard disks: </a:t>
+            </a:r>
+          </a:p>
+          <a:p>
+            <a:pPr lvl="0"/>
+            <a:r>
+              <a:rPr lang="en-US" dirty="0" smtClean="0"/>
+              <a:t>The primary disk.</a:t>
+            </a:r>
+          </a:p>
+          <a:p>
+            <a:pPr lvl="1"/>
+            <a:r>
+              <a:rPr lang="en-US" dirty="0" smtClean="0"/>
+              <a:t>Contains the OS and your </a:t>
+            </a:r>
+            <a:r>
+              <a:rPr lang="en-US" i="1" dirty="0" smtClean="0"/>
+              <a:t>home</a:t>
+            </a:r>
+            <a:r>
+              <a:rPr lang="en-US" dirty="0" smtClean="0"/>
+              <a:t> directory.</a:t>
+            </a:r>
+          </a:p>
+          <a:p>
+            <a:pPr lvl="1"/>
+            <a:r>
+              <a:rPr lang="en-US" dirty="0" smtClean="0"/>
+              <a:t>Backed up with Snapshots.</a:t>
+            </a:r>
+          </a:p>
+          <a:p>
+            <a:pPr lvl="0"/>
+            <a:r>
+              <a:rPr lang="en-US" dirty="0" smtClean="0"/>
+              <a:t>The secondary disk. </a:t>
+            </a:r>
+          </a:p>
+          <a:p>
+            <a:pPr lvl="1"/>
+            <a:r>
+              <a:rPr lang="en-US" dirty="0" smtClean="0"/>
+              <a:t>Sizes between 30GB—480GB available.</a:t>
+            </a:r>
+          </a:p>
+          <a:p>
+            <a:pPr lvl="1"/>
+            <a:r>
+              <a:rPr lang="en-US" i="1" dirty="0" smtClean="0"/>
+              <a:t>Not</a:t>
+            </a:r>
+            <a:r>
+              <a:rPr lang="en-US" dirty="0" smtClean="0"/>
+              <a:t> backed up with Snapshots.</a:t>
+            </a:r>
+          </a:p>
+          <a:p>
+            <a:endParaRPr lang="en-US" dirty="0"/>
+          </a:p>
+        </p:txBody>
+      </p:sp>
+    </p:spTree>
+    <p:extLst>
+      <p:ext uri="{BB962C8B-B14F-4D97-AF65-F5344CB8AC3E}">
+        <p14:creationId xmlns:p14="http://schemas.microsoft.com/office/powerpoint/2010/main" val="2098272502"/>
+      </p:ext>
+    </p:extLst>
+  </p:cSld>
+  <p:clrMapOvr>
+    <a:masterClrMapping/>
+  </p:clrMapOvr>
+</p:sld>
+</file>
+
 <file path=ppt/slides/slide8.xml><?xml version="1.0" encoding="utf-8"?>
 <p:sld xmlns:a="http://schemas.openxmlformats.org/drawingml/2006/main" xmlns:r="http://schemas.openxmlformats.org/officeDocument/2006/relationships" xmlns:p="http://schemas.openxmlformats.org/presentationml/2006/main">
   <p:cSld>
@@ -7568,8 +8881,16 @@
           <a:lstStyle/>
           <a:p>
             <a:r>
-              <a:rPr lang="en-US" smtClean="0"/>
-              <a:t>Storage</a:t>
+              <a:rPr lang="en-US" dirty="0">
+                <a:solidFill>
+                  <a:srgbClr val="B54721"/>
+                </a:solidFill>
+              </a:rPr>
+              <a:t>[SLIDES] </a:t>
+            </a:r>
+            <a:r>
+              <a:rPr lang="en-US" dirty="0" smtClean="0"/>
+              <a:t>On-Instance Storage</a:t>
             </a:r>
             <a:endParaRPr lang="en-US" dirty="0"/>
           </a:p>
@@ -7587,21 +8908,24 @@
         </p:nvSpPr>
         <p:spPr/>
         <p:txBody>
-          <a:bodyPr>
-            <a:normAutofit lnSpcReduction="10000"/>
-          </a:bodyPr>
-          <a:lstStyle/>
-          <a:p>
-            <a:pPr lvl="0"/>
-            <a:r>
-              <a:rPr lang="en-US" dirty="0" smtClean="0"/>
-              <a:t>Each instance comes with a certain amount of On-Instance storage (also called</a:t>
-            </a:r>
-            <a:r>
-              <a:rPr lang="en-US" dirty="0" smtClean="0">
+          <a:bodyPr/>
+          <a:lstStyle/>
+          <a:p>
+            <a:pPr marL="0" lvl="0" indent="0">
+              <a:buNone/>
+            </a:pPr>
+            <a:r>
+              <a:rPr lang="en-US" b="1" dirty="0" smtClean="0">
                 <a:sym typeface="Helvetica"/>
               </a:rPr>
-              <a:t> </a:t>
+              <a:t>Important!</a:t>
+            </a:r>
+          </a:p>
+          <a:p>
+            <a:pPr lvl="0"/>
+            <a:r>
+              <a:rPr lang="en-US" dirty="0" smtClean="0"/>
+              <a:t>On-instance storage is regarded as </a:t>
             </a:r>
             <a:r>
               <a:rPr lang="en-US" b="1" dirty="0" smtClean="0">
@@ -7610,68 +8934,33 @@
               <a:t>ephemeral</a:t>
             </a:r>
             <a:r>
-              <a:rPr lang="en-US" dirty="0" smtClean="0">
+              <a:rPr lang="en-US" dirty="0" smtClean="0"/>
+              <a:t> — when you terminate your VM, or an unplanned re-start of the Hypervisor takes place in the NeCTAR Node, </a:t>
+            </a:r>
+            <a:r>
+              <a:rPr lang="en-US" u="sng" dirty="0" smtClean="0"/>
+              <a:t>the data will be lost and cannot be recovered</a:t>
+            </a:r>
+            <a:r>
+              <a:rPr lang="en-US" dirty="0" smtClean="0"/>
+              <a:t>! </a:t>
+            </a:r>
+          </a:p>
+          <a:p>
+            <a:pPr lvl="0"/>
+            <a:r>
+              <a:rPr lang="en-US" dirty="0" smtClean="0"/>
+              <a:t>You should treat it as </a:t>
+            </a:r>
+            <a:r>
+              <a:rPr lang="en-US" b="1" dirty="0" smtClean="0">
                 <a:sym typeface="Helvetica"/>
               </a:rPr>
-              <a:t> storage</a:t>
-            </a:r>
-            <a:r>
-              <a:rPr lang="en-US" dirty="0" smtClean="0"/>
-              <a:t>), which appears as two separate hard disks: </a:t>
-            </a:r>
-          </a:p>
-          <a:p>
-            <a:pPr lvl="0"/>
-            <a:r>
-              <a:rPr lang="en-US" dirty="0" smtClean="0"/>
-              <a:t>The primary disk.</a:t>
-            </a:r>
-          </a:p>
-          <a:p>
-            <a:pPr lvl="1"/>
-            <a:r>
-              <a:rPr lang="en-US" dirty="0" smtClean="0"/>
-              <a:t>Contains the OS and your </a:t>
-            </a:r>
-            <a:r>
-              <a:rPr lang="en-US" i="1" dirty="0" smtClean="0"/>
-              <a:t>home</a:t>
-            </a:r>
-            <a:r>
-              <a:rPr lang="en-US" dirty="0" smtClean="0"/>
-              <a:t> directory.</a:t>
-            </a:r>
-          </a:p>
-          <a:p>
-            <a:pPr lvl="1"/>
-            <a:r>
-              <a:rPr lang="en-US" dirty="0" smtClean="0"/>
-              <a:t>Backed up with Snapshots.</a:t>
-            </a:r>
-          </a:p>
-          <a:p>
-            <a:pPr lvl="0"/>
-            <a:r>
-              <a:rPr lang="en-US" dirty="0" smtClean="0"/>
-              <a:t>The secondary disk. </a:t>
-            </a:r>
-          </a:p>
-          <a:p>
-            <a:pPr lvl="1"/>
-            <a:r>
-              <a:rPr lang="en-US" dirty="0" smtClean="0"/>
-              <a:t>Sizes between 30GB—480GB available.</a:t>
-            </a:r>
-          </a:p>
-          <a:p>
-            <a:pPr lvl="1"/>
-            <a:r>
-              <a:rPr lang="en-US" i="1" dirty="0" smtClean="0"/>
-              <a:t>Not</a:t>
-            </a:r>
-            <a:r>
-              <a:rPr lang="en-US" dirty="0" smtClean="0"/>
-              <a:t> backed up with Snapshots.</a:t>
+              <a:t>scratch space</a:t>
+            </a:r>
+            <a:r>
+              <a:rPr lang="en-US" dirty="0" smtClean="0"/>
+              <a:t> and keep important data in either volumes or the object store.</a:t>
             </a:r>
           </a:p>
           <a:p>
@@ -7682,7 +8971,7 @@
     </p:spTree>
     <p:extLst>
       <p:ext uri="{BB962C8B-B14F-4D97-AF65-F5344CB8AC3E}">
-        <p14:creationId xmlns:p14="http://schemas.microsoft.com/office/powerpoint/2010/main" val="2098272502"/>
+        <p14:creationId xmlns:p14="http://schemas.microsoft.com/office/powerpoint/2010/main" val="1179909574"/>
       </p:ext>
     </p:extLst>
   </p:cSld>
@@ -7725,8 +9014,16 @@
           <a:lstStyle/>
           <a:p>
             <a:r>
-              <a:rPr lang="en-US" smtClean="0"/>
-              <a:t>On-Instance Storage</a:t>
+              <a:rPr lang="en-US" dirty="0">
+                <a:solidFill>
+                  <a:srgbClr val="B54721"/>
+                </a:solidFill>
+              </a:rPr>
+              <a:t>[SLIDES] </a:t>
+            </a:r>
+            <a:r>
+              <a:rPr lang="en-US" dirty="0" smtClean="0"/>
+              <a:t>Volume Storage</a:t>
             </a:r>
             <a:endParaRPr lang="en-US" dirty="0"/>
           </a:p>
@@ -7747,56 +9044,47 @@
           <a:bodyPr/>
           <a:lstStyle/>
           <a:p>
-            <a:pPr marL="0" lvl="0" indent="0">
-              <a:buNone/>
-            </a:pPr>
-            <a:r>
-              <a:rPr lang="en-US" b="1" dirty="0" smtClean="0">
-                <a:sym typeface="Helvetica"/>
-              </a:rPr>
-              <a:t>Important!</a:t>
-            </a:r>
-          </a:p>
-          <a:p>
-            <a:pPr lvl="0"/>
-            <a:r>
-              <a:rPr lang="en-US" dirty="0" smtClean="0"/>
-              <a:t>On-instance storage is regarded as </a:t>
-            </a:r>
-            <a:r>
-              <a:rPr lang="en-US" b="1" dirty="0" smtClean="0">
-                <a:sym typeface="Helvetica"/>
-              </a:rPr>
-              <a:t>ephemeral</a:t>
-            </a:r>
-            <a:r>
-              <a:rPr lang="en-US" dirty="0" smtClean="0"/>
-              <a:t> — when you terminate your VM, or an unplanned re-start of the Hypervisor takes place in the NeCTAR Node, </a:t>
-            </a:r>
-            <a:r>
-              <a:rPr lang="en-US" u="sng" dirty="0" smtClean="0"/>
-              <a:t>the data will be lost and cannot be recovered</a:t>
-            </a:r>
-            <a:r>
-              <a:rPr lang="en-US" dirty="0" smtClean="0"/>
-              <a:t>! </a:t>
-            </a:r>
-          </a:p>
-          <a:p>
-            <a:pPr lvl="0"/>
-            <a:r>
-              <a:rPr lang="en-US" dirty="0" smtClean="0"/>
-              <a:t>You should treat it as </a:t>
-            </a:r>
-            <a:r>
-              <a:rPr lang="en-US" b="1" dirty="0" smtClean="0">
-                <a:sym typeface="Helvetica"/>
-              </a:rPr>
-              <a:t>scratch space</a:t>
-            </a:r>
-            <a:r>
-              <a:rPr lang="en-US" dirty="0" smtClean="0"/>
-              <a:t> and keep important data in either volumes or the object store.</a:t>
+            <a:pPr lvl="0"/>
+            <a:r>
+              <a:rPr lang="en-US" dirty="0" smtClean="0"/>
+              <a:t>Think of Volume Storage as a section of a large hard-drive which has been assigned for your use.</a:t>
+            </a:r>
+          </a:p>
+          <a:p>
+            <a:pPr lvl="0"/>
+            <a:r>
+              <a:rPr lang="en-US" dirty="0" smtClean="0"/>
+              <a:t>Volume storage can live outside your instance: It can be </a:t>
+            </a:r>
+            <a:r>
+              <a:rPr lang="en-US" i="1" dirty="0" smtClean="0"/>
+              <a:t>attached</a:t>
+            </a:r>
+            <a:r>
+              <a:rPr lang="en-US" dirty="0" smtClean="0"/>
+              <a:t> and then accessed from any of your instances (we will do this in Module 7).</a:t>
+            </a:r>
+          </a:p>
+          <a:p>
+            <a:pPr lvl="0"/>
+            <a:r>
+              <a:rPr lang="en-US" dirty="0" smtClean="0"/>
+              <a:t>Data on a Volume is retained when terminating VMs.</a:t>
+            </a:r>
+          </a:p>
+          <a:p>
+            <a:pPr lvl="0"/>
+            <a:r>
+              <a:rPr lang="en-US" dirty="0" smtClean="0"/>
+              <a:t>Volumes also offer a </a:t>
+            </a:r>
+            <a:r>
+              <a:rPr lang="en-US" i="1" dirty="0" smtClean="0"/>
+              <a:t>Snapshot</a:t>
+            </a:r>
+            <a:r>
+              <a:rPr lang="en-US" dirty="0" smtClean="0"/>
+              <a:t> feature which can be used to make convenient backups (see Module 9).</a:t>
             </a:r>
           </a:p>
           <a:p>
@@ -7807,7 +9095,7 @@
     </p:spTree>
     <p:extLst>
       <p:ext uri="{BB962C8B-B14F-4D97-AF65-F5344CB8AC3E}">
-        <p14:creationId xmlns:p14="http://schemas.microsoft.com/office/powerpoint/2010/main" val="1179909574"/>
+        <p14:creationId xmlns:p14="http://schemas.microsoft.com/office/powerpoint/2010/main" val="1535687527"/>
       </p:ext>
     </p:extLst>
   </p:cSld>
